--- a/doc/Presentation.pptx
+++ b/doc/Presentation.pptx
@@ -5,20 +5,23 @@
     <p:sldMasterId id="2147483648" r:id="rId1"/>
   </p:sldMasterIdLst>
   <p:notesMasterIdLst>
-    <p:notesMasterId r:id="rId10"/>
+    <p:notesMasterId r:id="rId13"/>
   </p:notesMasterIdLst>
   <p:handoutMasterIdLst>
-    <p:handoutMasterId r:id="rId11"/>
+    <p:handoutMasterId r:id="rId14"/>
   </p:handoutMasterIdLst>
   <p:sldIdLst>
     <p:sldId id="267" r:id="rId2"/>
-    <p:sldId id="291" r:id="rId3"/>
-    <p:sldId id="292" r:id="rId4"/>
-    <p:sldId id="296" r:id="rId5"/>
-    <p:sldId id="293" r:id="rId6"/>
-    <p:sldId id="294" r:id="rId7"/>
-    <p:sldId id="295" r:id="rId8"/>
-    <p:sldId id="259" r:id="rId9"/>
+    <p:sldId id="300" r:id="rId3"/>
+    <p:sldId id="297" r:id="rId4"/>
+    <p:sldId id="292" r:id="rId5"/>
+    <p:sldId id="296" r:id="rId6"/>
+    <p:sldId id="298" r:id="rId7"/>
+    <p:sldId id="299" r:id="rId8"/>
+    <p:sldId id="294" r:id="rId9"/>
+    <p:sldId id="302" r:id="rId10"/>
+    <p:sldId id="301" r:id="rId11"/>
+    <p:sldId id="259" r:id="rId12"/>
   </p:sldIdLst>
   <p:sldSz cx="9144000" cy="6858000" type="screen4x3"/>
   <p:notesSz cx="6858000" cy="9144000"/>
@@ -272,7 +275,7 @@
               <a:pPr>
                 <a:defRPr/>
               </a:pPr>
-              <a:t>6/19/2019</a:t>
+              <a:t>7/3/2019</a:t>
             </a:fld>
             <a:endParaRPr lang="en-US"/>
           </a:p>
@@ -359,7 +362,7 @@
               <a:pPr>
                 <a:defRPr/>
               </a:pPr>
-              <a:t>‹N°›</a:t>
+              <a:t>‹#›</a:t>
             </a:fld>
             <a:endParaRPr lang="en-US" altLang="fr-FR"/>
           </a:p>
@@ -483,7 +486,7 @@
               <a:pPr>
                 <a:defRPr/>
               </a:pPr>
-              <a:t>6/19/2019</a:t>
+              <a:t>7/3/2019</a:t>
             </a:fld>
             <a:endParaRPr lang="en-US"/>
           </a:p>
@@ -664,7 +667,7 @@
               <a:pPr>
                 <a:defRPr/>
               </a:pPr>
-              <a:t>‹N°›</a:t>
+              <a:t>‹#›</a:t>
             </a:fld>
             <a:endParaRPr lang="en-US" altLang="fr-FR"/>
           </a:p>
@@ -804,6 +807,276 @@
 </p:notesMaster>
 </file>
 
+<file path=ppt/notesSlides/notesSlide1.xml><?xml version="1.0" encoding="utf-8"?>
+<p:notes xmlns:a="http://schemas.openxmlformats.org/drawingml/2006/main" xmlns:r="http://schemas.openxmlformats.org/officeDocument/2006/relationships" xmlns:p="http://schemas.openxmlformats.org/presentationml/2006/main">
+  <p:cSld>
+    <p:spTree>
+      <p:nvGrpSpPr>
+        <p:cNvPr id="1" name=""/>
+        <p:cNvGrpSpPr/>
+        <p:nvPr/>
+      </p:nvGrpSpPr>
+      <p:grpSpPr>
+        <a:xfrm>
+          <a:off x="0" y="0"/>
+          <a:ext cx="0" cy="0"/>
+          <a:chOff x="0" y="0"/>
+          <a:chExt cx="0" cy="0"/>
+        </a:xfrm>
+      </p:grpSpPr>
+      <p:sp>
+        <p:nvSpPr>
+          <p:cNvPr id="2" name="Slide Image Placeholder 1"/>
+          <p:cNvSpPr>
+            <a:spLocks noGrp="1" noRot="1" noChangeAspect="1"/>
+          </p:cNvSpPr>
+          <p:nvPr>
+            <p:ph type="sldImg"/>
+          </p:nvPr>
+        </p:nvSpPr>
+        <p:spPr/>
+      </p:sp>
+      <p:sp>
+        <p:nvSpPr>
+          <p:cNvPr id="3" name="Notes Placeholder 2"/>
+          <p:cNvSpPr>
+            <a:spLocks noGrp="1"/>
+          </p:cNvSpPr>
+          <p:nvPr>
+            <p:ph type="body" idx="1"/>
+          </p:nvPr>
+        </p:nvSpPr>
+        <p:spPr/>
+        <p:txBody>
+          <a:bodyPr/>
+          <a:lstStyle/>
+          <a:p>
+            <a:endParaRPr lang="fr-CA" dirty="0"/>
+          </a:p>
+        </p:txBody>
+      </p:sp>
+      <p:sp>
+        <p:nvSpPr>
+          <p:cNvPr id="4" name="Slide Number Placeholder 3"/>
+          <p:cNvSpPr>
+            <a:spLocks noGrp="1"/>
+          </p:cNvSpPr>
+          <p:nvPr>
+            <p:ph type="sldNum" sz="quarter" idx="10"/>
+          </p:nvPr>
+        </p:nvSpPr>
+        <p:spPr/>
+        <p:txBody>
+          <a:bodyPr/>
+          <a:lstStyle/>
+          <a:p>
+            <a:pPr>
+              <a:defRPr/>
+            </a:pPr>
+            <a:fld id="{FD34BA39-C4C0-DA44-B299-9EC6790A769C}" type="slidenum">
+              <a:rPr lang="en-US" altLang="fr-FR" smtClean="0"/>
+              <a:pPr>
+                <a:defRPr/>
+              </a:pPr>
+              <a:t>1</a:t>
+            </a:fld>
+            <a:endParaRPr lang="en-US" altLang="fr-FR"/>
+          </a:p>
+        </p:txBody>
+      </p:sp>
+    </p:spTree>
+    <p:extLst>
+      <p:ext uri="{BB962C8B-B14F-4D97-AF65-F5344CB8AC3E}">
+        <p14:creationId xmlns:p14="http://schemas.microsoft.com/office/powerpoint/2010/main" val="1347876957"/>
+      </p:ext>
+    </p:extLst>
+  </p:cSld>
+  <p:clrMapOvr>
+    <a:masterClrMapping/>
+  </p:clrMapOvr>
+</p:notes>
+</file>
+
+<file path=ppt/notesSlides/notesSlide2.xml><?xml version="1.0" encoding="utf-8"?>
+<p:notes xmlns:a="http://schemas.openxmlformats.org/drawingml/2006/main" xmlns:r="http://schemas.openxmlformats.org/officeDocument/2006/relationships" xmlns:p="http://schemas.openxmlformats.org/presentationml/2006/main">
+  <p:cSld>
+    <p:spTree>
+      <p:nvGrpSpPr>
+        <p:cNvPr id="1" name=""/>
+        <p:cNvGrpSpPr/>
+        <p:nvPr/>
+      </p:nvGrpSpPr>
+      <p:grpSpPr>
+        <a:xfrm>
+          <a:off x="0" y="0"/>
+          <a:ext cx="0" cy="0"/>
+          <a:chOff x="0" y="0"/>
+          <a:chExt cx="0" cy="0"/>
+        </a:xfrm>
+      </p:grpSpPr>
+      <p:sp>
+        <p:nvSpPr>
+          <p:cNvPr id="2" name="Slide Image Placeholder 1"/>
+          <p:cNvSpPr>
+            <a:spLocks noGrp="1" noRot="1" noChangeAspect="1"/>
+          </p:cNvSpPr>
+          <p:nvPr>
+            <p:ph type="sldImg"/>
+          </p:nvPr>
+        </p:nvSpPr>
+        <p:spPr/>
+      </p:sp>
+      <p:sp>
+        <p:nvSpPr>
+          <p:cNvPr id="3" name="Notes Placeholder 2"/>
+          <p:cNvSpPr>
+            <a:spLocks noGrp="1"/>
+          </p:cNvSpPr>
+          <p:nvPr>
+            <p:ph type="body" idx="1"/>
+          </p:nvPr>
+        </p:nvSpPr>
+        <p:spPr/>
+        <p:txBody>
+          <a:bodyPr/>
+          <a:lstStyle/>
+          <a:p>
+            <a:endParaRPr lang="fr-CA" dirty="0"/>
+          </a:p>
+        </p:txBody>
+      </p:sp>
+      <p:sp>
+        <p:nvSpPr>
+          <p:cNvPr id="4" name="Slide Number Placeholder 3"/>
+          <p:cNvSpPr>
+            <a:spLocks noGrp="1"/>
+          </p:cNvSpPr>
+          <p:nvPr>
+            <p:ph type="sldNum" sz="quarter" idx="10"/>
+          </p:nvPr>
+        </p:nvSpPr>
+        <p:spPr/>
+        <p:txBody>
+          <a:bodyPr/>
+          <a:lstStyle/>
+          <a:p>
+            <a:pPr>
+              <a:defRPr/>
+            </a:pPr>
+            <a:fld id="{FD34BA39-C4C0-DA44-B299-9EC6790A769C}" type="slidenum">
+              <a:rPr lang="en-US" altLang="fr-FR" smtClean="0"/>
+              <a:pPr>
+                <a:defRPr/>
+              </a:pPr>
+              <a:t>6</a:t>
+            </a:fld>
+            <a:endParaRPr lang="en-US" altLang="fr-FR"/>
+          </a:p>
+        </p:txBody>
+      </p:sp>
+    </p:spTree>
+    <p:extLst>
+      <p:ext uri="{BB962C8B-B14F-4D97-AF65-F5344CB8AC3E}">
+        <p14:creationId xmlns:p14="http://schemas.microsoft.com/office/powerpoint/2010/main" val="3561379405"/>
+      </p:ext>
+    </p:extLst>
+  </p:cSld>
+  <p:clrMapOvr>
+    <a:masterClrMapping/>
+  </p:clrMapOvr>
+</p:notes>
+</file>
+
+<file path=ppt/notesSlides/notesSlide3.xml><?xml version="1.0" encoding="utf-8"?>
+<p:notes xmlns:a="http://schemas.openxmlformats.org/drawingml/2006/main" xmlns:r="http://schemas.openxmlformats.org/officeDocument/2006/relationships" xmlns:p="http://schemas.openxmlformats.org/presentationml/2006/main">
+  <p:cSld>
+    <p:spTree>
+      <p:nvGrpSpPr>
+        <p:cNvPr id="1" name=""/>
+        <p:cNvGrpSpPr/>
+        <p:nvPr/>
+      </p:nvGrpSpPr>
+      <p:grpSpPr>
+        <a:xfrm>
+          <a:off x="0" y="0"/>
+          <a:ext cx="0" cy="0"/>
+          <a:chOff x="0" y="0"/>
+          <a:chExt cx="0" cy="0"/>
+        </a:xfrm>
+      </p:grpSpPr>
+      <p:sp>
+        <p:nvSpPr>
+          <p:cNvPr id="2" name="Slide Image Placeholder 1"/>
+          <p:cNvSpPr>
+            <a:spLocks noGrp="1" noRot="1" noChangeAspect="1"/>
+          </p:cNvSpPr>
+          <p:nvPr>
+            <p:ph type="sldImg"/>
+          </p:nvPr>
+        </p:nvSpPr>
+        <p:spPr/>
+      </p:sp>
+      <p:sp>
+        <p:nvSpPr>
+          <p:cNvPr id="3" name="Notes Placeholder 2"/>
+          <p:cNvSpPr>
+            <a:spLocks noGrp="1"/>
+          </p:cNvSpPr>
+          <p:nvPr>
+            <p:ph type="body" idx="1"/>
+          </p:nvPr>
+        </p:nvSpPr>
+        <p:spPr/>
+        <p:txBody>
+          <a:bodyPr/>
+          <a:lstStyle/>
+          <a:p>
+            <a:endParaRPr lang="fr-CA" dirty="0"/>
+          </a:p>
+        </p:txBody>
+      </p:sp>
+      <p:sp>
+        <p:nvSpPr>
+          <p:cNvPr id="4" name="Slide Number Placeholder 3"/>
+          <p:cNvSpPr>
+            <a:spLocks noGrp="1"/>
+          </p:cNvSpPr>
+          <p:nvPr>
+            <p:ph type="sldNum" sz="quarter" idx="10"/>
+          </p:nvPr>
+        </p:nvSpPr>
+        <p:spPr/>
+        <p:txBody>
+          <a:bodyPr/>
+          <a:lstStyle/>
+          <a:p>
+            <a:pPr>
+              <a:defRPr/>
+            </a:pPr>
+            <a:fld id="{FD34BA39-C4C0-DA44-B299-9EC6790A769C}" type="slidenum">
+              <a:rPr lang="en-US" altLang="fr-FR" smtClean="0"/>
+              <a:pPr>
+                <a:defRPr/>
+              </a:pPr>
+              <a:t>7</a:t>
+            </a:fld>
+            <a:endParaRPr lang="en-US" altLang="fr-FR"/>
+          </a:p>
+        </p:txBody>
+      </p:sp>
+    </p:spTree>
+    <p:extLst>
+      <p:ext uri="{BB962C8B-B14F-4D97-AF65-F5344CB8AC3E}">
+        <p14:creationId xmlns:p14="http://schemas.microsoft.com/office/powerpoint/2010/main" val="1254620634"/>
+      </p:ext>
+    </p:extLst>
+  </p:cSld>
+  <p:clrMapOvr>
+    <a:masterClrMapping/>
+  </p:clrMapOvr>
+</p:notes>
+</file>
+
 <file path=ppt/slideLayouts/slideLayout1.xml><?xml version="1.0" encoding="utf-8"?>
 <p:sldLayout xmlns:a="http://schemas.openxmlformats.org/drawingml/2006/main" xmlns:r="http://schemas.openxmlformats.org/officeDocument/2006/relationships" xmlns:p="http://schemas.openxmlformats.org/presentationml/2006/main" preserve="1" userDrawn="1">
   <p:cSld name="Page couverture">
@@ -1018,6 +1291,10 @@
             <a:r>
               <a:rPr lang="en-US" err="1"/>
               <a:t>présentation</a:t>
+            </a:r>
+            <a:r>
+              <a:rPr lang="en-US"/>
+              <a:t/>
             </a:r>
             <a:br>
               <a:rPr lang="en-US"/>
@@ -1383,7 +1660,7 @@
               <a:pPr>
                 <a:defRPr/>
               </a:pPr>
-              <a:t>‹N°›</a:t>
+              <a:t>‹#›</a:t>
             </a:fld>
             <a:r>
               <a:rPr lang="en-US" altLang="fr-FR"/>
@@ -1706,7 +1983,7 @@
               <a:pPr>
                 <a:defRPr/>
               </a:pPr>
-              <a:t>‹N°›</a:t>
+              <a:t>‹#›</a:t>
             </a:fld>
             <a:r>
               <a:rPr lang="en-US" altLang="fr-FR"/>
@@ -2856,7 +3133,7 @@
               <a:pPr>
                 <a:defRPr/>
               </a:pPr>
-              <a:t>‹N°›</a:t>
+              <a:t>‹#›</a:t>
             </a:fld>
             <a:r>
               <a:rPr lang="en-US" altLang="fr-FR"/>
@@ -3413,6 +3690,36 @@
           <a:chExt cx="0" cy="0"/>
         </a:xfrm>
       </p:grpSpPr>
+      <p:pic>
+        <p:nvPicPr>
+          <p:cNvPr id="5" name="Picture 4"/>
+          <p:cNvPicPr>
+            <a:picLocks noChangeAspect="1"/>
+          </p:cNvPicPr>
+          <p:nvPr/>
+        </p:nvPicPr>
+        <p:blipFill>
+          <a:blip r:embed="rId3">
+            <a:extLst>
+              <a:ext uri="{28A0092B-C50C-407E-A947-70E740481C1C}">
+                <a14:useLocalDpi xmlns:a14="http://schemas.microsoft.com/office/drawing/2010/main" val="0"/>
+              </a:ext>
+            </a:extLst>
+          </a:blip>
+          <a:stretch>
+            <a:fillRect/>
+          </a:stretch>
+        </p:blipFill>
+        <p:spPr>
+          <a:xfrm>
+            <a:off x="0" y="0"/>
+            <a:ext cx="9144000" cy="6858000"/>
+          </a:xfrm>
+          <a:prstGeom prst="rect">
+            <a:avLst/>
+          </a:prstGeom>
+        </p:spPr>
+      </p:pic>
       <p:sp>
         <p:nvSpPr>
           <p:cNvPr id="2" name="Text Placeholder 1"/>
@@ -3425,7 +3732,7 @@
         </p:nvSpPr>
         <p:spPr>
           <a:xfrm>
-            <a:off x="673100" y="2463377"/>
+            <a:off x="393257" y="546086"/>
             <a:ext cx="8357486" cy="877887"/>
           </a:xfrm>
         </p:spPr>
@@ -3455,8 +3762,8 @@
         </p:nvSpPr>
         <p:spPr>
           <a:xfrm>
-            <a:off x="673100" y="4181767"/>
-            <a:ext cx="5629226" cy="548886"/>
+            <a:off x="1039555" y="1149530"/>
+            <a:ext cx="7300863" cy="548886"/>
           </a:xfrm>
         </p:spPr>
         <p:txBody>
@@ -3464,17 +3771,34 @@
           <a:lstStyle/>
           <a:p>
             <a:r>
-              <a:rPr lang="en-US" dirty="0"/>
+              <a:rPr lang="en-US" dirty="0">
+                <a:solidFill>
+                  <a:srgbClr val="FF0000"/>
+                </a:solidFill>
+              </a:rPr>
               <a:t>Team Actifs Transactionnels Services </a:t>
             </a:r>
             <a:r>
-              <a:rPr lang="en-US" dirty="0" err="1"/>
+              <a:rPr lang="en-US" dirty="0" err="1" smtClean="0">
+                <a:solidFill>
+                  <a:srgbClr val="FF0000"/>
+                </a:solidFill>
+              </a:rPr>
               <a:t>d’intégration</a:t>
             </a:r>
             <a:r>
-              <a:rPr lang="en-US" dirty="0"/>
-              <a:t> et MFY</a:t>
-            </a:r>
+              <a:rPr lang="en-US" dirty="0" smtClean="0">
+                <a:solidFill>
+                  <a:srgbClr val="FF0000"/>
+                </a:solidFill>
+              </a:rPr>
+              <a:t>, MFY et EMM</a:t>
+            </a:r>
+            <a:endParaRPr lang="en-US" dirty="0">
+              <a:solidFill>
+                <a:srgbClr val="FF0000"/>
+              </a:solidFill>
+            </a:endParaRPr>
           </a:p>
         </p:txBody>
       </p:sp>
@@ -3500,6 +3824,233 @@
           </a:p>
         </p:txBody>
       </p:sp>
+      <p:sp>
+        <p:nvSpPr>
+          <p:cNvPr id="6" name="Text Placeholder 2"/>
+          <p:cNvSpPr txBox="1">
+            <a:spLocks/>
+          </p:cNvSpPr>
+          <p:nvPr/>
+        </p:nvSpPr>
+        <p:spPr>
+          <a:xfrm>
+            <a:off x="1211620" y="6328779"/>
+            <a:ext cx="7300863" cy="278499"/>
+          </a:xfrm>
+          <a:prstGeom prst="rect">
+            <a:avLst/>
+          </a:prstGeom>
+        </p:spPr>
+        <p:txBody>
+          <a:bodyPr lIns="0" tIns="0" rIns="0" bIns="0"/>
+          <a:lstStyle>
+            <a:lvl1pPr marL="0" indent="0" algn="l" defTabSz="457200" rtl="0" eaLnBrk="1" fontAlgn="base" hangingPunct="1">
+              <a:lnSpc>
+                <a:spcPts val="2000"/>
+              </a:lnSpc>
+              <a:spcBef>
+                <a:spcPts val="0"/>
+              </a:spcBef>
+              <a:spcAft>
+                <a:spcPct val="0"/>
+              </a:spcAft>
+              <a:buClr>
+                <a:srgbClr val="FF0000"/>
+              </a:buClr>
+              <a:buFontTx/>
+              <a:buNone/>
+              <a:defRPr sz="1800" b="1" i="0" kern="1200">
+                <a:solidFill>
+                  <a:srgbClr val="004260"/>
+                </a:solidFill>
+                <a:latin typeface="Arial" charset="0"/>
+                <a:ea typeface="Arial" charset="0"/>
+                <a:cs typeface="Arial" charset="0"/>
+              </a:defRPr>
+            </a:lvl1pPr>
+            <a:lvl2pPr marL="0" indent="0" algn="l" defTabSz="457200" rtl="0" eaLnBrk="1" fontAlgn="base" hangingPunct="1">
+              <a:lnSpc>
+                <a:spcPts val="2000"/>
+              </a:lnSpc>
+              <a:spcBef>
+                <a:spcPts val="0"/>
+              </a:spcBef>
+              <a:spcAft>
+                <a:spcPct val="0"/>
+              </a:spcAft>
+              <a:buClr>
+                <a:srgbClr val="FF0000"/>
+              </a:buClr>
+              <a:buFontTx/>
+              <a:buNone/>
+              <a:defRPr sz="1800" b="1" i="0" kern="1200">
+                <a:solidFill>
+                  <a:srgbClr val="004260"/>
+                </a:solidFill>
+                <a:latin typeface="Arial" charset="0"/>
+                <a:ea typeface="Arial" charset="0"/>
+                <a:cs typeface="Arial" charset="0"/>
+              </a:defRPr>
+            </a:lvl2pPr>
+            <a:lvl3pPr marL="0" indent="0" algn="l" defTabSz="457200" rtl="0" eaLnBrk="1" fontAlgn="base" hangingPunct="1">
+              <a:lnSpc>
+                <a:spcPts val="2000"/>
+              </a:lnSpc>
+              <a:spcBef>
+                <a:spcPts val="0"/>
+              </a:spcBef>
+              <a:spcAft>
+                <a:spcPct val="0"/>
+              </a:spcAft>
+              <a:buClr>
+                <a:srgbClr val="FF0000"/>
+              </a:buClr>
+              <a:buFontTx/>
+              <a:buNone/>
+              <a:defRPr sz="1800" b="1" i="0" kern="1200">
+                <a:solidFill>
+                  <a:srgbClr val="004260"/>
+                </a:solidFill>
+                <a:latin typeface="Arial" charset="0"/>
+                <a:ea typeface="Arial" charset="0"/>
+                <a:cs typeface="Arial" charset="0"/>
+              </a:defRPr>
+            </a:lvl3pPr>
+            <a:lvl4pPr marL="0" indent="0" algn="l" defTabSz="457200" rtl="0" eaLnBrk="1" fontAlgn="base" hangingPunct="1">
+              <a:lnSpc>
+                <a:spcPts val="2000"/>
+              </a:lnSpc>
+              <a:spcBef>
+                <a:spcPts val="0"/>
+              </a:spcBef>
+              <a:spcAft>
+                <a:spcPct val="0"/>
+              </a:spcAft>
+              <a:buClr>
+                <a:srgbClr val="FF0000"/>
+              </a:buClr>
+              <a:buFontTx/>
+              <a:buNone/>
+              <a:defRPr sz="1800" b="1" i="0" kern="1200">
+                <a:solidFill>
+                  <a:srgbClr val="004260"/>
+                </a:solidFill>
+                <a:latin typeface="Arial" charset="0"/>
+                <a:ea typeface="Arial" charset="0"/>
+                <a:cs typeface="Arial" charset="0"/>
+              </a:defRPr>
+            </a:lvl4pPr>
+            <a:lvl5pPr marL="0" indent="0" algn="l" defTabSz="457200" rtl="0" eaLnBrk="1" fontAlgn="base" hangingPunct="1">
+              <a:lnSpc>
+                <a:spcPts val="2000"/>
+              </a:lnSpc>
+              <a:spcBef>
+                <a:spcPts val="0"/>
+              </a:spcBef>
+              <a:spcAft>
+                <a:spcPct val="0"/>
+              </a:spcAft>
+              <a:buClr>
+                <a:srgbClr val="FF0000"/>
+              </a:buClr>
+              <a:buFontTx/>
+              <a:buNone/>
+              <a:defRPr sz="1800" b="1" i="0" kern="1200">
+                <a:solidFill>
+                  <a:srgbClr val="004260"/>
+                </a:solidFill>
+                <a:latin typeface="Arial" charset="0"/>
+                <a:ea typeface="Arial" charset="0"/>
+                <a:cs typeface="Arial" charset="0"/>
+              </a:defRPr>
+            </a:lvl5pPr>
+            <a:lvl6pPr marL="2514600" indent="-228600" algn="l" defTabSz="457200" rtl="0" eaLnBrk="1" latinLnBrk="0" hangingPunct="1">
+              <a:spcBef>
+                <a:spcPct val="20000"/>
+              </a:spcBef>
+              <a:buFont typeface="Arial"/>
+              <a:buChar char="•"/>
+              <a:defRPr sz="2000" kern="1200">
+                <a:solidFill>
+                  <a:schemeClr val="tx1"/>
+                </a:solidFill>
+                <a:latin typeface="+mn-lt"/>
+                <a:ea typeface="+mn-ea"/>
+                <a:cs typeface="+mn-cs"/>
+              </a:defRPr>
+            </a:lvl6pPr>
+            <a:lvl7pPr marL="2971800" indent="-228600" algn="l" defTabSz="457200" rtl="0" eaLnBrk="1" latinLnBrk="0" hangingPunct="1">
+              <a:spcBef>
+                <a:spcPct val="20000"/>
+              </a:spcBef>
+              <a:buFont typeface="Arial"/>
+              <a:buChar char="•"/>
+              <a:defRPr sz="2000" kern="1200">
+                <a:solidFill>
+                  <a:schemeClr val="tx1"/>
+                </a:solidFill>
+                <a:latin typeface="+mn-lt"/>
+                <a:ea typeface="+mn-ea"/>
+                <a:cs typeface="+mn-cs"/>
+              </a:defRPr>
+            </a:lvl7pPr>
+            <a:lvl8pPr marL="3429000" indent="-228600" algn="l" defTabSz="457200" rtl="0" eaLnBrk="1" latinLnBrk="0" hangingPunct="1">
+              <a:spcBef>
+                <a:spcPct val="20000"/>
+              </a:spcBef>
+              <a:buFont typeface="Arial"/>
+              <a:buChar char="•"/>
+              <a:defRPr sz="2000" kern="1200">
+                <a:solidFill>
+                  <a:schemeClr val="tx1"/>
+                </a:solidFill>
+                <a:latin typeface="+mn-lt"/>
+                <a:ea typeface="+mn-ea"/>
+                <a:cs typeface="+mn-cs"/>
+              </a:defRPr>
+            </a:lvl8pPr>
+            <a:lvl9pPr marL="3886200" indent="-228600" algn="l" defTabSz="457200" rtl="0" eaLnBrk="1" latinLnBrk="0" hangingPunct="1">
+              <a:spcBef>
+                <a:spcPct val="20000"/>
+              </a:spcBef>
+              <a:buFont typeface="Arial"/>
+              <a:buChar char="•"/>
+              <a:defRPr sz="2000" kern="1200">
+                <a:solidFill>
+                  <a:schemeClr val="tx1"/>
+                </a:solidFill>
+                <a:latin typeface="+mn-lt"/>
+                <a:ea typeface="+mn-ea"/>
+                <a:cs typeface="+mn-cs"/>
+              </a:defRPr>
+            </a:lvl9pPr>
+          </a:lstStyle>
+          <a:p>
+            <a:r>
+              <a:rPr lang="fr-CA" dirty="0" smtClean="0">
+                <a:solidFill>
+                  <a:srgbClr val="FF0000"/>
+                </a:solidFill>
+              </a:rPr>
+              <a:t>Ça travaille fort… et Ion supervise en testant les biscuits </a:t>
+            </a:r>
+            <a:r>
+              <a:rPr lang="fr-CA" dirty="0" smtClean="0">
+                <a:solidFill>
+                  <a:srgbClr val="FF0000"/>
+                </a:solidFill>
+                <a:sym typeface="Wingdings" panose="05000000000000000000" pitchFamily="2" charset="2"/>
+              </a:rPr>
+              <a:t> </a:t>
+            </a:r>
+            <a:endParaRPr lang="fr-CA" dirty="0">
+              <a:solidFill>
+                <a:srgbClr val="FF0000"/>
+              </a:solidFill>
+            </a:endParaRPr>
+          </a:p>
+        </p:txBody>
+      </p:sp>
     </p:spTree>
     <p:extLst>
       <p:ext uri="{BB962C8B-B14F-4D97-AF65-F5344CB8AC3E}">
@@ -3510,6 +4061,338 @@
   <p:clrMapOvr>
     <a:masterClrMapping/>
   </p:clrMapOvr>
+  <p:timing>
+    <p:tnLst>
+      <p:par>
+        <p:cTn id="1" dur="indefinite" restart="never" nodeType="tmRoot"/>
+      </p:par>
+    </p:tnLst>
+  </p:timing>
+</p:sld>
+</file>
+
+<file path=ppt/slides/slide10.xml><?xml version="1.0" encoding="utf-8"?>
+<p:sld xmlns:a="http://schemas.openxmlformats.org/drawingml/2006/main" xmlns:r="http://schemas.openxmlformats.org/officeDocument/2006/relationships" xmlns:p="http://schemas.openxmlformats.org/presentationml/2006/main">
+  <p:cSld>
+    <p:spTree>
+      <p:nvGrpSpPr>
+        <p:cNvPr id="1" name=""/>
+        <p:cNvGrpSpPr/>
+        <p:nvPr/>
+      </p:nvGrpSpPr>
+      <p:grpSpPr>
+        <a:xfrm>
+          <a:off x="0" y="0"/>
+          <a:ext cx="0" cy="0"/>
+          <a:chOff x="0" y="0"/>
+          <a:chExt cx="0" cy="0"/>
+        </a:xfrm>
+      </p:grpSpPr>
+      <p:sp>
+        <p:nvSpPr>
+          <p:cNvPr id="2" name="Slide Number Placeholder 1">
+            <a:extLst>
+              <a:ext uri="{FF2B5EF4-FFF2-40B4-BE49-F238E27FC236}">
+                <a16:creationId xmlns:a16="http://schemas.microsoft.com/office/drawing/2014/main" id="{A1994FC2-703D-4349-9ED9-BFC264CD7D92}"/>
+              </a:ext>
+            </a:extLst>
+          </p:cNvPr>
+          <p:cNvSpPr>
+            <a:spLocks noGrp="1"/>
+          </p:cNvSpPr>
+          <p:nvPr>
+            <p:ph type="sldNum" sz="quarter" idx="4"/>
+          </p:nvPr>
+        </p:nvSpPr>
+        <p:spPr/>
+        <p:txBody>
+          <a:bodyPr/>
+          <a:lstStyle/>
+          <a:p>
+            <a:pPr>
+              <a:defRPr/>
+            </a:pPr>
+            <a:fld id="{B8744DBC-FE0A-FE49-B7DE-55FD1938715C}" type="slidenum">
+              <a:rPr lang="fr-CA" altLang="fr-FR" smtClean="0">
+                <a:latin typeface="Calibri" charset="0"/>
+                <a:ea typeface="Calibri" charset="0"/>
+                <a:cs typeface="Calibri" charset="0"/>
+              </a:rPr>
+              <a:pPr>
+                <a:defRPr/>
+              </a:pPr>
+              <a:t>10</a:t>
+            </a:fld>
+            <a:r>
+              <a:rPr lang="fr-CA" altLang="fr-FR"/>
+              <a:t> </a:t>
+            </a:r>
+          </a:p>
+        </p:txBody>
+      </p:sp>
+      <p:sp>
+        <p:nvSpPr>
+          <p:cNvPr id="3" name="Title 2">
+            <a:extLst>
+              <a:ext uri="{FF2B5EF4-FFF2-40B4-BE49-F238E27FC236}">
+                <a16:creationId xmlns:a16="http://schemas.microsoft.com/office/drawing/2014/main" id="{B91E08D8-42FF-5C49-A70D-B83A29A3F2FF}"/>
+              </a:ext>
+            </a:extLst>
+          </p:cNvPr>
+          <p:cNvSpPr>
+            <a:spLocks noGrp="1"/>
+          </p:cNvSpPr>
+          <p:nvPr>
+            <p:ph type="title"/>
+          </p:nvPr>
+        </p:nvSpPr>
+        <p:spPr/>
+        <p:txBody>
+          <a:bodyPr>
+            <a:normAutofit/>
+          </a:bodyPr>
+          <a:lstStyle/>
+          <a:p>
+            <a:r>
+              <a:rPr lang="en-CA" dirty="0" err="1" smtClean="0"/>
+              <a:t>Démos</a:t>
+            </a:r>
+            <a:endParaRPr lang="en-CA" dirty="0"/>
+          </a:p>
+        </p:txBody>
+      </p:sp>
+      <p:sp>
+        <p:nvSpPr>
+          <p:cNvPr id="4" name="Text Placeholder 3">
+            <a:extLst>
+              <a:ext uri="{FF2B5EF4-FFF2-40B4-BE49-F238E27FC236}">
+                <a16:creationId xmlns:a16="http://schemas.microsoft.com/office/drawing/2014/main" id="{CFB88BEF-5D73-D345-A71E-7D4554A1B176}"/>
+              </a:ext>
+            </a:extLst>
+          </p:cNvPr>
+          <p:cNvSpPr>
+            <a:spLocks noGrp="1"/>
+          </p:cNvSpPr>
+          <p:nvPr>
+            <p:ph type="body" sz="quarter" idx="11"/>
+          </p:nvPr>
+        </p:nvSpPr>
+        <p:spPr>
+          <a:xfrm>
+            <a:off x="455633" y="1181579"/>
+            <a:ext cx="8418543" cy="5511529"/>
+          </a:xfrm>
+        </p:spPr>
+        <p:txBody>
+          <a:bodyPr lIns="0" tIns="0" rIns="0" bIns="0" anchor="t"/>
+          <a:lstStyle/>
+          <a:p>
+            <a:endParaRPr lang="fr-CA" dirty="0"/>
+          </a:p>
+          <a:p>
+            <a:endParaRPr lang="fr-CA" dirty="0"/>
+          </a:p>
+          <a:p>
+            <a:endParaRPr lang="fr-CA" dirty="0"/>
+          </a:p>
+          <a:p>
+            <a:endParaRPr lang="fr-CA" dirty="0"/>
+          </a:p>
+          <a:p>
+            <a:endParaRPr lang="fr-CA" dirty="0"/>
+          </a:p>
+          <a:p>
+            <a:endParaRPr lang="fr-CA" dirty="0"/>
+          </a:p>
+          <a:p>
+            <a:endParaRPr lang="fr-CA" dirty="0"/>
+          </a:p>
+        </p:txBody>
+      </p:sp>
+      <p:sp>
+        <p:nvSpPr>
+          <p:cNvPr id="5" name="ZoneTexte 4">
+            <a:extLst>
+              <a:ext uri="{FF2B5EF4-FFF2-40B4-BE49-F238E27FC236}">
+                <a16:creationId xmlns:a16="http://schemas.microsoft.com/office/drawing/2014/main" id="{5058F90F-AC14-42A9-ABB0-96BA2040FF3D}"/>
+              </a:ext>
+            </a:extLst>
+          </p:cNvPr>
+          <p:cNvSpPr txBox="1"/>
+          <p:nvPr/>
+        </p:nvSpPr>
+        <p:spPr>
+          <a:xfrm>
+            <a:off x="103078" y="1303455"/>
+            <a:ext cx="8660778" cy="2308324"/>
+          </a:xfrm>
+          <a:prstGeom prst="rect">
+            <a:avLst/>
+          </a:prstGeom>
+          <a:noFill/>
+        </p:spPr>
+        <p:txBody>
+          <a:bodyPr wrap="square" rtlCol="0">
+            <a:spAutoFit/>
+          </a:bodyPr>
+          <a:lstStyle/>
+          <a:p>
+            <a:r>
+              <a:rPr lang="en-CA" dirty="0" smtClean="0"/>
+              <a:t>Ex: </a:t>
+            </a:r>
+            <a:r>
+              <a:rPr lang="en-CA" dirty="0" err="1" smtClean="0"/>
+              <a:t>pousser</a:t>
+            </a:r>
+            <a:r>
+              <a:rPr lang="en-CA" dirty="0" smtClean="0"/>
+              <a:t> un </a:t>
+            </a:r>
+            <a:r>
+              <a:rPr lang="en-CA" dirty="0" err="1" smtClean="0"/>
+              <a:t>changement</a:t>
+            </a:r>
+            <a:r>
+              <a:rPr lang="en-CA" dirty="0" smtClean="0"/>
+              <a:t> </a:t>
+            </a:r>
+            <a:r>
+              <a:rPr lang="en-CA" dirty="0" err="1" smtClean="0"/>
+              <a:t>dans</a:t>
+            </a:r>
+            <a:r>
+              <a:rPr lang="en-CA" dirty="0" smtClean="0"/>
+              <a:t> </a:t>
+            </a:r>
+            <a:r>
+              <a:rPr lang="en-CA" dirty="0" err="1" smtClean="0"/>
+              <a:t>github</a:t>
+            </a:r>
+            <a:r>
+              <a:rPr lang="en-CA" dirty="0" smtClean="0"/>
+              <a:t> et </a:t>
+            </a:r>
+            <a:r>
+              <a:rPr lang="en-CA" dirty="0" err="1" smtClean="0"/>
+              <a:t>voir</a:t>
+            </a:r>
+            <a:r>
+              <a:rPr lang="en-CA" dirty="0" smtClean="0"/>
+              <a:t> le pipeline </a:t>
+            </a:r>
+            <a:r>
+              <a:rPr lang="en-CA" dirty="0" err="1" smtClean="0"/>
+              <a:t>en</a:t>
+            </a:r>
+            <a:r>
+              <a:rPr lang="en-CA" dirty="0" smtClean="0"/>
+              <a:t> actions</a:t>
+            </a:r>
+            <a:endParaRPr lang="fr-CA" dirty="0" smtClean="0"/>
+          </a:p>
+          <a:p>
+            <a:endParaRPr lang="en-CA" dirty="0" smtClean="0"/>
+          </a:p>
+          <a:p>
+            <a:r>
+              <a:rPr lang="en-CA" dirty="0" smtClean="0"/>
+              <a:t>Faire un test avec Postman</a:t>
+            </a:r>
+          </a:p>
+          <a:p>
+            <a:endParaRPr lang="en-CA" dirty="0"/>
+          </a:p>
+          <a:p>
+            <a:endParaRPr lang="fr-CA" dirty="0"/>
+          </a:p>
+        </p:txBody>
+      </p:sp>
+    </p:spTree>
+    <p:extLst>
+      <p:ext uri="{BB962C8B-B14F-4D97-AF65-F5344CB8AC3E}">
+        <p14:creationId xmlns:p14="http://schemas.microsoft.com/office/powerpoint/2010/main" val="1245855091"/>
+      </p:ext>
+    </p:extLst>
+  </p:cSld>
+  <p:clrMapOvr>
+    <a:masterClrMapping/>
+  </p:clrMapOvr>
+  <p:timing>
+    <p:tnLst>
+      <p:par>
+        <p:cTn id="1" dur="indefinite" restart="never" nodeType="tmRoot"/>
+      </p:par>
+    </p:tnLst>
+  </p:timing>
+</p:sld>
+</file>
+
+<file path=ppt/slides/slide11.xml><?xml version="1.0" encoding="utf-8"?>
+<p:sld xmlns:a="http://schemas.openxmlformats.org/drawingml/2006/main" xmlns:r="http://schemas.openxmlformats.org/officeDocument/2006/relationships" xmlns:p="http://schemas.openxmlformats.org/presentationml/2006/main">
+  <p:cSld>
+    <p:spTree>
+      <p:nvGrpSpPr>
+        <p:cNvPr id="1" name=""/>
+        <p:cNvGrpSpPr/>
+        <p:nvPr/>
+      </p:nvGrpSpPr>
+      <p:grpSpPr>
+        <a:xfrm>
+          <a:off x="0" y="0"/>
+          <a:ext cx="0" cy="0"/>
+          <a:chOff x="0" y="0"/>
+          <a:chExt cx="0" cy="0"/>
+        </a:xfrm>
+      </p:grpSpPr>
+      <p:sp>
+        <p:nvSpPr>
+          <p:cNvPr id="2" name="Text Placeholder 1"/>
+          <p:cNvSpPr>
+            <a:spLocks noGrp="1"/>
+          </p:cNvSpPr>
+          <p:nvPr>
+            <p:ph type="body" sz="quarter" idx="11"/>
+          </p:nvPr>
+        </p:nvSpPr>
+        <p:spPr>
+          <a:xfrm>
+            <a:off x="673100" y="2463377"/>
+            <a:ext cx="5089747" cy="877887"/>
+          </a:xfrm>
+        </p:spPr>
+        <p:txBody>
+          <a:bodyPr lIns="0" tIns="0" rIns="0" bIns="0" anchor="t"/>
+          <a:lstStyle/>
+          <a:p>
+            <a:r>
+              <a:rPr lang="fr-CA" dirty="0">
+                <a:latin typeface="Arial"/>
+                <a:cs typeface="Arial"/>
+              </a:rPr>
+              <a:t>Q&amp;A</a:t>
+            </a:r>
+            <a:endParaRPr lang="fr-CA" dirty="0"/>
+          </a:p>
+        </p:txBody>
+      </p:sp>
+    </p:spTree>
+    <p:extLst>
+      <p:ext uri="{BB962C8B-B14F-4D97-AF65-F5344CB8AC3E}">
+        <p14:creationId xmlns:p14="http://schemas.microsoft.com/office/powerpoint/2010/main" val="348443466"/>
+      </p:ext>
+    </p:extLst>
+  </p:cSld>
+  <p:clrMapOvr>
+    <a:masterClrMapping/>
+  </p:clrMapOvr>
+  <p:timing>
+    <p:tnLst>
+      <p:par>
+        <p:cTn id="1" dur="indefinite" restart="never" nodeType="tmRoot"/>
+      </p:par>
+    </p:tnLst>
+  </p:timing>
 </p:sld>
 </file>
 
@@ -3596,9 +4479,14 @@
           <a:lstStyle/>
           <a:p>
             <a:r>
-              <a:rPr lang="fr-CA" b="0"/>
-              <a:t>Objectif de la présentation </a:t>
-            </a:r>
+              <a:rPr lang="en-CA" b="0" dirty="0" smtClean="0"/>
+              <a:t>Table des </a:t>
+            </a:r>
+            <a:r>
+              <a:rPr lang="en-CA" b="0" dirty="0" err="1" smtClean="0"/>
+              <a:t>matières</a:t>
+            </a:r>
+            <a:endParaRPr lang="fr-CA" b="0" dirty="0"/>
           </a:p>
         </p:txBody>
       </p:sp>
@@ -3628,64 +4516,150 @@
           <a:bodyPr lIns="0" tIns="0" rIns="0" bIns="0" anchor="t"/>
           <a:lstStyle/>
           <a:p>
-            <a:r>
-              <a:rPr lang="fr-CA" dirty="0"/>
-              <a:t>Démontrer nos apprentissages technique</a:t>
-            </a:r>
-          </a:p>
-          <a:p>
-            <a:r>
-              <a:rPr lang="fr-CA" dirty="0"/>
-              <a:t>DÉMO de notre résultat</a:t>
-            </a:r>
-          </a:p>
-          <a:p>
-            <a:r>
-              <a:rPr lang="fr-CA" dirty="0"/>
-              <a:t>Démontrer nos apprentissages travail d‘équipe</a:t>
-            </a:r>
-          </a:p>
-          <a:p>
-            <a:r>
-              <a:rPr lang="fr-CA" dirty="0"/>
-              <a:t>Démontrer nos apprentissages DevOps </a:t>
-            </a:r>
-          </a:p>
-          <a:p>
-            <a:r>
-              <a:rPr lang="fr-CA" dirty="0"/>
-              <a:t>-&gt; 3 vois du DevOps : </a:t>
-            </a:r>
-          </a:p>
-          <a:p>
-            <a:r>
-              <a:rPr lang="fr-CA" dirty="0"/>
-              <a:t> - Pensé systémique</a:t>
-            </a:r>
-          </a:p>
-          <a:p>
-            <a:r>
-              <a:rPr lang="fr-CA" dirty="0"/>
-              <a:t> - Amplifier la boucle de rétroaction</a:t>
-            </a:r>
-          </a:p>
-          <a:p>
-            <a:r>
-              <a:rPr lang="fr-CA" dirty="0"/>
-              <a:t> - Expérimenter et apprendre en continu</a:t>
-            </a:r>
-          </a:p>
-          <a:p>
-            <a:endParaRPr lang="fr-CA" dirty="0"/>
-          </a:p>
-          <a:p>
-            <a:endParaRPr lang="fr-CA" dirty="0"/>
-          </a:p>
-          <a:p>
-            <a:r>
-              <a:rPr lang="fr-CA" dirty="0"/>
-              <a:t>Démontrer nos apprentissages de « ce qu’on refuse de faire à l’avenir »</a:t>
-            </a:r>
+            <a:pPr marL="342900" indent="-342900">
+              <a:buFont typeface="+mj-lt"/>
+              <a:buAutoNum type="arabicPeriod"/>
+            </a:pPr>
+            <a:r>
+              <a:rPr lang="en-CA" dirty="0" err="1" smtClean="0"/>
+              <a:t>Objectif</a:t>
+            </a:r>
+            <a:r>
+              <a:rPr lang="en-CA" dirty="0" smtClean="0"/>
+              <a:t> du </a:t>
+            </a:r>
+            <a:r>
+              <a:rPr lang="en-CA" dirty="0" err="1" smtClean="0"/>
+              <a:t>parcourt</a:t>
+            </a:r>
+            <a:endParaRPr lang="en-CA" dirty="0" smtClean="0"/>
+          </a:p>
+          <a:p>
+            <a:pPr marL="342900" indent="-342900">
+              <a:buFont typeface="+mj-lt"/>
+              <a:buAutoNum type="arabicPeriod"/>
+            </a:pPr>
+            <a:endParaRPr lang="en-CA" dirty="0"/>
+          </a:p>
+          <a:p>
+            <a:pPr marL="342900" indent="-342900">
+              <a:buFont typeface="+mj-lt"/>
+              <a:buAutoNum type="arabicPeriod"/>
+            </a:pPr>
+            <a:r>
+              <a:rPr lang="en-CA" dirty="0" err="1" smtClean="0"/>
+              <a:t>Liste</a:t>
+            </a:r>
+            <a:r>
+              <a:rPr lang="en-CA" dirty="0" smtClean="0"/>
+              <a:t> des users story </a:t>
+            </a:r>
+            <a:r>
+              <a:rPr lang="en-CA" dirty="0" err="1" smtClean="0"/>
+              <a:t>complétés</a:t>
+            </a:r>
+            <a:endParaRPr lang="en-CA" dirty="0" smtClean="0"/>
+          </a:p>
+          <a:p>
+            <a:pPr marL="342900" indent="-342900">
+              <a:buFont typeface="+mj-lt"/>
+              <a:buAutoNum type="arabicPeriod"/>
+            </a:pPr>
+            <a:endParaRPr lang="en-CA" dirty="0" smtClean="0"/>
+          </a:p>
+          <a:p>
+            <a:pPr marL="342900" indent="-342900">
+              <a:buFont typeface="+mj-lt"/>
+              <a:buAutoNum type="arabicPeriod"/>
+            </a:pPr>
+            <a:r>
+              <a:rPr lang="en-CA" dirty="0" smtClean="0"/>
+              <a:t>Pipeline</a:t>
+            </a:r>
+          </a:p>
+          <a:p>
+            <a:pPr marL="627300" lvl="1" indent="-342900">
+              <a:buFont typeface="+mj-lt"/>
+              <a:buAutoNum type="arabicPeriod"/>
+            </a:pPr>
+            <a:r>
+              <a:rPr lang="en-CA" dirty="0" err="1" smtClean="0"/>
+              <a:t>Liste</a:t>
+            </a:r>
+            <a:r>
+              <a:rPr lang="en-CA" dirty="0" smtClean="0"/>
+              <a:t> des </a:t>
+            </a:r>
+            <a:r>
+              <a:rPr lang="en-CA" dirty="0" err="1" smtClean="0"/>
+              <a:t>outils</a:t>
+            </a:r>
+            <a:endParaRPr lang="en-CA" dirty="0" smtClean="0"/>
+          </a:p>
+          <a:p>
+            <a:pPr marL="627300" lvl="1" indent="-342900">
+              <a:buFont typeface="+mj-lt"/>
+              <a:buAutoNum type="arabicPeriod"/>
+            </a:pPr>
+            <a:r>
+              <a:rPr lang="en-CA" dirty="0" smtClean="0"/>
+              <a:t>CI   -  </a:t>
+            </a:r>
+            <a:r>
+              <a:rPr lang="en-CA" dirty="0" err="1" smtClean="0"/>
+              <a:t>Outils</a:t>
+            </a:r>
+            <a:endParaRPr lang="en-CA" dirty="0" smtClean="0"/>
+          </a:p>
+          <a:p>
+            <a:pPr marL="627300" lvl="1" indent="-342900">
+              <a:buFont typeface="+mj-lt"/>
+              <a:buAutoNum type="arabicPeriod"/>
+            </a:pPr>
+            <a:r>
+              <a:rPr lang="en-CA" dirty="0" smtClean="0"/>
+              <a:t>CD – </a:t>
+            </a:r>
+            <a:r>
+              <a:rPr lang="en-CA" dirty="0" err="1" smtClean="0"/>
+              <a:t>Outils</a:t>
+            </a:r>
+            <a:endParaRPr lang="en-CA" dirty="0" smtClean="0"/>
+          </a:p>
+          <a:p>
+            <a:pPr marL="342900" indent="-342900">
+              <a:buFont typeface="+mj-lt"/>
+              <a:buAutoNum type="arabicPeriod"/>
+            </a:pPr>
+            <a:endParaRPr lang="en-CA" dirty="0"/>
+          </a:p>
+          <a:p>
+            <a:pPr marL="342900" indent="-342900">
+              <a:buFont typeface="+mj-lt"/>
+              <a:buAutoNum type="arabicPeriod"/>
+            </a:pPr>
+            <a:r>
+              <a:rPr lang="en-CA" dirty="0" err="1" smtClean="0"/>
+              <a:t>Autres</a:t>
+            </a:r>
+            <a:r>
+              <a:rPr lang="en-CA" dirty="0" smtClean="0"/>
+              <a:t> </a:t>
+            </a:r>
+            <a:r>
+              <a:rPr lang="en-CA" dirty="0" err="1" smtClean="0"/>
+              <a:t>apprentissages</a:t>
+            </a:r>
+            <a:endParaRPr lang="en-CA" dirty="0" smtClean="0"/>
+          </a:p>
+          <a:p>
+            <a:endParaRPr lang="en-CA" dirty="0"/>
+          </a:p>
+          <a:p>
+            <a:endParaRPr lang="en-CA" dirty="0"/>
+          </a:p>
+          <a:p>
+            <a:endParaRPr lang="en-CA" dirty="0" smtClean="0"/>
           </a:p>
           <a:p>
             <a:endParaRPr lang="fr-CA" dirty="0"/>
@@ -3713,13 +4687,20 @@
     </p:spTree>
     <p:extLst>
       <p:ext uri="{BB962C8B-B14F-4D97-AF65-F5344CB8AC3E}">
-        <p14:creationId xmlns:p14="http://schemas.microsoft.com/office/powerpoint/2010/main" val="845322805"/>
+        <p14:creationId xmlns:p14="http://schemas.microsoft.com/office/powerpoint/2010/main" val="990938954"/>
       </p:ext>
     </p:extLst>
   </p:cSld>
   <p:clrMapOvr>
     <a:masterClrMapping/>
   </p:clrMapOvr>
+  <p:timing>
+    <p:tnLst>
+      <p:par>
+        <p:cTn id="1" dur="indefinite" restart="never" nodeType="tmRoot"/>
+      </p:par>
+    </p:tnLst>
+  </p:timing>
 </p:sld>
 </file>
 
@@ -3806,9 +4787,10 @@
           <a:lstStyle/>
           <a:p>
             <a:r>
-              <a:rPr lang="fr-CA" b="0" dirty="0"/>
-              <a:t>Apprentissage technique</a:t>
-            </a:r>
+              <a:rPr lang="en-CA" b="0" dirty="0" err="1" smtClean="0"/>
+              <a:t>Objectif</a:t>
+            </a:r>
+            <a:endParaRPr lang="fr-CA" b="0" dirty="0"/>
           </a:p>
         </p:txBody>
       </p:sp>
@@ -3831,45 +4813,127 @@
         <p:spPr>
           <a:xfrm>
             <a:off x="455633" y="1181579"/>
-            <a:ext cx="8418543" cy="5511529"/>
+            <a:ext cx="8418543" cy="3370756"/>
           </a:xfrm>
         </p:spPr>
         <p:txBody>
           <a:bodyPr lIns="0" tIns="0" rIns="0" bIns="0" anchor="t"/>
           <a:lstStyle/>
           <a:p>
-            <a:endParaRPr lang="fr-CA" dirty="0"/>
-          </a:p>
-          <a:p>
-            <a:endParaRPr lang="fr-CA" dirty="0"/>
-          </a:p>
-          <a:p>
-            <a:endParaRPr lang="fr-CA" dirty="0"/>
-          </a:p>
-          <a:p>
-            <a:endParaRPr lang="fr-CA" dirty="0"/>
-          </a:p>
-          <a:p>
-            <a:endParaRPr lang="fr-CA" dirty="0"/>
-          </a:p>
-          <a:p>
-            <a:endParaRPr lang="fr-CA" dirty="0"/>
-          </a:p>
-          <a:p>
-            <a:endParaRPr lang="fr-CA" dirty="0"/>
+            <a:pPr algn="just">
+              <a:lnSpc>
+                <a:spcPct val="150000"/>
+              </a:lnSpc>
+            </a:pPr>
+            <a:r>
+              <a:rPr lang="fr-CA" sz="3200" b="0" dirty="0" smtClean="0">
+                <a:latin typeface="+mn-lt"/>
+              </a:rPr>
+              <a:t>Expérimenter en équipe le processus </a:t>
+            </a:r>
+            <a:r>
+              <a:rPr lang="fr-CA" sz="3200" b="0" dirty="0" err="1" smtClean="0">
+                <a:latin typeface="+mn-lt"/>
+              </a:rPr>
+              <a:t>devops</a:t>
+            </a:r>
+            <a:r>
+              <a:rPr lang="fr-CA" sz="3200" b="0" dirty="0" smtClean="0">
+                <a:latin typeface="+mn-lt"/>
+              </a:rPr>
+              <a:t> à travers différents </a:t>
+            </a:r>
+            <a:r>
+              <a:rPr lang="fr-CA" sz="3200" b="0" dirty="0" smtClean="0">
+                <a:latin typeface="+mn-lt"/>
+              </a:rPr>
+              <a:t>laboratoires et à l’aide d’un travail d’équipe en utilisant des outils communs présentement en utilisation à la BNC.</a:t>
+            </a:r>
+          </a:p>
+          <a:p>
+            <a:pPr algn="just">
+              <a:lnSpc>
+                <a:spcPct val="150000"/>
+              </a:lnSpc>
+            </a:pPr>
+            <a:endParaRPr lang="fr-CA" sz="3200" b="0" dirty="0">
+              <a:latin typeface="+mn-lt"/>
+            </a:endParaRPr>
+          </a:p>
+          <a:p>
+            <a:pPr algn="just">
+              <a:lnSpc>
+                <a:spcPct val="150000"/>
+              </a:lnSpc>
+            </a:pPr>
+            <a:r>
+              <a:rPr lang="fr-CA" sz="3200" b="0" dirty="0" smtClean="0">
+                <a:latin typeface="+mn-lt"/>
+              </a:rPr>
+              <a:t>Être au même niveau de connaissance sur les principes et outils </a:t>
+            </a:r>
+            <a:r>
+              <a:rPr lang="fr-CA" sz="3200" b="0" dirty="0" err="1" smtClean="0">
+                <a:latin typeface="+mn-lt"/>
+              </a:rPr>
+              <a:t>DevOps</a:t>
+            </a:r>
+            <a:r>
+              <a:rPr lang="fr-CA" sz="3200" b="0" dirty="0" smtClean="0">
+                <a:latin typeface="+mn-lt"/>
+              </a:rPr>
+              <a:t>.</a:t>
+            </a:r>
+            <a:endParaRPr lang="fr-CA" sz="3200" b="0" dirty="0" smtClean="0">
+              <a:latin typeface="+mn-lt"/>
+            </a:endParaRPr>
+          </a:p>
+          <a:p>
+            <a:endParaRPr lang="fr-CA" sz="3200" dirty="0" smtClean="0"/>
+          </a:p>
+          <a:p>
+            <a:endParaRPr lang="fr-CA" sz="3200" dirty="0" smtClean="0"/>
+          </a:p>
+          <a:p>
+            <a:endParaRPr lang="fr-CA" sz="3200" dirty="0" smtClean="0"/>
+          </a:p>
+          <a:p>
+            <a:endParaRPr lang="fr-CA" sz="3200" dirty="0" smtClean="0"/>
+          </a:p>
+          <a:p>
+            <a:endParaRPr lang="fr-CA" sz="3200" dirty="0" smtClean="0"/>
+          </a:p>
+          <a:p>
+            <a:endParaRPr lang="fr-CA" sz="3200" dirty="0" smtClean="0"/>
+          </a:p>
+          <a:p>
+            <a:endParaRPr lang="fr-CA" sz="3200" dirty="0" smtClean="0"/>
+          </a:p>
+          <a:p>
+            <a:endParaRPr lang="fr-CA" sz="3200" dirty="0" smtClean="0"/>
+          </a:p>
+          <a:p>
+            <a:endParaRPr lang="fr-CA" sz="3200" dirty="0"/>
           </a:p>
         </p:txBody>
       </p:sp>
     </p:spTree>
     <p:extLst>
       <p:ext uri="{BB962C8B-B14F-4D97-AF65-F5344CB8AC3E}">
-        <p14:creationId xmlns:p14="http://schemas.microsoft.com/office/powerpoint/2010/main" val="2700211748"/>
+        <p14:creationId xmlns:p14="http://schemas.microsoft.com/office/powerpoint/2010/main" val="1811989755"/>
       </p:ext>
     </p:extLst>
   </p:cSld>
   <p:clrMapOvr>
     <a:masterClrMapping/>
   </p:clrMapOvr>
+  <p:timing>
+    <p:tnLst>
+      <p:par>
+        <p:cTn id="1" dur="indefinite" restart="never" nodeType="tmRoot"/>
+      </p:par>
+    </p:tnLst>
+  </p:timing>
 </p:sld>
 </file>
 
@@ -3956,9 +5020,18 @@
           <a:lstStyle/>
           <a:p>
             <a:r>
-              <a:rPr lang="fr-CA" b="0" dirty="0"/>
-              <a:t>Démo</a:t>
-            </a:r>
+              <a:rPr lang="en-CA" b="0" dirty="0" err="1" smtClean="0"/>
+              <a:t>Liste</a:t>
+            </a:r>
+            <a:r>
+              <a:rPr lang="en-CA" b="0" dirty="0" smtClean="0"/>
+              <a:t> des users story </a:t>
+            </a:r>
+            <a:r>
+              <a:rPr lang="en-CA" b="0" dirty="0" err="1" smtClean="0"/>
+              <a:t>complété</a:t>
+            </a:r>
+            <a:endParaRPr lang="fr-CA" b="0" dirty="0"/>
           </a:p>
         </p:txBody>
       </p:sp>
@@ -4010,16 +5083,122 @@
           </a:p>
         </p:txBody>
       </p:sp>
+      <p:graphicFrame>
+        <p:nvGraphicFramePr>
+          <p:cNvPr id="6" name="Object 5"/>
+          <p:cNvGraphicFramePr>
+            <a:graphicFrameLocks noChangeAspect="1"/>
+          </p:cNvGraphicFramePr>
+          <p:nvPr>
+            <p:extLst>
+              <p:ext uri="{D42A27DB-BD31-4B8C-83A1-F6EECF244321}">
+                <p14:modId xmlns:p14="http://schemas.microsoft.com/office/powerpoint/2010/main" val="4184579898"/>
+              </p:ext>
+            </p:extLst>
+          </p:nvPr>
+        </p:nvGraphicFramePr>
+        <p:xfrm>
+          <a:off x="457200" y="1372521"/>
+          <a:ext cx="8416976" cy="3602601"/>
+        </p:xfrm>
+        <a:graphic>
+          <a:graphicData uri="http://schemas.openxmlformats.org/presentationml/2006/ole">
+            <mc:AlternateContent xmlns:mc="http://schemas.openxmlformats.org/markup-compatibility/2006">
+              <mc:Choice xmlns:v="urn:schemas-microsoft-com:vml" Requires="v">
+                <p:oleObj spid="_x0000_s1057" name="Feuille de calcul" r:id="rId3" imgW="7105687" imgH="2952881" progId="Excel.Sheet.12">
+                  <p:embed/>
+                </p:oleObj>
+              </mc:Choice>
+              <mc:Fallback>
+                <p:oleObj name="Feuille de calcul" r:id="rId3" imgW="7105687" imgH="2952881" progId="Excel.Sheet.12">
+                  <p:embed/>
+                  <p:pic>
+                    <p:nvPicPr>
+                      <p:cNvPr id="0" name=""/>
+                      <p:cNvPicPr/>
+                      <p:nvPr/>
+                    </p:nvPicPr>
+                    <p:blipFill>
+                      <a:blip r:embed="rId4"/>
+                      <a:stretch>
+                        <a:fillRect/>
+                      </a:stretch>
+                    </p:blipFill>
+                    <p:spPr>
+                      <a:xfrm>
+                        <a:off x="457200" y="1372521"/>
+                        <a:ext cx="8416976" cy="3602601"/>
+                      </a:xfrm>
+                      <a:prstGeom prst="rect">
+                        <a:avLst/>
+                      </a:prstGeom>
+                    </p:spPr>
+                  </p:pic>
+                </p:oleObj>
+              </mc:Fallback>
+            </mc:AlternateContent>
+          </a:graphicData>
+        </a:graphic>
+      </p:graphicFrame>
+      <p:sp>
+        <p:nvSpPr>
+          <p:cNvPr id="7" name="TextBox 6"/>
+          <p:cNvSpPr txBox="1"/>
+          <p:nvPr/>
+        </p:nvSpPr>
+        <p:spPr>
+          <a:xfrm>
+            <a:off x="1661652" y="5722374"/>
+            <a:ext cx="4139275" cy="461665"/>
+          </a:xfrm>
+          <a:prstGeom prst="rect">
+            <a:avLst/>
+          </a:prstGeom>
+          <a:noFill/>
+        </p:spPr>
+        <p:txBody>
+          <a:bodyPr wrap="none" rtlCol="0">
+            <a:spAutoFit/>
+          </a:bodyPr>
+          <a:lstStyle/>
+          <a:p>
+            <a:r>
+              <a:rPr lang="en-CA" dirty="0" smtClean="0"/>
+              <a:t>Note : </a:t>
+            </a:r>
+            <a:r>
+              <a:rPr lang="en-CA" dirty="0" err="1" smtClean="0"/>
+              <a:t>printscreen</a:t>
+            </a:r>
+            <a:r>
+              <a:rPr lang="en-CA" dirty="0" smtClean="0"/>
+              <a:t> du </a:t>
+            </a:r>
+            <a:r>
+              <a:rPr lang="en-CA" dirty="0" err="1" smtClean="0"/>
+              <a:t>kanban</a:t>
+            </a:r>
+            <a:endParaRPr lang="fr-CA" dirty="0"/>
+          </a:p>
+        </p:txBody>
+      </p:sp>
     </p:spTree>
     <p:extLst>
       <p:ext uri="{BB962C8B-B14F-4D97-AF65-F5344CB8AC3E}">
-        <p14:creationId xmlns:p14="http://schemas.microsoft.com/office/powerpoint/2010/main" val="3875299367"/>
+        <p14:creationId xmlns:p14="http://schemas.microsoft.com/office/powerpoint/2010/main" val="2700211748"/>
       </p:ext>
     </p:extLst>
   </p:cSld>
   <p:clrMapOvr>
     <a:masterClrMapping/>
   </p:clrMapOvr>
+  <p:timing>
+    <p:tnLst>
+      <p:par>
+        <p:cTn id="1" dur="indefinite" restart="never" nodeType="tmRoot"/>
+      </p:par>
+    </p:tnLst>
+  </p:timing>
 </p:sld>
 </file>
 
@@ -4056,7 +5235,12 @@
             <p:ph type="sldNum" sz="quarter" idx="4"/>
           </p:nvPr>
         </p:nvSpPr>
-        <p:spPr/>
+        <p:spPr>
+          <a:xfrm>
+            <a:off x="7843284" y="5436012"/>
+            <a:ext cx="474872" cy="155575"/>
+          </a:xfrm>
+        </p:spPr>
         <p:txBody>
           <a:bodyPr/>
           <a:lstStyle/>
@@ -4098,7 +5282,12 @@
             <p:ph type="title"/>
           </p:nvPr>
         </p:nvSpPr>
-        <p:spPr/>
+        <p:spPr>
+          <a:xfrm>
+            <a:off x="297267" y="-51767"/>
+            <a:ext cx="8229600" cy="632079"/>
+          </a:xfrm>
+        </p:spPr>
         <p:txBody>
           <a:bodyPr>
             <a:normAutofit/>
@@ -4106,70 +5295,1263 @@
           <a:lstStyle/>
           <a:p>
             <a:r>
-              <a:rPr lang="fr-CA" b="0" dirty="0"/>
-              <a:t>Apprentissage travail d’équipe</a:t>
-            </a:r>
+              <a:rPr lang="en-CA" dirty="0" err="1" smtClean="0"/>
+              <a:t>Outils</a:t>
+            </a:r>
+            <a:endParaRPr lang="fr-CA" b="0" dirty="0"/>
           </a:p>
         </p:txBody>
       </p:sp>
-      <p:sp>
-        <p:nvSpPr>
-          <p:cNvPr id="4" name="Text Placeholder 3">
+      <p:graphicFrame>
+        <p:nvGraphicFramePr>
+          <p:cNvPr id="6" name="Table 5"/>
+          <p:cNvGraphicFramePr>
+            <a:graphicFrameLocks noGrp="1"/>
+          </p:cNvGraphicFramePr>
+          <p:nvPr>
+            <p:extLst>
+              <p:ext uri="{D42A27DB-BD31-4B8C-83A1-F6EECF244321}">
+                <p14:modId xmlns:p14="http://schemas.microsoft.com/office/powerpoint/2010/main" val="3411823728"/>
+              </p:ext>
+            </p:extLst>
+          </p:nvPr>
+        </p:nvGraphicFramePr>
+        <p:xfrm>
+          <a:off x="865238" y="255999"/>
+          <a:ext cx="8052621" cy="6187440"/>
+        </p:xfrm>
+        <a:graphic>
+          <a:graphicData uri="http://schemas.openxmlformats.org/drawingml/2006/table">
+            <a:tbl>
+              <a:tblPr firstRow="1" bandRow="1">
+                <a:tableStyleId>{5C22544A-7EE6-4342-B048-85BDC9FD1C3A}</a:tableStyleId>
+              </a:tblPr>
+              <a:tblGrid>
+                <a:gridCol w="2389239">
+                  <a:extLst>
+                    <a:ext uri="{9D8B030D-6E8A-4147-A177-3AD203B41FA5}">
+                      <a16:colId xmlns:a16="http://schemas.microsoft.com/office/drawing/2014/main" val="683746217"/>
+                    </a:ext>
+                  </a:extLst>
+                </a:gridCol>
+                <a:gridCol w="5663382">
+                  <a:extLst>
+                    <a:ext uri="{9D8B030D-6E8A-4147-A177-3AD203B41FA5}">
+                      <a16:colId xmlns:a16="http://schemas.microsoft.com/office/drawing/2014/main" val="1581265744"/>
+                    </a:ext>
+                  </a:extLst>
+                </a:gridCol>
+              </a:tblGrid>
+              <a:tr h="370840">
+                <a:tc>
+                  <a:txBody>
+                    <a:bodyPr/>
+                    <a:lstStyle/>
+                    <a:p>
+                      <a:r>
+                        <a:rPr lang="fr-CA" noProof="0" dirty="0" smtClean="0"/>
+                        <a:t>Outils</a:t>
+                      </a:r>
+                      <a:endParaRPr lang="fr-CA" noProof="0" dirty="0"/>
+                    </a:p>
+                  </a:txBody>
+                  <a:tcPr/>
+                </a:tc>
+                <a:tc>
+                  <a:txBody>
+                    <a:bodyPr/>
+                    <a:lstStyle/>
+                    <a:p>
+                      <a:r>
+                        <a:rPr lang="fr-CA" noProof="0" dirty="0" smtClean="0"/>
+                        <a:t>Description</a:t>
+                      </a:r>
+                      <a:endParaRPr lang="fr-CA" noProof="0" dirty="0"/>
+                    </a:p>
+                  </a:txBody>
+                  <a:tcPr/>
+                </a:tc>
+                <a:extLst>
+                  <a:ext uri="{0D108BD9-81ED-4DB2-BD59-A6C34878D82A}">
+                    <a16:rowId xmlns:a16="http://schemas.microsoft.com/office/drawing/2014/main" val="310896294"/>
+                  </a:ext>
+                </a:extLst>
+              </a:tr>
+              <a:tr h="370840">
+                <a:tc>
+                  <a:txBody>
+                    <a:bodyPr/>
+                    <a:lstStyle/>
+                    <a:p>
+                      <a:r>
+                        <a:rPr lang="en-CA" noProof="0" dirty="0" smtClean="0"/>
+                        <a:t>IntelliJ</a:t>
+                      </a:r>
+                      <a:endParaRPr lang="fr-CA" noProof="0" dirty="0"/>
+                    </a:p>
+                  </a:txBody>
+                  <a:tcPr/>
+                </a:tc>
+                <a:tc>
+                  <a:txBody>
+                    <a:bodyPr/>
+                    <a:lstStyle/>
+                    <a:p>
+                      <a:r>
+                        <a:rPr lang="en-CA" sz="1600" noProof="0" dirty="0" err="1" smtClean="0"/>
+                        <a:t>Outil</a:t>
+                      </a:r>
+                      <a:r>
+                        <a:rPr lang="en-CA" sz="1600" noProof="0" dirty="0" smtClean="0"/>
+                        <a:t> de </a:t>
+                      </a:r>
+                      <a:r>
+                        <a:rPr lang="en-CA" sz="1600" noProof="0" dirty="0" err="1" smtClean="0"/>
+                        <a:t>développement</a:t>
+                      </a:r>
+                      <a:r>
+                        <a:rPr lang="en-CA" sz="1600" noProof="0" dirty="0" smtClean="0"/>
+                        <a:t> (IDE)</a:t>
+                      </a:r>
+                      <a:endParaRPr lang="fr-CA" sz="1600" noProof="0" dirty="0"/>
+                    </a:p>
+                  </a:txBody>
+                  <a:tcPr/>
+                </a:tc>
+                <a:extLst>
+                  <a:ext uri="{0D108BD9-81ED-4DB2-BD59-A6C34878D82A}">
+                    <a16:rowId xmlns:a16="http://schemas.microsoft.com/office/drawing/2014/main" val="2094037730"/>
+                  </a:ext>
+                </a:extLst>
+              </a:tr>
+              <a:tr h="370840">
+                <a:tc>
+                  <a:txBody>
+                    <a:bodyPr/>
+                    <a:lstStyle/>
+                    <a:p>
+                      <a:r>
+                        <a:rPr lang="fr-CA" noProof="0" dirty="0" err="1" smtClean="0"/>
+                        <a:t>Spring</a:t>
+                      </a:r>
+                      <a:r>
+                        <a:rPr lang="fr-CA" baseline="0" noProof="0" dirty="0" smtClean="0"/>
+                        <a:t> Boot</a:t>
+                      </a:r>
+                      <a:endParaRPr lang="fr-CA" noProof="0" dirty="0"/>
+                    </a:p>
+                  </a:txBody>
+                  <a:tcPr/>
+                </a:tc>
+                <a:tc>
+                  <a:txBody>
+                    <a:bodyPr/>
+                    <a:lstStyle/>
+                    <a:p>
+                      <a:r>
+                        <a:rPr lang="fr-CA" sz="1600" noProof="0" dirty="0" smtClean="0"/>
+                        <a:t>Framework pour le développement</a:t>
+                      </a:r>
+                      <a:r>
+                        <a:rPr lang="fr-CA" sz="1600" baseline="0" noProof="0" dirty="0" smtClean="0"/>
+                        <a:t> et l’exécution</a:t>
+                      </a:r>
+                      <a:r>
+                        <a:rPr lang="fr-CA" sz="1600" noProof="0" dirty="0" smtClean="0"/>
+                        <a:t> d’APIs REST</a:t>
+                      </a:r>
+                      <a:endParaRPr lang="fr-CA" sz="1600" noProof="0" dirty="0"/>
+                    </a:p>
+                  </a:txBody>
+                  <a:tcPr/>
+                </a:tc>
+                <a:extLst>
+                  <a:ext uri="{0D108BD9-81ED-4DB2-BD59-A6C34878D82A}">
+                    <a16:rowId xmlns:a16="http://schemas.microsoft.com/office/drawing/2014/main" val="711332305"/>
+                  </a:ext>
+                </a:extLst>
+              </a:tr>
+              <a:tr h="370840">
+                <a:tc>
+                  <a:txBody>
+                    <a:bodyPr/>
+                    <a:lstStyle/>
+                    <a:p>
+                      <a:r>
+                        <a:rPr lang="fr-CA" noProof="0" dirty="0" smtClean="0"/>
+                        <a:t>Jenkins</a:t>
+                      </a:r>
+                      <a:endParaRPr lang="fr-CA" noProof="0" dirty="0"/>
+                    </a:p>
+                  </a:txBody>
+                  <a:tcPr/>
+                </a:tc>
+                <a:tc>
+                  <a:txBody>
+                    <a:bodyPr/>
+                    <a:lstStyle/>
+                    <a:p>
+                      <a:r>
+                        <a:rPr lang="fr-CA" sz="1600" noProof="0" dirty="0" smtClean="0"/>
+                        <a:t>Outil d’orchestration du CI/CD avec interface</a:t>
+                      </a:r>
+                      <a:r>
+                        <a:rPr lang="fr-CA" sz="1600" baseline="0" noProof="0" dirty="0" smtClean="0"/>
+                        <a:t> utilisateur</a:t>
+                      </a:r>
+                      <a:endParaRPr lang="fr-CA" sz="1600" noProof="0" dirty="0"/>
+                    </a:p>
+                  </a:txBody>
+                  <a:tcPr/>
+                </a:tc>
+                <a:extLst>
+                  <a:ext uri="{0D108BD9-81ED-4DB2-BD59-A6C34878D82A}">
+                    <a16:rowId xmlns:a16="http://schemas.microsoft.com/office/drawing/2014/main" val="1607987634"/>
+                  </a:ext>
+                </a:extLst>
+              </a:tr>
+              <a:tr h="370840">
+                <a:tc>
+                  <a:txBody>
+                    <a:bodyPr/>
+                    <a:lstStyle/>
+                    <a:p>
+                      <a:r>
+                        <a:rPr lang="fr-CA" noProof="0" dirty="0" smtClean="0"/>
+                        <a:t>Docker</a:t>
+                      </a:r>
+                      <a:endParaRPr lang="fr-CA" noProof="0" dirty="0"/>
+                    </a:p>
+                  </a:txBody>
+                  <a:tcPr/>
+                </a:tc>
+                <a:tc>
+                  <a:txBody>
+                    <a:bodyPr/>
+                    <a:lstStyle/>
+                    <a:p>
+                      <a:r>
+                        <a:rPr lang="fr-CA" sz="1600" noProof="0" dirty="0" smtClean="0"/>
+                        <a:t>Outil de création,</a:t>
+                      </a:r>
+                      <a:r>
+                        <a:rPr lang="fr-CA" sz="1600" baseline="0" noProof="0" dirty="0" smtClean="0"/>
+                        <a:t> déploiement et d’exécution d’application avec des containers</a:t>
+                      </a:r>
+                      <a:endParaRPr lang="fr-CA" sz="1600" noProof="0" dirty="0"/>
+                    </a:p>
+                  </a:txBody>
+                  <a:tcPr/>
+                </a:tc>
+                <a:extLst>
+                  <a:ext uri="{0D108BD9-81ED-4DB2-BD59-A6C34878D82A}">
+                    <a16:rowId xmlns:a16="http://schemas.microsoft.com/office/drawing/2014/main" val="1066826411"/>
+                  </a:ext>
+                </a:extLst>
+              </a:tr>
+              <a:tr h="370840">
+                <a:tc>
+                  <a:txBody>
+                    <a:bodyPr/>
+                    <a:lstStyle/>
+                    <a:p>
+                      <a:r>
+                        <a:rPr lang="fr-CA" noProof="0" dirty="0" err="1" smtClean="0"/>
+                        <a:t>Ansible</a:t>
+                      </a:r>
+                      <a:endParaRPr lang="fr-CA" noProof="0" dirty="0"/>
+                    </a:p>
+                  </a:txBody>
+                  <a:tcPr/>
+                </a:tc>
+                <a:tc>
+                  <a:txBody>
+                    <a:bodyPr/>
+                    <a:lstStyle/>
+                    <a:p>
+                      <a:r>
+                        <a:rPr lang="fr-CA" sz="1600" noProof="0" dirty="0" smtClean="0"/>
+                        <a:t>Outil d’automatisation d’application et d’infrastructure</a:t>
+                      </a:r>
+                      <a:r>
+                        <a:rPr lang="fr-CA" sz="1600" baseline="0" noProof="0" dirty="0" smtClean="0"/>
+                        <a:t> pour CI/CD</a:t>
+                      </a:r>
+                      <a:endParaRPr lang="fr-CA" sz="1600" noProof="0" dirty="0"/>
+                    </a:p>
+                  </a:txBody>
+                  <a:tcPr/>
+                </a:tc>
+                <a:extLst>
+                  <a:ext uri="{0D108BD9-81ED-4DB2-BD59-A6C34878D82A}">
+                    <a16:rowId xmlns:a16="http://schemas.microsoft.com/office/drawing/2014/main" val="3608020492"/>
+                  </a:ext>
+                </a:extLst>
+              </a:tr>
+              <a:tr h="370840">
+                <a:tc>
+                  <a:txBody>
+                    <a:bodyPr/>
+                    <a:lstStyle/>
+                    <a:p>
+                      <a:r>
+                        <a:rPr lang="fr-CA" noProof="0" dirty="0" err="1" smtClean="0"/>
+                        <a:t>Terraform</a:t>
+                      </a:r>
+                      <a:endParaRPr lang="fr-CA" noProof="0" dirty="0"/>
+                    </a:p>
+                  </a:txBody>
+                  <a:tcPr/>
+                </a:tc>
+                <a:tc>
+                  <a:txBody>
+                    <a:bodyPr/>
+                    <a:lstStyle/>
+                    <a:p>
+                      <a:r>
+                        <a:rPr lang="fr-CA" sz="1600" noProof="0" dirty="0" smtClean="0"/>
+                        <a:t>Outil pour bâtir, modifier</a:t>
+                      </a:r>
+                      <a:r>
+                        <a:rPr lang="fr-CA" sz="1600" baseline="0" noProof="0" dirty="0" smtClean="0"/>
+                        <a:t> et </a:t>
+                      </a:r>
+                      <a:r>
+                        <a:rPr lang="fr-CA" sz="1600" baseline="0" noProof="0" dirty="0" err="1" smtClean="0"/>
+                        <a:t>versionner</a:t>
+                      </a:r>
+                      <a:r>
+                        <a:rPr lang="fr-CA" sz="1600" baseline="0" noProof="0" dirty="0" smtClean="0"/>
+                        <a:t> des infrastructures de façon sécuritaire</a:t>
+                      </a:r>
+                      <a:endParaRPr lang="fr-CA" sz="1600" noProof="0" dirty="0"/>
+                    </a:p>
+                  </a:txBody>
+                  <a:tcPr/>
+                </a:tc>
+                <a:extLst>
+                  <a:ext uri="{0D108BD9-81ED-4DB2-BD59-A6C34878D82A}">
+                    <a16:rowId xmlns:a16="http://schemas.microsoft.com/office/drawing/2014/main" val="728769781"/>
+                  </a:ext>
+                </a:extLst>
+              </a:tr>
+              <a:tr h="370840">
+                <a:tc>
+                  <a:txBody>
+                    <a:bodyPr/>
+                    <a:lstStyle/>
+                    <a:p>
+                      <a:r>
+                        <a:rPr lang="fr-CA" noProof="0" dirty="0" smtClean="0"/>
+                        <a:t>Sonar</a:t>
+                      </a:r>
+                      <a:endParaRPr lang="fr-CA" noProof="0" dirty="0"/>
+                    </a:p>
+                  </a:txBody>
+                  <a:tcPr/>
+                </a:tc>
+                <a:tc>
+                  <a:txBody>
+                    <a:bodyPr/>
+                    <a:lstStyle/>
+                    <a:p>
+                      <a:r>
+                        <a:rPr lang="fr-CA" sz="1600" noProof="0" dirty="0" smtClean="0"/>
+                        <a:t>Outil d’inspection</a:t>
+                      </a:r>
+                      <a:r>
+                        <a:rPr lang="fr-CA" sz="1600" baseline="0" noProof="0" dirty="0" smtClean="0"/>
+                        <a:t> continue et </a:t>
+                      </a:r>
+                      <a:r>
+                        <a:rPr lang="fr-CA" sz="1600" noProof="0" dirty="0" smtClean="0"/>
+                        <a:t>d’analyse de code</a:t>
+                      </a:r>
+                      <a:endParaRPr lang="fr-CA" sz="1600" noProof="0" dirty="0"/>
+                    </a:p>
+                  </a:txBody>
+                  <a:tcPr/>
+                </a:tc>
+                <a:extLst>
+                  <a:ext uri="{0D108BD9-81ED-4DB2-BD59-A6C34878D82A}">
+                    <a16:rowId xmlns:a16="http://schemas.microsoft.com/office/drawing/2014/main" val="1638755833"/>
+                  </a:ext>
+                </a:extLst>
+              </a:tr>
+              <a:tr h="370840">
+                <a:tc>
+                  <a:txBody>
+                    <a:bodyPr/>
+                    <a:lstStyle/>
+                    <a:p>
+                      <a:r>
+                        <a:rPr lang="fr-CA" noProof="0" dirty="0" smtClean="0"/>
+                        <a:t>Nexus</a:t>
+                      </a:r>
+                      <a:endParaRPr lang="fr-CA" noProof="0" dirty="0"/>
+                    </a:p>
+                  </a:txBody>
+                  <a:tcPr/>
+                </a:tc>
+                <a:tc>
+                  <a:txBody>
+                    <a:bodyPr/>
+                    <a:lstStyle/>
+                    <a:p>
+                      <a:r>
+                        <a:rPr lang="fr-CA" sz="1600" noProof="0" dirty="0" err="1" smtClean="0"/>
+                        <a:t>Répository</a:t>
+                      </a:r>
+                      <a:r>
+                        <a:rPr lang="fr-CA" sz="1600" baseline="0" noProof="0" dirty="0" smtClean="0"/>
+                        <a:t> d’artefacts binaire</a:t>
+                      </a:r>
+                      <a:endParaRPr lang="fr-CA" sz="1600" noProof="0" dirty="0"/>
+                    </a:p>
+                  </a:txBody>
+                  <a:tcPr/>
+                </a:tc>
+                <a:extLst>
+                  <a:ext uri="{0D108BD9-81ED-4DB2-BD59-A6C34878D82A}">
+                    <a16:rowId xmlns:a16="http://schemas.microsoft.com/office/drawing/2014/main" val="493611944"/>
+                  </a:ext>
+                </a:extLst>
+              </a:tr>
+              <a:tr h="370840">
+                <a:tc>
+                  <a:txBody>
+                    <a:bodyPr/>
+                    <a:lstStyle/>
+                    <a:p>
+                      <a:r>
+                        <a:rPr lang="fr-CA" noProof="0" dirty="0" smtClean="0"/>
+                        <a:t>GitHub</a:t>
+                      </a:r>
+                      <a:endParaRPr lang="fr-CA" noProof="0" dirty="0"/>
+                    </a:p>
+                  </a:txBody>
+                  <a:tcPr/>
+                </a:tc>
+                <a:tc>
+                  <a:txBody>
+                    <a:bodyPr/>
+                    <a:lstStyle/>
+                    <a:p>
+                      <a:r>
+                        <a:rPr lang="fr-CA" sz="1600" noProof="0" dirty="0" err="1" smtClean="0"/>
+                        <a:t>Répository</a:t>
+                      </a:r>
+                      <a:r>
+                        <a:rPr lang="fr-CA" sz="1600" noProof="0" dirty="0" smtClean="0"/>
+                        <a:t> de code</a:t>
+                      </a:r>
+                      <a:r>
+                        <a:rPr lang="fr-CA" sz="1600" baseline="0" noProof="0" dirty="0" smtClean="0"/>
+                        <a:t> source</a:t>
+                      </a:r>
+                      <a:endParaRPr lang="fr-CA" sz="1600" noProof="0" dirty="0"/>
+                    </a:p>
+                  </a:txBody>
+                  <a:tcPr/>
+                </a:tc>
+                <a:extLst>
+                  <a:ext uri="{0D108BD9-81ED-4DB2-BD59-A6C34878D82A}">
+                    <a16:rowId xmlns:a16="http://schemas.microsoft.com/office/drawing/2014/main" val="1048000497"/>
+                  </a:ext>
+                </a:extLst>
+              </a:tr>
+              <a:tr h="370840">
+                <a:tc>
+                  <a:txBody>
+                    <a:bodyPr/>
+                    <a:lstStyle/>
+                    <a:p>
+                      <a:r>
+                        <a:rPr lang="fr-CA" noProof="0" dirty="0" err="1" smtClean="0"/>
+                        <a:t>Maven</a:t>
+                      </a:r>
+                      <a:endParaRPr lang="fr-CA" noProof="0" dirty="0"/>
+                    </a:p>
+                  </a:txBody>
+                  <a:tcPr/>
+                </a:tc>
+                <a:tc>
+                  <a:txBody>
+                    <a:bodyPr/>
+                    <a:lstStyle/>
+                    <a:p>
+                      <a:r>
+                        <a:rPr lang="fr-CA" sz="1600" noProof="0" dirty="0" smtClean="0"/>
+                        <a:t>Outil de compilation</a:t>
+                      </a:r>
+                      <a:r>
+                        <a:rPr lang="fr-CA" sz="1600" baseline="0" noProof="0" dirty="0" smtClean="0"/>
+                        <a:t> et déploiement JAVA</a:t>
+                      </a:r>
+                      <a:endParaRPr lang="fr-CA" sz="1600" noProof="0" dirty="0"/>
+                    </a:p>
+                  </a:txBody>
+                  <a:tcPr/>
+                </a:tc>
+                <a:extLst>
+                  <a:ext uri="{0D108BD9-81ED-4DB2-BD59-A6C34878D82A}">
+                    <a16:rowId xmlns:a16="http://schemas.microsoft.com/office/drawing/2014/main" val="226159774"/>
+                  </a:ext>
+                </a:extLst>
+              </a:tr>
+              <a:tr h="370840">
+                <a:tc>
+                  <a:txBody>
+                    <a:bodyPr/>
+                    <a:lstStyle/>
+                    <a:p>
+                      <a:r>
+                        <a:rPr lang="fr-CA" noProof="0" dirty="0" err="1" smtClean="0"/>
+                        <a:t>Kubernetes</a:t>
+                      </a:r>
+                      <a:endParaRPr lang="fr-CA" noProof="0" dirty="0"/>
+                    </a:p>
+                  </a:txBody>
+                  <a:tcPr/>
+                </a:tc>
+                <a:tc>
+                  <a:txBody>
+                    <a:bodyPr/>
+                    <a:lstStyle/>
+                    <a:p>
+                      <a:r>
+                        <a:rPr lang="fr-CA" sz="1600" noProof="0" dirty="0" smtClean="0"/>
+                        <a:t>Outil</a:t>
+                      </a:r>
+                      <a:r>
+                        <a:rPr lang="fr-CA" sz="1600" baseline="0" noProof="0" dirty="0" smtClean="0"/>
+                        <a:t> d’orchestration de containers  (ex: docker)</a:t>
+                      </a:r>
+                      <a:endParaRPr lang="fr-CA" sz="1600" noProof="0" dirty="0"/>
+                    </a:p>
+                  </a:txBody>
+                  <a:tcPr/>
+                </a:tc>
+                <a:extLst>
+                  <a:ext uri="{0D108BD9-81ED-4DB2-BD59-A6C34878D82A}">
+                    <a16:rowId xmlns:a16="http://schemas.microsoft.com/office/drawing/2014/main" val="3177048028"/>
+                  </a:ext>
+                </a:extLst>
+              </a:tr>
+              <a:tr h="370840">
+                <a:tc>
+                  <a:txBody>
+                    <a:bodyPr/>
+                    <a:lstStyle/>
+                    <a:p>
+                      <a:r>
+                        <a:rPr lang="en-CA" noProof="0" dirty="0" smtClean="0"/>
+                        <a:t>Postman</a:t>
+                      </a:r>
+                      <a:endParaRPr lang="fr-CA" noProof="0" dirty="0"/>
+                    </a:p>
+                  </a:txBody>
+                  <a:tcPr/>
+                </a:tc>
+                <a:tc>
+                  <a:txBody>
+                    <a:bodyPr/>
+                    <a:lstStyle/>
+                    <a:p>
+                      <a:r>
+                        <a:rPr lang="en-CA" sz="1600" noProof="0" dirty="0" err="1" smtClean="0"/>
+                        <a:t>Outil</a:t>
+                      </a:r>
+                      <a:r>
+                        <a:rPr lang="en-CA" sz="1600" noProof="0" dirty="0" smtClean="0"/>
+                        <a:t> de</a:t>
+                      </a:r>
+                      <a:r>
+                        <a:rPr lang="en-CA" sz="1600" baseline="0" noProof="0" dirty="0" smtClean="0"/>
+                        <a:t> tests pour les services</a:t>
+                      </a:r>
+                      <a:endParaRPr lang="fr-CA" sz="1600" noProof="0" dirty="0"/>
+                    </a:p>
+                  </a:txBody>
+                  <a:tcPr/>
+                </a:tc>
+                <a:extLst>
+                  <a:ext uri="{0D108BD9-81ED-4DB2-BD59-A6C34878D82A}">
+                    <a16:rowId xmlns:a16="http://schemas.microsoft.com/office/drawing/2014/main" val="1959414612"/>
+                  </a:ext>
+                </a:extLst>
+              </a:tr>
+              <a:tr h="370840">
+                <a:tc>
+                  <a:txBody>
+                    <a:bodyPr/>
+                    <a:lstStyle/>
+                    <a:p>
+                      <a:r>
+                        <a:rPr lang="en-CA" noProof="0" dirty="0" smtClean="0"/>
+                        <a:t>JUnit</a:t>
+                      </a:r>
+                      <a:endParaRPr lang="fr-CA" noProof="0" dirty="0"/>
+                    </a:p>
+                  </a:txBody>
+                  <a:tcPr/>
+                </a:tc>
+                <a:tc>
+                  <a:txBody>
+                    <a:bodyPr/>
+                    <a:lstStyle/>
+                    <a:p>
+                      <a:r>
+                        <a:rPr lang="en-CA" sz="1600" noProof="0" dirty="0" smtClean="0"/>
+                        <a:t>Framework de tests </a:t>
+                      </a:r>
+                      <a:r>
+                        <a:rPr lang="en-CA" sz="1600" noProof="0" dirty="0" err="1" smtClean="0"/>
+                        <a:t>unitaires</a:t>
+                      </a:r>
+                      <a:r>
+                        <a:rPr lang="en-CA" sz="1600" noProof="0" dirty="0" smtClean="0"/>
+                        <a:t> Java</a:t>
+                      </a:r>
+                      <a:endParaRPr lang="fr-CA" sz="1600" noProof="0" dirty="0"/>
+                    </a:p>
+                  </a:txBody>
+                  <a:tcPr/>
+                </a:tc>
+                <a:extLst>
+                  <a:ext uri="{0D108BD9-81ED-4DB2-BD59-A6C34878D82A}">
+                    <a16:rowId xmlns:a16="http://schemas.microsoft.com/office/drawing/2014/main" val="2951977720"/>
+                  </a:ext>
+                </a:extLst>
+              </a:tr>
+              <a:tr h="370840">
+                <a:tc>
+                  <a:txBody>
+                    <a:bodyPr/>
+                    <a:lstStyle/>
+                    <a:p>
+                      <a:r>
+                        <a:rPr lang="fr-CA" noProof="0" dirty="0" smtClean="0"/>
+                        <a:t>Amazon Web Services</a:t>
+                      </a:r>
+                      <a:endParaRPr lang="fr-CA" noProof="0" dirty="0"/>
+                    </a:p>
+                  </a:txBody>
+                  <a:tcPr/>
+                </a:tc>
+                <a:tc>
+                  <a:txBody>
+                    <a:bodyPr/>
+                    <a:lstStyle/>
+                    <a:p>
+                      <a:pPr marL="0" algn="l" defTabSz="457200" rtl="0" eaLnBrk="1" latinLnBrk="0" hangingPunct="1"/>
+                      <a:r>
+                        <a:rPr lang="fr-CA" sz="1600" kern="1200" noProof="0" dirty="0" smtClean="0">
+                          <a:solidFill>
+                            <a:schemeClr val="dk1"/>
+                          </a:solidFill>
+                          <a:latin typeface="+mn-lt"/>
+                          <a:ea typeface="+mn-ea"/>
+                          <a:cs typeface="+mn-cs"/>
+                        </a:rPr>
+                        <a:t>Plateforme Cloud pour gérer l’infrastructure en apportant flexibilité</a:t>
+                      </a:r>
+                      <a:endParaRPr lang="fr-CA" sz="1600" kern="1200" noProof="0" dirty="0">
+                        <a:solidFill>
+                          <a:schemeClr val="dk1"/>
+                        </a:solidFill>
+                        <a:latin typeface="+mn-lt"/>
+                        <a:ea typeface="+mn-ea"/>
+                        <a:cs typeface="+mn-cs"/>
+                      </a:endParaRPr>
+                    </a:p>
+                  </a:txBody>
+                  <a:tcPr/>
+                </a:tc>
+                <a:extLst>
+                  <a:ext uri="{0D108BD9-81ED-4DB2-BD59-A6C34878D82A}">
+                    <a16:rowId xmlns:a16="http://schemas.microsoft.com/office/drawing/2014/main" val="2363115708"/>
+                  </a:ext>
+                </a:extLst>
+              </a:tr>
+            </a:tbl>
+          </a:graphicData>
+        </a:graphic>
+      </p:graphicFrame>
+      <p:pic>
+        <p:nvPicPr>
+          <p:cNvPr id="2050" name="Picture 2" descr="Image result for intellij icon"/>
+          <p:cNvPicPr>
+            <a:picLocks noChangeAspect="1" noChangeArrowheads="1"/>
+          </p:cNvPicPr>
+          <p:nvPr/>
+        </p:nvPicPr>
+        <p:blipFill>
+          <a:blip r:embed="rId2">
             <a:extLst>
-              <a:ext uri="{FF2B5EF4-FFF2-40B4-BE49-F238E27FC236}">
-                <a16:creationId xmlns:a16="http://schemas.microsoft.com/office/drawing/2014/main" id="{CFB88BEF-5D73-D345-A71E-7D4554A1B176}"/>
+              <a:ext uri="{28A0092B-C50C-407E-A947-70E740481C1C}">
+                <a14:useLocalDpi xmlns:a14="http://schemas.microsoft.com/office/drawing/2010/main" val="0"/>
               </a:ext>
             </a:extLst>
-          </p:cNvPr>
-          <p:cNvSpPr>
-            <a:spLocks noGrp="1"/>
-          </p:cNvSpPr>
-          <p:nvPr>
-            <p:ph type="body" sz="quarter" idx="11"/>
-          </p:nvPr>
-        </p:nvSpPr>
+          </a:blip>
+          <a:srcRect/>
+          <a:stretch>
+            <a:fillRect/>
+          </a:stretch>
+        </p:blipFill>
+        <p:spPr bwMode="auto">
+          <a:xfrm>
+            <a:off x="444040" y="702907"/>
+            <a:ext cx="301625" cy="301625"/>
+          </a:xfrm>
+          <a:prstGeom prst="rect">
+            <a:avLst/>
+          </a:prstGeom>
+          <a:noFill/>
+          <a:extLst>
+            <a:ext uri="{909E8E84-426E-40DD-AFC4-6F175D3DCCD1}">
+              <a14:hiddenFill xmlns:a14="http://schemas.microsoft.com/office/drawing/2010/main">
+                <a:solidFill>
+                  <a:srgbClr val="FFFFFF"/>
+                </a:solidFill>
+              </a14:hiddenFill>
+            </a:ext>
+          </a:extLst>
+        </p:spPr>
+      </p:pic>
+      <p:pic>
+        <p:nvPicPr>
+          <p:cNvPr id="2052" name="Picture 4" descr="Image result for spring boot icon"/>
+          <p:cNvPicPr>
+            <a:picLocks noChangeAspect="1" noChangeArrowheads="1"/>
+          </p:cNvPicPr>
+          <p:nvPr/>
+        </p:nvPicPr>
+        <p:blipFill>
+          <a:blip r:embed="rId3">
+            <a:extLst>
+              <a:ext uri="{28A0092B-C50C-407E-A947-70E740481C1C}">
+                <a14:useLocalDpi xmlns:a14="http://schemas.microsoft.com/office/drawing/2010/main" val="0"/>
+              </a:ext>
+            </a:extLst>
+          </a:blip>
+          <a:srcRect/>
+          <a:stretch>
+            <a:fillRect/>
+          </a:stretch>
+        </p:blipFill>
+        <p:spPr bwMode="auto">
+          <a:xfrm>
+            <a:off x="187885" y="1004532"/>
+            <a:ext cx="588863" cy="309153"/>
+          </a:xfrm>
+          <a:prstGeom prst="rect">
+            <a:avLst/>
+          </a:prstGeom>
+          <a:noFill/>
+          <a:extLst>
+            <a:ext uri="{909E8E84-426E-40DD-AFC4-6F175D3DCCD1}">
+              <a14:hiddenFill xmlns:a14="http://schemas.microsoft.com/office/drawing/2010/main">
+                <a:solidFill>
+                  <a:srgbClr val="FFFFFF"/>
+                </a:solidFill>
+              </a14:hiddenFill>
+            </a:ext>
+          </a:extLst>
+        </p:spPr>
+      </p:pic>
+      <p:pic>
+        <p:nvPicPr>
+          <p:cNvPr id="2054" name="Picture 6" descr="Image result for jenkins icon"/>
+          <p:cNvPicPr>
+            <a:picLocks noChangeAspect="1" noChangeArrowheads="1"/>
+          </p:cNvPicPr>
+          <p:nvPr/>
+        </p:nvPicPr>
+        <p:blipFill>
+          <a:blip r:embed="rId4">
+            <a:extLst>
+              <a:ext uri="{28A0092B-C50C-407E-A947-70E740481C1C}">
+                <a14:useLocalDpi xmlns:a14="http://schemas.microsoft.com/office/drawing/2010/main" val="0"/>
+              </a:ext>
+            </a:extLst>
+          </a:blip>
+          <a:srcRect/>
+          <a:stretch>
+            <a:fillRect/>
+          </a:stretch>
+        </p:blipFill>
+        <p:spPr bwMode="auto">
+          <a:xfrm>
+            <a:off x="365235" y="1370158"/>
+            <a:ext cx="251929" cy="348617"/>
+          </a:xfrm>
+          <a:prstGeom prst="rect">
+            <a:avLst/>
+          </a:prstGeom>
+          <a:noFill/>
+          <a:extLst>
+            <a:ext uri="{909E8E84-426E-40DD-AFC4-6F175D3DCCD1}">
+              <a14:hiddenFill xmlns:a14="http://schemas.microsoft.com/office/drawing/2010/main">
+                <a:solidFill>
+                  <a:srgbClr val="FFFFFF"/>
+                </a:solidFill>
+              </a14:hiddenFill>
+            </a:ext>
+          </a:extLst>
+        </p:spPr>
+      </p:pic>
+      <p:pic>
+        <p:nvPicPr>
+          <p:cNvPr id="2056" name="Picture 8" descr="Image result for docker icone"/>
+          <p:cNvPicPr>
+            <a:picLocks noChangeAspect="1" noChangeArrowheads="1"/>
+          </p:cNvPicPr>
+          <p:nvPr/>
+        </p:nvPicPr>
+        <p:blipFill>
+          <a:blip r:embed="rId5">
+            <a:extLst>
+              <a:ext uri="{28A0092B-C50C-407E-A947-70E740481C1C}">
+                <a14:useLocalDpi xmlns:a14="http://schemas.microsoft.com/office/drawing/2010/main" val="0"/>
+              </a:ext>
+            </a:extLst>
+          </a:blip>
+          <a:srcRect/>
+          <a:stretch>
+            <a:fillRect/>
+          </a:stretch>
+        </p:blipFill>
+        <p:spPr bwMode="auto">
+          <a:xfrm>
+            <a:off x="260862" y="1797798"/>
+            <a:ext cx="515886" cy="460259"/>
+          </a:xfrm>
+          <a:prstGeom prst="rect">
+            <a:avLst/>
+          </a:prstGeom>
+          <a:noFill/>
+          <a:extLst>
+            <a:ext uri="{909E8E84-426E-40DD-AFC4-6F175D3DCCD1}">
+              <a14:hiddenFill xmlns:a14="http://schemas.microsoft.com/office/drawing/2010/main">
+                <a:solidFill>
+                  <a:srgbClr val="FFFFFF"/>
+                </a:solidFill>
+              </a14:hiddenFill>
+            </a:ext>
+          </a:extLst>
+        </p:spPr>
+      </p:pic>
+      <p:pic>
+        <p:nvPicPr>
+          <p:cNvPr id="2058" name="Picture 10" descr="Image result for ansible icone"/>
+          <p:cNvPicPr>
+            <a:picLocks noChangeAspect="1" noChangeArrowheads="1"/>
+          </p:cNvPicPr>
+          <p:nvPr/>
+        </p:nvPicPr>
+        <p:blipFill>
+          <a:blip r:embed="rId6">
+            <a:extLst>
+              <a:ext uri="{28A0092B-C50C-407E-A947-70E740481C1C}">
+                <a14:useLocalDpi xmlns:a14="http://schemas.microsoft.com/office/drawing/2010/main" val="0"/>
+              </a:ext>
+            </a:extLst>
+          </a:blip>
+          <a:srcRect/>
+          <a:stretch>
+            <a:fillRect/>
+          </a:stretch>
+        </p:blipFill>
+        <p:spPr bwMode="auto">
+          <a:xfrm>
+            <a:off x="256095" y="2346066"/>
+            <a:ext cx="470207" cy="470207"/>
+          </a:xfrm>
+          <a:prstGeom prst="rect">
+            <a:avLst/>
+          </a:prstGeom>
+          <a:noFill/>
+          <a:extLst>
+            <a:ext uri="{909E8E84-426E-40DD-AFC4-6F175D3DCCD1}">
+              <a14:hiddenFill xmlns:a14="http://schemas.microsoft.com/office/drawing/2010/main">
+                <a:solidFill>
+                  <a:srgbClr val="FFFFFF"/>
+                </a:solidFill>
+              </a14:hiddenFill>
+            </a:ext>
+          </a:extLst>
+        </p:spPr>
+      </p:pic>
+      <p:pic>
+        <p:nvPicPr>
+          <p:cNvPr id="2064" name="Picture 16" descr="Image result for terraform icon"/>
+          <p:cNvPicPr>
+            <a:picLocks noChangeAspect="1" noChangeArrowheads="1"/>
+          </p:cNvPicPr>
+          <p:nvPr/>
+        </p:nvPicPr>
+        <p:blipFill>
+          <a:blip r:embed="rId7">
+            <a:extLst>
+              <a:ext uri="{28A0092B-C50C-407E-A947-70E740481C1C}">
+                <a14:useLocalDpi xmlns:a14="http://schemas.microsoft.com/office/drawing/2010/main" val="0"/>
+              </a:ext>
+            </a:extLst>
+          </a:blip>
+          <a:srcRect/>
+          <a:stretch>
+            <a:fillRect/>
+          </a:stretch>
+        </p:blipFill>
+        <p:spPr bwMode="auto">
+          <a:xfrm>
+            <a:off x="277603" y="2850797"/>
+            <a:ext cx="448699" cy="448037"/>
+          </a:xfrm>
+          <a:prstGeom prst="rect">
+            <a:avLst/>
+          </a:prstGeom>
+          <a:noFill/>
+          <a:extLst>
+            <a:ext uri="{909E8E84-426E-40DD-AFC4-6F175D3DCCD1}">
+              <a14:hiddenFill xmlns:a14="http://schemas.microsoft.com/office/drawing/2010/main">
+                <a:solidFill>
+                  <a:srgbClr val="FFFFFF"/>
+                </a:solidFill>
+              </a14:hiddenFill>
+            </a:ext>
+          </a:extLst>
+        </p:spPr>
+      </p:pic>
+      <p:pic>
+        <p:nvPicPr>
+          <p:cNvPr id="2066" name="Picture 18" descr="Image result for sonarqube icon"/>
+          <p:cNvPicPr>
+            <a:picLocks noChangeAspect="1" noChangeArrowheads="1"/>
+          </p:cNvPicPr>
+          <p:nvPr/>
+        </p:nvPicPr>
+        <p:blipFill>
+          <a:blip r:embed="rId8">
+            <a:extLst>
+              <a:ext uri="{28A0092B-C50C-407E-A947-70E740481C1C}">
+                <a14:useLocalDpi xmlns:a14="http://schemas.microsoft.com/office/drawing/2010/main" val="0"/>
+              </a:ext>
+            </a:extLst>
+          </a:blip>
+          <a:srcRect/>
+          <a:stretch>
+            <a:fillRect/>
+          </a:stretch>
+        </p:blipFill>
+        <p:spPr bwMode="auto">
+          <a:xfrm>
+            <a:off x="134009" y="3347570"/>
+            <a:ext cx="679054" cy="270177"/>
+          </a:xfrm>
+          <a:prstGeom prst="rect">
+            <a:avLst/>
+          </a:prstGeom>
+          <a:noFill/>
+          <a:extLst>
+            <a:ext uri="{909E8E84-426E-40DD-AFC4-6F175D3DCCD1}">
+              <a14:hiddenFill xmlns:a14="http://schemas.microsoft.com/office/drawing/2010/main">
+                <a:solidFill>
+                  <a:srgbClr val="FFFFFF"/>
+                </a:solidFill>
+              </a14:hiddenFill>
+            </a:ext>
+          </a:extLst>
+        </p:spPr>
+      </p:pic>
+      <p:pic>
+        <p:nvPicPr>
+          <p:cNvPr id="2070" name="Picture 22" descr="Image result for sonar nexus icone"/>
+          <p:cNvPicPr>
+            <a:picLocks noChangeAspect="1" noChangeArrowheads="1"/>
+          </p:cNvPicPr>
+          <p:nvPr/>
+        </p:nvPicPr>
+        <p:blipFill>
+          <a:blip r:embed="rId9">
+            <a:extLst>
+              <a:ext uri="{28A0092B-C50C-407E-A947-70E740481C1C}">
+                <a14:useLocalDpi xmlns:a14="http://schemas.microsoft.com/office/drawing/2010/main" val="0"/>
+              </a:ext>
+            </a:extLst>
+          </a:blip>
+          <a:srcRect/>
+          <a:stretch>
+            <a:fillRect/>
+          </a:stretch>
+        </p:blipFill>
+        <p:spPr bwMode="auto">
+          <a:xfrm>
+            <a:off x="187885" y="3708685"/>
+            <a:ext cx="574798" cy="231851"/>
+          </a:xfrm>
+          <a:prstGeom prst="rect">
+            <a:avLst/>
+          </a:prstGeom>
+          <a:noFill/>
+          <a:extLst>
+            <a:ext uri="{909E8E84-426E-40DD-AFC4-6F175D3DCCD1}">
+              <a14:hiddenFill xmlns:a14="http://schemas.microsoft.com/office/drawing/2010/main">
+                <a:solidFill>
+                  <a:srgbClr val="FFFFFF"/>
+                </a:solidFill>
+              </a14:hiddenFill>
+            </a:ext>
+          </a:extLst>
+        </p:spPr>
+      </p:pic>
+      <p:pic>
+        <p:nvPicPr>
+          <p:cNvPr id="2072" name="Picture 24" descr="Image result for github icon"/>
+          <p:cNvPicPr>
+            <a:picLocks noChangeAspect="1" noChangeArrowheads="1"/>
+          </p:cNvPicPr>
+          <p:nvPr/>
+        </p:nvPicPr>
+        <p:blipFill>
+          <a:blip r:embed="rId10">
+            <a:extLst>
+              <a:ext uri="{28A0092B-C50C-407E-A947-70E740481C1C}">
+                <a14:useLocalDpi xmlns:a14="http://schemas.microsoft.com/office/drawing/2010/main" val="0"/>
+              </a:ext>
+            </a:extLst>
+          </a:blip>
+          <a:srcRect/>
+          <a:stretch>
+            <a:fillRect/>
+          </a:stretch>
+        </p:blipFill>
+        <p:spPr bwMode="auto">
+          <a:xfrm>
+            <a:off x="315298" y="4100631"/>
+            <a:ext cx="279554" cy="279554"/>
+          </a:xfrm>
+          <a:prstGeom prst="rect">
+            <a:avLst/>
+          </a:prstGeom>
+          <a:noFill/>
+          <a:extLst>
+            <a:ext uri="{909E8E84-426E-40DD-AFC4-6F175D3DCCD1}">
+              <a14:hiddenFill xmlns:a14="http://schemas.microsoft.com/office/drawing/2010/main">
+                <a:solidFill>
+                  <a:srgbClr val="FFFFFF"/>
+                </a:solidFill>
+              </a14:hiddenFill>
+            </a:ext>
+          </a:extLst>
+        </p:spPr>
+      </p:pic>
+      <p:pic>
+        <p:nvPicPr>
+          <p:cNvPr id="2074" name="Picture 26" descr="Image result for maven icone"/>
+          <p:cNvPicPr>
+            <a:picLocks noChangeAspect="1" noChangeArrowheads="1"/>
+          </p:cNvPicPr>
+          <p:nvPr/>
+        </p:nvPicPr>
+        <p:blipFill>
+          <a:blip r:embed="rId11">
+            <a:extLst>
+              <a:ext uri="{28A0092B-C50C-407E-A947-70E740481C1C}">
+                <a14:useLocalDpi xmlns:a14="http://schemas.microsoft.com/office/drawing/2010/main" val="0"/>
+              </a:ext>
+            </a:extLst>
+          </a:blip>
+          <a:srcRect/>
+          <a:stretch>
+            <a:fillRect/>
+          </a:stretch>
+        </p:blipFill>
+        <p:spPr bwMode="auto">
+          <a:xfrm>
+            <a:off x="135149" y="4468027"/>
+            <a:ext cx="576927" cy="200001"/>
+          </a:xfrm>
+          <a:prstGeom prst="rect">
+            <a:avLst/>
+          </a:prstGeom>
+          <a:noFill/>
+          <a:extLst>
+            <a:ext uri="{909E8E84-426E-40DD-AFC4-6F175D3DCCD1}">
+              <a14:hiddenFill xmlns:a14="http://schemas.microsoft.com/office/drawing/2010/main">
+                <a:solidFill>
+                  <a:srgbClr val="FFFFFF"/>
+                </a:solidFill>
+              </a14:hiddenFill>
+            </a:ext>
+          </a:extLst>
+        </p:spPr>
+      </p:pic>
+      <p:pic>
+        <p:nvPicPr>
+          <p:cNvPr id="2076" name="Picture 28" descr="Image result for kubernetes icon"/>
+          <p:cNvPicPr>
+            <a:picLocks noChangeAspect="1" noChangeArrowheads="1"/>
+          </p:cNvPicPr>
+          <p:nvPr/>
+        </p:nvPicPr>
+        <p:blipFill>
+          <a:blip r:embed="rId12">
+            <a:extLst>
+              <a:ext uri="{28A0092B-C50C-407E-A947-70E740481C1C}">
+                <a14:useLocalDpi xmlns:a14="http://schemas.microsoft.com/office/drawing/2010/main" val="0"/>
+              </a:ext>
+            </a:extLst>
+          </a:blip>
+          <a:srcRect/>
+          <a:stretch>
+            <a:fillRect/>
+          </a:stretch>
+        </p:blipFill>
+        <p:spPr bwMode="auto">
+          <a:xfrm>
+            <a:off x="49008" y="4786780"/>
+            <a:ext cx="727740" cy="387796"/>
+          </a:xfrm>
+          <a:prstGeom prst="rect">
+            <a:avLst/>
+          </a:prstGeom>
+          <a:noFill/>
+          <a:extLst>
+            <a:ext uri="{909E8E84-426E-40DD-AFC4-6F175D3DCCD1}">
+              <a14:hiddenFill xmlns:a14="http://schemas.microsoft.com/office/drawing/2010/main">
+                <a:solidFill>
+                  <a:srgbClr val="FFFFFF"/>
+                </a:solidFill>
+              </a14:hiddenFill>
+            </a:ext>
+          </a:extLst>
+        </p:spPr>
+      </p:pic>
+      <p:pic>
+        <p:nvPicPr>
+          <p:cNvPr id="2080" name="Picture 32" descr="Image result for postman icon"/>
+          <p:cNvPicPr>
+            <a:picLocks noChangeAspect="1" noChangeArrowheads="1"/>
+          </p:cNvPicPr>
+          <p:nvPr/>
+        </p:nvPicPr>
+        <p:blipFill>
+          <a:blip r:embed="rId13">
+            <a:extLst>
+              <a:ext uri="{28A0092B-C50C-407E-A947-70E740481C1C}">
+                <a14:useLocalDpi xmlns:a14="http://schemas.microsoft.com/office/drawing/2010/main" val="0"/>
+              </a:ext>
+            </a:extLst>
+          </a:blip>
+          <a:srcRect/>
+          <a:stretch>
+            <a:fillRect/>
+          </a:stretch>
+        </p:blipFill>
+        <p:spPr bwMode="auto">
+          <a:xfrm>
+            <a:off x="256095" y="5175338"/>
+            <a:ext cx="347310" cy="347310"/>
+          </a:xfrm>
+          <a:prstGeom prst="rect">
+            <a:avLst/>
+          </a:prstGeom>
+          <a:noFill/>
+          <a:extLst>
+            <a:ext uri="{909E8E84-426E-40DD-AFC4-6F175D3DCCD1}">
+              <a14:hiddenFill xmlns:a14="http://schemas.microsoft.com/office/drawing/2010/main">
+                <a:solidFill>
+                  <a:srgbClr val="FFFFFF"/>
+                </a:solidFill>
+              </a14:hiddenFill>
+            </a:ext>
+          </a:extLst>
+        </p:spPr>
+      </p:pic>
+      <p:pic>
+        <p:nvPicPr>
+          <p:cNvPr id="2082" name="Picture 34" descr="Image result for junit icon"/>
+          <p:cNvPicPr>
+            <a:picLocks noChangeAspect="1" noChangeArrowheads="1"/>
+          </p:cNvPicPr>
+          <p:nvPr/>
+        </p:nvPicPr>
+        <p:blipFill>
+          <a:blip r:embed="rId14">
+            <a:extLst>
+              <a:ext uri="{28A0092B-C50C-407E-A947-70E740481C1C}">
+                <a14:useLocalDpi xmlns:a14="http://schemas.microsoft.com/office/drawing/2010/main" val="0"/>
+              </a:ext>
+            </a:extLst>
+          </a:blip>
+          <a:srcRect/>
+          <a:stretch>
+            <a:fillRect/>
+          </a:stretch>
+        </p:blipFill>
+        <p:spPr bwMode="auto">
+          <a:xfrm>
+            <a:off x="260862" y="5454985"/>
+            <a:ext cx="426115" cy="426115"/>
+          </a:xfrm>
+          <a:prstGeom prst="rect">
+            <a:avLst/>
+          </a:prstGeom>
+          <a:noFill/>
+          <a:extLst>
+            <a:ext uri="{909E8E84-426E-40DD-AFC4-6F175D3DCCD1}">
+              <a14:hiddenFill xmlns:a14="http://schemas.microsoft.com/office/drawing/2010/main">
+                <a:solidFill>
+                  <a:srgbClr val="FFFFFF"/>
+                </a:solidFill>
+              </a14:hiddenFill>
+            </a:ext>
+          </a:extLst>
+        </p:spPr>
+      </p:pic>
+      <p:pic>
+        <p:nvPicPr>
+          <p:cNvPr id="4" name="Picture 3"/>
+          <p:cNvPicPr>
+            <a:picLocks noChangeAspect="1"/>
+          </p:cNvPicPr>
+          <p:nvPr/>
+        </p:nvPicPr>
+        <p:blipFill>
+          <a:blip r:embed="rId15"/>
+          <a:stretch>
+            <a:fillRect/>
+          </a:stretch>
+        </p:blipFill>
         <p:spPr>
           <a:xfrm>
-            <a:off x="455633" y="1181579"/>
-            <a:ext cx="8418543" cy="5511529"/>
-          </a:xfrm>
-        </p:spPr>
-        <p:txBody>
-          <a:bodyPr lIns="0" tIns="0" rIns="0" bIns="0" anchor="t"/>
-          <a:lstStyle/>
-          <a:p>
-            <a:endParaRPr lang="fr-CA" dirty="0"/>
-          </a:p>
-          <a:p>
-            <a:endParaRPr lang="fr-CA" dirty="0"/>
-          </a:p>
-          <a:p>
-            <a:endParaRPr lang="fr-CA" dirty="0"/>
-          </a:p>
-          <a:p>
-            <a:endParaRPr lang="fr-CA" dirty="0"/>
-          </a:p>
-          <a:p>
-            <a:endParaRPr lang="fr-CA" dirty="0"/>
-          </a:p>
-          <a:p>
-            <a:endParaRPr lang="fr-CA" dirty="0"/>
-          </a:p>
-          <a:p>
-            <a:endParaRPr lang="fr-CA" dirty="0"/>
-          </a:p>
-        </p:txBody>
-      </p:sp>
+            <a:off x="230186" y="5959005"/>
+            <a:ext cx="538318" cy="364156"/>
+          </a:xfrm>
+          <a:prstGeom prst="rect">
+            <a:avLst/>
+          </a:prstGeom>
+        </p:spPr>
+      </p:pic>
     </p:spTree>
     <p:extLst>
       <p:ext uri="{BB962C8B-B14F-4D97-AF65-F5344CB8AC3E}">
-        <p14:creationId xmlns:p14="http://schemas.microsoft.com/office/powerpoint/2010/main" val="1010406892"/>
+        <p14:creationId xmlns:p14="http://schemas.microsoft.com/office/powerpoint/2010/main" val="3875299367"/>
       </p:ext>
     </p:extLst>
   </p:cSld>
   <p:clrMapOvr>
     <a:masterClrMapping/>
   </p:clrMapOvr>
+  <p:timing>
+    <p:tnLst>
+      <p:par>
+        <p:cTn id="1" dur="indefinite" restart="never" nodeType="tmRoot"/>
+      </p:par>
+    </p:tnLst>
+  </p:timing>
 </p:sld>
 </file>
 
@@ -4206,7 +6588,12 @@
             <p:ph type="sldNum" sz="quarter" idx="4"/>
           </p:nvPr>
         </p:nvSpPr>
-        <p:spPr/>
+        <p:spPr>
+          <a:xfrm>
+            <a:off x="7607310" y="6438900"/>
+            <a:ext cx="366665" cy="70099"/>
+          </a:xfrm>
+        </p:spPr>
         <p:txBody>
           <a:bodyPr/>
           <a:lstStyle/>
@@ -4215,7 +6602,7 @@
               <a:defRPr/>
             </a:pPr>
             <a:fld id="{B8744DBC-FE0A-FE49-B7DE-55FD1938715C}" type="slidenum">
-              <a:rPr lang="fr-CA" altLang="fr-FR" smtClean="0">
+              <a:rPr lang="fr-CA" altLang="fr-FR" sz="900" smtClean="0">
                 <a:latin typeface="Calibri" charset="0"/>
                 <a:ea typeface="Calibri" charset="0"/>
                 <a:cs typeface="Calibri" charset="0"/>
@@ -4226,7 +6613,7 @@
               <a:t>6</a:t>
             </a:fld>
             <a:r>
-              <a:rPr lang="fr-CA" altLang="fr-FR"/>
+              <a:rPr lang="fr-CA" altLang="fr-FR" sz="900"/>
               <a:t> </a:t>
             </a:r>
           </a:p>
@@ -4256,81 +6643,336 @@
           <a:lstStyle/>
           <a:p>
             <a:r>
-              <a:rPr lang="fr-CA" b="0" dirty="0"/>
-              <a:t>Apprentissage </a:t>
-            </a:r>
-            <a:r>
-              <a:rPr lang="fr-CA" b="0" dirty="0" err="1"/>
-              <a:t>Devops</a:t>
-            </a:r>
+              <a:rPr lang="en-CA" dirty="0" smtClean="0"/>
+              <a:t>Continuous Integration Pipeline - CI</a:t>
+            </a:r>
+            <a:r>
+              <a:rPr lang="en-CA" dirty="0"/>
+              <a:t/>
+            </a:r>
+            <a:br>
+              <a:rPr lang="en-CA" dirty="0"/>
+            </a:br>
             <a:endParaRPr lang="fr-CA" b="0" dirty="0"/>
           </a:p>
         </p:txBody>
       </p:sp>
       <p:sp>
         <p:nvSpPr>
-          <p:cNvPr id="4" name="Text Placeholder 3">
-            <a:extLst>
-              <a:ext uri="{FF2B5EF4-FFF2-40B4-BE49-F238E27FC236}">
-                <a16:creationId xmlns:a16="http://schemas.microsoft.com/office/drawing/2014/main" id="{CFB88BEF-5D73-D345-A71E-7D4554A1B176}"/>
-              </a:ext>
-            </a:extLst>
-          </p:cNvPr>
-          <p:cNvSpPr>
-            <a:spLocks noGrp="1"/>
-          </p:cNvSpPr>
-          <p:nvPr>
-            <p:ph type="body" sz="quarter" idx="11"/>
-          </p:nvPr>
+          <p:cNvPr id="7" name="Rectangle 6"/>
+          <p:cNvSpPr/>
+          <p:nvPr/>
         </p:nvSpPr>
         <p:spPr>
           <a:xfrm>
-            <a:off x="455633" y="1181579"/>
-            <a:ext cx="8418543" cy="5511529"/>
-          </a:xfrm>
-        </p:spPr>
+            <a:off x="457200" y="1678305"/>
+            <a:ext cx="968477" cy="629264"/>
+          </a:xfrm>
+          <a:prstGeom prst="rect">
+            <a:avLst/>
+          </a:prstGeom>
+        </p:spPr>
+        <p:style>
+          <a:lnRef idx="1">
+            <a:schemeClr val="accent6"/>
+          </a:lnRef>
+          <a:fillRef idx="2">
+            <a:schemeClr val="accent6"/>
+          </a:fillRef>
+          <a:effectRef idx="1">
+            <a:schemeClr val="accent6"/>
+          </a:effectRef>
+          <a:fontRef idx="minor">
+            <a:schemeClr val="dk1"/>
+          </a:fontRef>
+        </p:style>
         <p:txBody>
-          <a:bodyPr lIns="0" tIns="0" rIns="0" bIns="0" anchor="t"/>
+          <a:bodyPr rtlCol="0" anchor="ctr"/>
           <a:lstStyle/>
           <a:p>
-            <a:endParaRPr lang="fr-CA" dirty="0"/>
-          </a:p>
-          <a:p>
-            <a:endParaRPr lang="fr-CA" dirty="0"/>
-          </a:p>
-          <a:p>
-            <a:endParaRPr lang="fr-CA" dirty="0"/>
-          </a:p>
-          <a:p>
-            <a:endParaRPr lang="fr-CA" dirty="0"/>
-          </a:p>
-          <a:p>
-            <a:endParaRPr lang="fr-CA" dirty="0"/>
-          </a:p>
-          <a:p>
-            <a:endParaRPr lang="fr-CA" dirty="0"/>
-          </a:p>
-          <a:p>
-            <a:endParaRPr lang="fr-CA" dirty="0"/>
+            <a:pPr algn="ctr"/>
+            <a:r>
+              <a:rPr lang="en-CA" sz="2000" dirty="0" smtClean="0"/>
+              <a:t>Dev</a:t>
+            </a:r>
+            <a:endParaRPr lang="fr-CA" sz="2000" dirty="0"/>
+          </a:p>
+        </p:txBody>
+      </p:sp>
+      <p:cxnSp>
+        <p:nvCxnSpPr>
+          <p:cNvPr id="9" name="Straight Arrow Connector 8"/>
+          <p:cNvCxnSpPr>
+            <a:endCxn id="10" idx="1"/>
+          </p:cNvCxnSpPr>
+          <p:nvPr/>
+        </p:nvCxnSpPr>
+        <p:spPr>
+          <a:xfrm>
+            <a:off x="1425677" y="1917291"/>
+            <a:ext cx="950656" cy="18013"/>
+          </a:xfrm>
+          <a:prstGeom prst="straightConnector1">
+            <a:avLst/>
+          </a:prstGeom>
+          <a:ln>
+            <a:tailEnd type="triangle"/>
+          </a:ln>
+        </p:spPr>
+        <p:style>
+          <a:lnRef idx="2">
+            <a:schemeClr val="accent1"/>
+          </a:lnRef>
+          <a:fillRef idx="0">
+            <a:schemeClr val="accent1"/>
+          </a:fillRef>
+          <a:effectRef idx="1">
+            <a:schemeClr val="accent1"/>
+          </a:effectRef>
+          <a:fontRef idx="minor">
+            <a:schemeClr val="tx1"/>
+          </a:fontRef>
+        </p:style>
+      </p:cxnSp>
+      <p:sp>
+        <p:nvSpPr>
+          <p:cNvPr id="10" name="Rectangle 9"/>
+          <p:cNvSpPr/>
+          <p:nvPr/>
+        </p:nvSpPr>
+        <p:spPr>
+          <a:xfrm>
+            <a:off x="2376333" y="1620672"/>
+            <a:ext cx="968477" cy="629264"/>
+          </a:xfrm>
+          <a:prstGeom prst="rect">
+            <a:avLst/>
+          </a:prstGeom>
+        </p:spPr>
+        <p:style>
+          <a:lnRef idx="1">
+            <a:schemeClr val="accent6"/>
+          </a:lnRef>
+          <a:fillRef idx="2">
+            <a:schemeClr val="accent6"/>
+          </a:fillRef>
+          <a:effectRef idx="1">
+            <a:schemeClr val="accent6"/>
+          </a:effectRef>
+          <a:fontRef idx="minor">
+            <a:schemeClr val="dk1"/>
+          </a:fontRef>
+        </p:style>
+        <p:txBody>
+          <a:bodyPr rtlCol="0" anchor="ctr"/>
+          <a:lstStyle/>
+          <a:p>
+            <a:pPr algn="ctr"/>
+            <a:r>
+              <a:rPr lang="en-CA" sz="2000" dirty="0"/>
+              <a:t>GitHub</a:t>
+            </a:r>
+            <a:endParaRPr lang="fr-CA" sz="2000" dirty="0"/>
           </a:p>
         </p:txBody>
       </p:sp>
       <p:sp>
         <p:nvSpPr>
-          <p:cNvPr id="5" name="ZoneTexte 4">
-            <a:extLst>
-              <a:ext uri="{FF2B5EF4-FFF2-40B4-BE49-F238E27FC236}">
-                <a16:creationId xmlns:a16="http://schemas.microsoft.com/office/drawing/2014/main" id="{5058F90F-AC14-42A9-ABB0-96BA2040FF3D}"/>
-              </a:ext>
-            </a:extLst>
-          </p:cNvPr>
+          <p:cNvPr id="11" name="Rectangle 10"/>
+          <p:cNvSpPr/>
+          <p:nvPr/>
+        </p:nvSpPr>
+        <p:spPr>
+          <a:xfrm>
+            <a:off x="4313287" y="872059"/>
+            <a:ext cx="4146756" cy="5566841"/>
+          </a:xfrm>
+          <a:prstGeom prst="rect">
+            <a:avLst/>
+          </a:prstGeom>
+        </p:spPr>
+        <p:style>
+          <a:lnRef idx="1">
+            <a:schemeClr val="accent6"/>
+          </a:lnRef>
+          <a:fillRef idx="2">
+            <a:schemeClr val="accent6"/>
+          </a:fillRef>
+          <a:effectRef idx="1">
+            <a:schemeClr val="accent6"/>
+          </a:effectRef>
+          <a:fontRef idx="minor">
+            <a:schemeClr val="dk1"/>
+          </a:fontRef>
+        </p:style>
+        <p:txBody>
+          <a:bodyPr rtlCol="0" anchor="ctr"/>
+          <a:lstStyle/>
+          <a:p>
+            <a:r>
+              <a:rPr lang="en-CA" sz="2000" dirty="0" smtClean="0"/>
+              <a:t>Jenkins</a:t>
+            </a:r>
+          </a:p>
+          <a:p>
+            <a:endParaRPr lang="en-CA" sz="2000" dirty="0"/>
+          </a:p>
+          <a:p>
+            <a:endParaRPr lang="en-CA" sz="2000" dirty="0" smtClean="0"/>
+          </a:p>
+          <a:p>
+            <a:endParaRPr lang="en-CA" sz="2000" dirty="0"/>
+          </a:p>
+          <a:p>
+            <a:endParaRPr lang="en-CA" sz="2000" dirty="0" smtClean="0"/>
+          </a:p>
+          <a:p>
+            <a:endParaRPr lang="en-CA" sz="2000" dirty="0" smtClean="0"/>
+          </a:p>
+          <a:p>
+            <a:endParaRPr lang="en-CA" sz="2000" dirty="0"/>
+          </a:p>
+          <a:p>
+            <a:endParaRPr lang="en-CA" sz="2000" dirty="0" smtClean="0"/>
+          </a:p>
+          <a:p>
+            <a:endParaRPr lang="en-CA" sz="2000" dirty="0"/>
+          </a:p>
+          <a:p>
+            <a:endParaRPr lang="en-CA" sz="2000" dirty="0" smtClean="0"/>
+          </a:p>
+          <a:p>
+            <a:endParaRPr lang="en-CA" sz="2000" dirty="0"/>
+          </a:p>
+          <a:p>
+            <a:endParaRPr lang="en-CA" sz="2000" dirty="0" smtClean="0"/>
+          </a:p>
+          <a:p>
+            <a:endParaRPr lang="en-CA" sz="2000" dirty="0"/>
+          </a:p>
+          <a:p>
+            <a:endParaRPr lang="en-CA" sz="2000" dirty="0" smtClean="0"/>
+          </a:p>
+          <a:p>
+            <a:endParaRPr lang="en-CA" sz="2000" dirty="0"/>
+          </a:p>
+          <a:p>
+            <a:endParaRPr lang="en-CA" sz="2000" dirty="0"/>
+          </a:p>
+          <a:p>
+            <a:endParaRPr lang="en-CA" sz="2000" dirty="0" smtClean="0"/>
+          </a:p>
+          <a:p>
+            <a:endParaRPr lang="fr-CA" sz="2000" dirty="0"/>
+          </a:p>
+        </p:txBody>
+      </p:sp>
+      <p:sp>
+        <p:nvSpPr>
+          <p:cNvPr id="12" name="Rectangle 11"/>
+          <p:cNvSpPr/>
+          <p:nvPr/>
+        </p:nvSpPr>
+        <p:spPr>
+          <a:xfrm>
+            <a:off x="4537588" y="1776834"/>
+            <a:ext cx="2915264" cy="283532"/>
+          </a:xfrm>
+          <a:prstGeom prst="rect">
+            <a:avLst/>
+          </a:prstGeom>
+        </p:spPr>
+        <p:style>
+          <a:lnRef idx="1">
+            <a:schemeClr val="accent6"/>
+          </a:lnRef>
+          <a:fillRef idx="2">
+            <a:schemeClr val="accent6"/>
+          </a:fillRef>
+          <a:effectRef idx="1">
+            <a:schemeClr val="accent6"/>
+          </a:effectRef>
+          <a:fontRef idx="minor">
+            <a:schemeClr val="dk1"/>
+          </a:fontRef>
+        </p:style>
+        <p:txBody>
+          <a:bodyPr rtlCol="0" anchor="ctr"/>
+          <a:lstStyle/>
+          <a:p>
+            <a:pPr algn="ctr"/>
+            <a:r>
+              <a:rPr lang="en-CA" sz="900" dirty="0" err="1" smtClean="0"/>
+              <a:t>Récupérer</a:t>
+            </a:r>
+            <a:r>
+              <a:rPr lang="en-CA" sz="900" dirty="0" smtClean="0"/>
+              <a:t> le code/</a:t>
+            </a:r>
+            <a:r>
+              <a:rPr lang="en-CA" sz="900" dirty="0" err="1" smtClean="0"/>
+              <a:t>config</a:t>
+            </a:r>
+            <a:r>
+              <a:rPr lang="en-CA" sz="900" dirty="0" smtClean="0"/>
+              <a:t>/</a:t>
+            </a:r>
+            <a:r>
+              <a:rPr lang="en-CA" sz="900" dirty="0" err="1" smtClean="0"/>
+              <a:t>déploiements</a:t>
+            </a:r>
+            <a:r>
+              <a:rPr lang="en-CA" sz="900" dirty="0" smtClean="0"/>
+              <a:t> de GitHub</a:t>
+            </a:r>
+          </a:p>
+        </p:txBody>
+      </p:sp>
+      <p:cxnSp>
+        <p:nvCxnSpPr>
+          <p:cNvPr id="13" name="Straight Arrow Connector 12"/>
+          <p:cNvCxnSpPr>
+            <a:stCxn id="10" idx="3"/>
+          </p:cNvCxnSpPr>
+          <p:nvPr/>
+        </p:nvCxnSpPr>
+        <p:spPr>
+          <a:xfrm>
+            <a:off x="3344810" y="1935304"/>
+            <a:ext cx="1056969" cy="0"/>
+          </a:xfrm>
+          <a:prstGeom prst="straightConnector1">
+            <a:avLst/>
+          </a:prstGeom>
+          <a:ln>
+            <a:tailEnd type="triangle"/>
+          </a:ln>
+        </p:spPr>
+        <p:style>
+          <a:lnRef idx="2">
+            <a:schemeClr val="accent1"/>
+          </a:lnRef>
+          <a:fillRef idx="0">
+            <a:schemeClr val="accent1"/>
+          </a:fillRef>
+          <a:effectRef idx="1">
+            <a:schemeClr val="accent1"/>
+          </a:effectRef>
+          <a:fontRef idx="minor">
+            <a:schemeClr val="tx1"/>
+          </a:fontRef>
+        </p:style>
+      </p:cxnSp>
+      <p:sp>
+        <p:nvSpPr>
+          <p:cNvPr id="20" name="TextBox 19"/>
           <p:cNvSpPr txBox="1"/>
           <p:nvPr/>
         </p:nvSpPr>
         <p:spPr>
           <a:xfrm>
-            <a:off x="590843" y="1814732"/>
-            <a:ext cx="5628464" cy="1938992"/>
+            <a:off x="1678242" y="1952917"/>
+            <a:ext cx="758928" cy="400110"/>
           </a:xfrm>
           <a:prstGeom prst="rect">
             <a:avLst/>
@@ -4338,49 +6980,1567 @@
           <a:noFill/>
         </p:spPr>
         <p:txBody>
-          <a:bodyPr wrap="none" rtlCol="0">
+          <a:bodyPr wrap="square" rtlCol="0">
             <a:spAutoFit/>
           </a:bodyPr>
           <a:lstStyle/>
           <a:p>
             <a:r>
-              <a:rPr lang="fr-CA" dirty="0"/>
-              <a:t>-&gt; 3 vois du DevOps : </a:t>
-            </a:r>
-          </a:p>
-          <a:p>
-            <a:r>
-              <a:rPr lang="fr-CA" dirty="0"/>
-              <a:t> - Pensé systémique</a:t>
-            </a:r>
-          </a:p>
-          <a:p>
-            <a:r>
-              <a:rPr lang="fr-CA" dirty="0"/>
-              <a:t> - Amplifier la boucle de rétroaction</a:t>
-            </a:r>
-          </a:p>
-          <a:p>
-            <a:r>
-              <a:rPr lang="fr-CA" dirty="0"/>
-              <a:t> - Expérimenter et apprendre en continu</a:t>
-            </a:r>
-          </a:p>
-          <a:p>
-            <a:endParaRPr lang="fr-CA" dirty="0"/>
+              <a:rPr lang="en-CA" sz="1000" dirty="0" smtClean="0"/>
+              <a:t>Push &amp; commit</a:t>
+            </a:r>
+            <a:endParaRPr lang="fr-CA" sz="1000" dirty="0"/>
           </a:p>
         </p:txBody>
       </p:sp>
+      <p:sp>
+        <p:nvSpPr>
+          <p:cNvPr id="24" name="TextBox 23"/>
+          <p:cNvSpPr txBox="1"/>
+          <p:nvPr/>
+        </p:nvSpPr>
+        <p:spPr>
+          <a:xfrm>
+            <a:off x="3493830" y="1971829"/>
+            <a:ext cx="758928" cy="246221"/>
+          </a:xfrm>
+          <a:prstGeom prst="rect">
+            <a:avLst/>
+          </a:prstGeom>
+          <a:noFill/>
+        </p:spPr>
+        <p:txBody>
+          <a:bodyPr wrap="square" rtlCol="0">
+            <a:spAutoFit/>
+          </a:bodyPr>
+          <a:lstStyle/>
+          <a:p>
+            <a:r>
+              <a:rPr lang="en-CA" sz="1000" dirty="0" err="1" smtClean="0"/>
+              <a:t>WebHook</a:t>
+            </a:r>
+            <a:endParaRPr lang="fr-CA" sz="1000" dirty="0"/>
+          </a:p>
+        </p:txBody>
+      </p:sp>
+      <p:sp>
+        <p:nvSpPr>
+          <p:cNvPr id="30" name="Rectangle 29"/>
+          <p:cNvSpPr/>
+          <p:nvPr/>
+        </p:nvSpPr>
+        <p:spPr>
+          <a:xfrm>
+            <a:off x="4547420" y="2313277"/>
+            <a:ext cx="2915264" cy="283532"/>
+          </a:xfrm>
+          <a:prstGeom prst="rect">
+            <a:avLst/>
+          </a:prstGeom>
+        </p:spPr>
+        <p:style>
+          <a:lnRef idx="1">
+            <a:schemeClr val="accent6"/>
+          </a:lnRef>
+          <a:fillRef idx="2">
+            <a:schemeClr val="accent6"/>
+          </a:fillRef>
+          <a:effectRef idx="1">
+            <a:schemeClr val="accent6"/>
+          </a:effectRef>
+          <a:fontRef idx="minor">
+            <a:schemeClr val="dk1"/>
+          </a:fontRef>
+        </p:style>
+        <p:txBody>
+          <a:bodyPr rtlCol="0" anchor="ctr"/>
+          <a:lstStyle/>
+          <a:p>
+            <a:pPr algn="ctr"/>
+            <a:r>
+              <a:rPr lang="en-CA" sz="900" dirty="0" smtClean="0"/>
+              <a:t>Lancer </a:t>
+            </a:r>
+            <a:r>
+              <a:rPr lang="en-CA" sz="900" dirty="0" smtClean="0"/>
+              <a:t>la compilation : </a:t>
+            </a:r>
+            <a:r>
+              <a:rPr lang="en-CA" sz="900" dirty="0" smtClean="0"/>
+              <a:t>Maven</a:t>
+            </a:r>
+          </a:p>
+        </p:txBody>
+      </p:sp>
+      <p:sp>
+        <p:nvSpPr>
+          <p:cNvPr id="31" name="Rectangle 30"/>
+          <p:cNvSpPr/>
+          <p:nvPr/>
+        </p:nvSpPr>
+        <p:spPr>
+          <a:xfrm>
+            <a:off x="4549652" y="2880933"/>
+            <a:ext cx="2915264" cy="283532"/>
+          </a:xfrm>
+          <a:prstGeom prst="rect">
+            <a:avLst/>
+          </a:prstGeom>
+        </p:spPr>
+        <p:style>
+          <a:lnRef idx="1">
+            <a:schemeClr val="accent6"/>
+          </a:lnRef>
+          <a:fillRef idx="2">
+            <a:schemeClr val="accent6"/>
+          </a:fillRef>
+          <a:effectRef idx="1">
+            <a:schemeClr val="accent6"/>
+          </a:effectRef>
+          <a:fontRef idx="minor">
+            <a:schemeClr val="dk1"/>
+          </a:fontRef>
+        </p:style>
+        <p:txBody>
+          <a:bodyPr rtlCol="0" anchor="ctr"/>
+          <a:lstStyle/>
+          <a:p>
+            <a:pPr algn="ctr"/>
+            <a:r>
+              <a:rPr lang="en-CA" sz="900" dirty="0" smtClean="0"/>
+              <a:t>Lancer les tests (</a:t>
+            </a:r>
+            <a:r>
+              <a:rPr lang="en-CA" sz="900" dirty="0" err="1" smtClean="0"/>
+              <a:t>unitaires</a:t>
+            </a:r>
+            <a:r>
+              <a:rPr lang="en-CA" sz="900" dirty="0" smtClean="0"/>
+              <a:t> et </a:t>
+            </a:r>
+            <a:r>
+              <a:rPr lang="en-CA" sz="900" dirty="0" err="1" smtClean="0"/>
+              <a:t>intégrés</a:t>
+            </a:r>
+            <a:r>
+              <a:rPr lang="en-CA" sz="900" dirty="0" smtClean="0"/>
+              <a:t>)</a:t>
+            </a:r>
+          </a:p>
+        </p:txBody>
+      </p:sp>
+      <p:sp>
+        <p:nvSpPr>
+          <p:cNvPr id="32" name="Rectangle 31"/>
+          <p:cNvSpPr/>
+          <p:nvPr/>
+        </p:nvSpPr>
+        <p:spPr>
+          <a:xfrm>
+            <a:off x="4547420" y="5108331"/>
+            <a:ext cx="2915264" cy="283532"/>
+          </a:xfrm>
+          <a:prstGeom prst="rect">
+            <a:avLst/>
+          </a:prstGeom>
+        </p:spPr>
+        <p:style>
+          <a:lnRef idx="1">
+            <a:schemeClr val="accent6"/>
+          </a:lnRef>
+          <a:fillRef idx="2">
+            <a:schemeClr val="accent6"/>
+          </a:fillRef>
+          <a:effectRef idx="1">
+            <a:schemeClr val="accent6"/>
+          </a:effectRef>
+          <a:fontRef idx="minor">
+            <a:schemeClr val="dk1"/>
+          </a:fontRef>
+        </p:style>
+        <p:txBody>
+          <a:bodyPr rtlCol="0" anchor="ctr"/>
+          <a:lstStyle/>
+          <a:p>
+            <a:pPr algn="ctr"/>
+            <a:r>
+              <a:rPr lang="en-CA" sz="900" dirty="0" smtClean="0"/>
+              <a:t>Analyse de code : Sonar</a:t>
+            </a:r>
+          </a:p>
+        </p:txBody>
+      </p:sp>
+      <p:sp>
+        <p:nvSpPr>
+          <p:cNvPr id="33" name="Rectangle 32"/>
+          <p:cNvSpPr/>
+          <p:nvPr/>
+        </p:nvSpPr>
+        <p:spPr>
+          <a:xfrm>
+            <a:off x="4547420" y="5900958"/>
+            <a:ext cx="2915264" cy="283532"/>
+          </a:xfrm>
+          <a:prstGeom prst="rect">
+            <a:avLst/>
+          </a:prstGeom>
+        </p:spPr>
+        <p:style>
+          <a:lnRef idx="1">
+            <a:schemeClr val="accent6"/>
+          </a:lnRef>
+          <a:fillRef idx="2">
+            <a:schemeClr val="accent6"/>
+          </a:fillRef>
+          <a:effectRef idx="1">
+            <a:schemeClr val="accent6"/>
+          </a:effectRef>
+          <a:fontRef idx="minor">
+            <a:schemeClr val="dk1"/>
+          </a:fontRef>
+        </p:style>
+        <p:txBody>
+          <a:bodyPr rtlCol="0" anchor="ctr"/>
+          <a:lstStyle/>
+          <a:p>
+            <a:pPr algn="ctr"/>
+            <a:r>
+              <a:rPr lang="en-CA" sz="900" dirty="0" err="1" smtClean="0"/>
+              <a:t>Sauvegarde</a:t>
+            </a:r>
+            <a:r>
+              <a:rPr lang="en-CA" sz="900" dirty="0" smtClean="0"/>
+              <a:t> de </a:t>
+            </a:r>
+            <a:r>
+              <a:rPr lang="en-CA" sz="900" dirty="0" err="1" smtClean="0"/>
+              <a:t>l’artefacts</a:t>
+            </a:r>
+            <a:r>
+              <a:rPr lang="en-CA" sz="900" dirty="0" smtClean="0"/>
+              <a:t> : </a:t>
+            </a:r>
+            <a:r>
+              <a:rPr lang="en-CA" sz="900" dirty="0" err="1" smtClean="0"/>
+              <a:t>Github</a:t>
+            </a:r>
+            <a:endParaRPr lang="en-CA" sz="900" dirty="0" smtClean="0"/>
+          </a:p>
+        </p:txBody>
+      </p:sp>
+      <p:sp>
+        <p:nvSpPr>
+          <p:cNvPr id="36" name="Rectangle 35"/>
+          <p:cNvSpPr/>
+          <p:nvPr/>
+        </p:nvSpPr>
+        <p:spPr>
+          <a:xfrm>
+            <a:off x="4945626" y="4093948"/>
+            <a:ext cx="2518902" cy="284124"/>
+          </a:xfrm>
+          <a:prstGeom prst="rect">
+            <a:avLst/>
+          </a:prstGeom>
+        </p:spPr>
+        <p:style>
+          <a:lnRef idx="1">
+            <a:schemeClr val="accent6"/>
+          </a:lnRef>
+          <a:fillRef idx="2">
+            <a:schemeClr val="accent6"/>
+          </a:fillRef>
+          <a:effectRef idx="1">
+            <a:schemeClr val="accent6"/>
+          </a:effectRef>
+          <a:fontRef idx="minor">
+            <a:schemeClr val="dk1"/>
+          </a:fontRef>
+        </p:style>
+        <p:txBody>
+          <a:bodyPr rtlCol="0" anchor="ctr"/>
+          <a:lstStyle/>
+          <a:p>
+            <a:pPr algn="ctr"/>
+            <a:r>
+              <a:rPr lang="en-CA" sz="900" dirty="0" err="1" smtClean="0"/>
+              <a:t>Constuire</a:t>
+            </a:r>
+            <a:r>
+              <a:rPr lang="en-CA" sz="900" dirty="0" smtClean="0"/>
+              <a:t> </a:t>
+            </a:r>
+            <a:r>
+              <a:rPr lang="en-CA" sz="900" dirty="0" err="1" smtClean="0"/>
+              <a:t>l’image</a:t>
+            </a:r>
+            <a:r>
+              <a:rPr lang="en-CA" sz="900" dirty="0" smtClean="0"/>
+              <a:t> </a:t>
+            </a:r>
+            <a:r>
+              <a:rPr lang="en-CA" sz="900" dirty="0" smtClean="0"/>
+              <a:t>du container  : </a:t>
+            </a:r>
+            <a:r>
+              <a:rPr lang="en-CA" sz="900" dirty="0" err="1" smtClean="0"/>
+              <a:t>docker</a:t>
+            </a:r>
+            <a:endParaRPr lang="en-CA" sz="900" dirty="0" smtClean="0"/>
+          </a:p>
+        </p:txBody>
+      </p:sp>
+      <p:cxnSp>
+        <p:nvCxnSpPr>
+          <p:cNvPr id="37" name="Straight Arrow Connector 36"/>
+          <p:cNvCxnSpPr>
+            <a:stCxn id="12" idx="2"/>
+            <a:endCxn id="30" idx="0"/>
+          </p:cNvCxnSpPr>
+          <p:nvPr/>
+        </p:nvCxnSpPr>
+        <p:spPr>
+          <a:xfrm>
+            <a:off x="5995220" y="2060366"/>
+            <a:ext cx="9832" cy="252911"/>
+          </a:xfrm>
+          <a:prstGeom prst="straightConnector1">
+            <a:avLst/>
+          </a:prstGeom>
+          <a:ln>
+            <a:tailEnd type="triangle"/>
+          </a:ln>
+        </p:spPr>
+        <p:style>
+          <a:lnRef idx="2">
+            <a:schemeClr val="accent1"/>
+          </a:lnRef>
+          <a:fillRef idx="0">
+            <a:schemeClr val="accent1"/>
+          </a:fillRef>
+          <a:effectRef idx="1">
+            <a:schemeClr val="accent1"/>
+          </a:effectRef>
+          <a:fontRef idx="minor">
+            <a:schemeClr val="tx1"/>
+          </a:fontRef>
+        </p:style>
+      </p:cxnSp>
+      <p:sp>
+        <p:nvSpPr>
+          <p:cNvPr id="41" name="TextBox 40"/>
+          <p:cNvSpPr txBox="1"/>
+          <p:nvPr/>
+        </p:nvSpPr>
+        <p:spPr>
+          <a:xfrm>
+            <a:off x="5989380" y="2078097"/>
+            <a:ext cx="758928" cy="246221"/>
+          </a:xfrm>
+          <a:prstGeom prst="rect">
+            <a:avLst/>
+          </a:prstGeom>
+          <a:noFill/>
+        </p:spPr>
+        <p:txBody>
+          <a:bodyPr wrap="square" rtlCol="0">
+            <a:spAutoFit/>
+          </a:bodyPr>
+          <a:lstStyle/>
+          <a:p>
+            <a:r>
+              <a:rPr lang="en-CA" sz="1000" dirty="0" smtClean="0"/>
+              <a:t>Si </a:t>
+            </a:r>
+            <a:r>
+              <a:rPr lang="en-CA" sz="1000" dirty="0" err="1" smtClean="0"/>
+              <a:t>succès</a:t>
+            </a:r>
+            <a:endParaRPr lang="fr-CA" sz="1000" dirty="0"/>
+          </a:p>
+        </p:txBody>
+      </p:sp>
+      <p:cxnSp>
+        <p:nvCxnSpPr>
+          <p:cNvPr id="42" name="Straight Arrow Connector 41"/>
+          <p:cNvCxnSpPr>
+            <a:stCxn id="30" idx="2"/>
+            <a:endCxn id="31" idx="0"/>
+          </p:cNvCxnSpPr>
+          <p:nvPr/>
+        </p:nvCxnSpPr>
+        <p:spPr>
+          <a:xfrm>
+            <a:off x="6005052" y="2596809"/>
+            <a:ext cx="2232" cy="284124"/>
+          </a:xfrm>
+          <a:prstGeom prst="straightConnector1">
+            <a:avLst/>
+          </a:prstGeom>
+          <a:ln>
+            <a:tailEnd type="triangle"/>
+          </a:ln>
+        </p:spPr>
+        <p:style>
+          <a:lnRef idx="2">
+            <a:schemeClr val="accent1"/>
+          </a:lnRef>
+          <a:fillRef idx="0">
+            <a:schemeClr val="accent1"/>
+          </a:fillRef>
+          <a:effectRef idx="1">
+            <a:schemeClr val="accent1"/>
+          </a:effectRef>
+          <a:fontRef idx="minor">
+            <a:schemeClr val="tx1"/>
+          </a:fontRef>
+        </p:style>
+      </p:cxnSp>
+      <p:cxnSp>
+        <p:nvCxnSpPr>
+          <p:cNvPr id="45" name="Straight Arrow Connector 44"/>
+          <p:cNvCxnSpPr>
+            <a:stCxn id="31" idx="2"/>
+            <a:endCxn id="44" idx="0"/>
+          </p:cNvCxnSpPr>
+          <p:nvPr/>
+        </p:nvCxnSpPr>
+        <p:spPr>
+          <a:xfrm>
+            <a:off x="6007284" y="3164465"/>
+            <a:ext cx="0" cy="246963"/>
+          </a:xfrm>
+          <a:prstGeom prst="straightConnector1">
+            <a:avLst/>
+          </a:prstGeom>
+          <a:ln>
+            <a:tailEnd type="triangle"/>
+          </a:ln>
+        </p:spPr>
+        <p:style>
+          <a:lnRef idx="2">
+            <a:schemeClr val="accent1"/>
+          </a:lnRef>
+          <a:fillRef idx="0">
+            <a:schemeClr val="accent1"/>
+          </a:fillRef>
+          <a:effectRef idx="1">
+            <a:schemeClr val="accent1"/>
+          </a:effectRef>
+          <a:fontRef idx="minor">
+            <a:schemeClr val="tx1"/>
+          </a:fontRef>
+        </p:style>
+      </p:cxnSp>
+      <p:sp>
+        <p:nvSpPr>
+          <p:cNvPr id="48" name="TextBox 47"/>
+          <p:cNvSpPr txBox="1"/>
+          <p:nvPr/>
+        </p:nvSpPr>
+        <p:spPr>
+          <a:xfrm>
+            <a:off x="6138070" y="3767813"/>
+            <a:ext cx="2036751" cy="246221"/>
+          </a:xfrm>
+          <a:prstGeom prst="rect">
+            <a:avLst/>
+          </a:prstGeom>
+          <a:noFill/>
+        </p:spPr>
+        <p:txBody>
+          <a:bodyPr wrap="square" rtlCol="0">
+            <a:spAutoFit/>
+          </a:bodyPr>
+          <a:lstStyle/>
+          <a:p>
+            <a:r>
+              <a:rPr lang="en-CA" sz="1000" dirty="0" smtClean="0"/>
+              <a:t>Si </a:t>
+            </a:r>
+            <a:r>
+              <a:rPr lang="en-CA" sz="1000" dirty="0" err="1" smtClean="0"/>
+              <a:t>succès</a:t>
+            </a:r>
+            <a:r>
+              <a:rPr lang="en-CA" sz="1000" dirty="0" smtClean="0"/>
+              <a:t>  et branch Develop</a:t>
+            </a:r>
+            <a:endParaRPr lang="fr-CA" sz="1000" dirty="0"/>
+          </a:p>
+        </p:txBody>
+      </p:sp>
+      <p:sp>
+        <p:nvSpPr>
+          <p:cNvPr id="51" name="TextBox 50"/>
+          <p:cNvSpPr txBox="1"/>
+          <p:nvPr/>
+        </p:nvSpPr>
+        <p:spPr>
+          <a:xfrm>
+            <a:off x="6160765" y="4724684"/>
+            <a:ext cx="758928" cy="246221"/>
+          </a:xfrm>
+          <a:prstGeom prst="rect">
+            <a:avLst/>
+          </a:prstGeom>
+          <a:noFill/>
+        </p:spPr>
+        <p:txBody>
+          <a:bodyPr wrap="square" rtlCol="0">
+            <a:spAutoFit/>
+          </a:bodyPr>
+          <a:lstStyle/>
+          <a:p>
+            <a:r>
+              <a:rPr lang="en-CA" sz="1000" dirty="0" smtClean="0"/>
+              <a:t>Si </a:t>
+            </a:r>
+            <a:r>
+              <a:rPr lang="en-CA" sz="1000" dirty="0" err="1" smtClean="0"/>
+              <a:t>succès</a:t>
+            </a:r>
+            <a:endParaRPr lang="fr-CA" sz="1000" dirty="0"/>
+          </a:p>
+        </p:txBody>
+      </p:sp>
+      <p:cxnSp>
+        <p:nvCxnSpPr>
+          <p:cNvPr id="52" name="Straight Arrow Connector 51"/>
+          <p:cNvCxnSpPr>
+            <a:stCxn id="32" idx="2"/>
+            <a:endCxn id="33" idx="0"/>
+          </p:cNvCxnSpPr>
+          <p:nvPr/>
+        </p:nvCxnSpPr>
+        <p:spPr>
+          <a:xfrm>
+            <a:off x="6005052" y="5391863"/>
+            <a:ext cx="0" cy="509095"/>
+          </a:xfrm>
+          <a:prstGeom prst="straightConnector1">
+            <a:avLst/>
+          </a:prstGeom>
+          <a:ln>
+            <a:tailEnd type="triangle"/>
+          </a:ln>
+        </p:spPr>
+        <p:style>
+          <a:lnRef idx="2">
+            <a:schemeClr val="accent1"/>
+          </a:lnRef>
+          <a:fillRef idx="0">
+            <a:schemeClr val="accent1"/>
+          </a:fillRef>
+          <a:effectRef idx="1">
+            <a:schemeClr val="accent1"/>
+          </a:effectRef>
+          <a:fontRef idx="minor">
+            <a:schemeClr val="tx1"/>
+          </a:fontRef>
+        </p:style>
+      </p:cxnSp>
+      <p:sp>
+        <p:nvSpPr>
+          <p:cNvPr id="53" name="TextBox 52"/>
+          <p:cNvSpPr txBox="1"/>
+          <p:nvPr/>
+        </p:nvSpPr>
+        <p:spPr>
+          <a:xfrm>
+            <a:off x="6037929" y="5486708"/>
+            <a:ext cx="758928" cy="246221"/>
+          </a:xfrm>
+          <a:prstGeom prst="rect">
+            <a:avLst/>
+          </a:prstGeom>
+          <a:noFill/>
+        </p:spPr>
+        <p:txBody>
+          <a:bodyPr wrap="square" rtlCol="0">
+            <a:spAutoFit/>
+          </a:bodyPr>
+          <a:lstStyle/>
+          <a:p>
+            <a:r>
+              <a:rPr lang="en-CA" sz="1000" dirty="0" smtClean="0"/>
+              <a:t>Si </a:t>
+            </a:r>
+            <a:r>
+              <a:rPr lang="en-CA" sz="1000" dirty="0" err="1" smtClean="0"/>
+              <a:t>succès</a:t>
+            </a:r>
+            <a:endParaRPr lang="fr-CA" sz="1000" dirty="0"/>
+          </a:p>
+        </p:txBody>
+      </p:sp>
+      <p:pic>
+        <p:nvPicPr>
+          <p:cNvPr id="56" name="Picture 2" descr="Image result for intellij icon"/>
+          <p:cNvPicPr>
+            <a:picLocks noChangeAspect="1" noChangeArrowheads="1"/>
+          </p:cNvPicPr>
+          <p:nvPr/>
+        </p:nvPicPr>
+        <p:blipFill>
+          <a:blip r:embed="rId3">
+            <a:extLst>
+              <a:ext uri="{28A0092B-C50C-407E-A947-70E740481C1C}">
+                <a14:useLocalDpi xmlns:a14="http://schemas.microsoft.com/office/drawing/2010/main" val="0"/>
+              </a:ext>
+            </a:extLst>
+          </a:blip>
+          <a:srcRect/>
+          <a:stretch>
+            <a:fillRect/>
+          </a:stretch>
+        </p:blipFill>
+        <p:spPr bwMode="auto">
+          <a:xfrm>
+            <a:off x="349705" y="1420633"/>
+            <a:ext cx="301625" cy="301625"/>
+          </a:xfrm>
+          <a:prstGeom prst="rect">
+            <a:avLst/>
+          </a:prstGeom>
+          <a:noFill/>
+          <a:extLst>
+            <a:ext uri="{909E8E84-426E-40DD-AFC4-6F175D3DCCD1}">
+              <a14:hiddenFill xmlns:a14="http://schemas.microsoft.com/office/drawing/2010/main">
+                <a:solidFill>
+                  <a:srgbClr val="FFFFFF"/>
+                </a:solidFill>
+              </a14:hiddenFill>
+            </a:ext>
+          </a:extLst>
+        </p:spPr>
+      </p:pic>
+      <p:pic>
+        <p:nvPicPr>
+          <p:cNvPr id="57" name="Picture 4" descr="Image result for spring boot icon"/>
+          <p:cNvPicPr>
+            <a:picLocks noChangeAspect="1" noChangeArrowheads="1"/>
+          </p:cNvPicPr>
+          <p:nvPr/>
+        </p:nvPicPr>
+        <p:blipFill>
+          <a:blip r:embed="rId4">
+            <a:extLst>
+              <a:ext uri="{28A0092B-C50C-407E-A947-70E740481C1C}">
+                <a14:useLocalDpi xmlns:a14="http://schemas.microsoft.com/office/drawing/2010/main" val="0"/>
+              </a:ext>
+            </a:extLst>
+          </a:blip>
+          <a:srcRect/>
+          <a:stretch>
+            <a:fillRect/>
+          </a:stretch>
+        </p:blipFill>
+        <p:spPr bwMode="auto">
+          <a:xfrm>
+            <a:off x="651330" y="1382352"/>
+            <a:ext cx="588863" cy="309153"/>
+          </a:xfrm>
+          <a:prstGeom prst="rect">
+            <a:avLst/>
+          </a:prstGeom>
+          <a:noFill/>
+          <a:extLst>
+            <a:ext uri="{909E8E84-426E-40DD-AFC4-6F175D3DCCD1}">
+              <a14:hiddenFill xmlns:a14="http://schemas.microsoft.com/office/drawing/2010/main">
+                <a:solidFill>
+                  <a:srgbClr val="FFFFFF"/>
+                </a:solidFill>
+              </a14:hiddenFill>
+            </a:ext>
+          </a:extLst>
+        </p:spPr>
+      </p:pic>
+      <p:pic>
+        <p:nvPicPr>
+          <p:cNvPr id="58" name="Picture 6" descr="Image result for jenkins icon"/>
+          <p:cNvPicPr>
+            <a:picLocks noChangeAspect="1" noChangeArrowheads="1"/>
+          </p:cNvPicPr>
+          <p:nvPr/>
+        </p:nvPicPr>
+        <p:blipFill>
+          <a:blip r:embed="rId5">
+            <a:extLst>
+              <a:ext uri="{28A0092B-C50C-407E-A947-70E740481C1C}">
+                <a14:useLocalDpi xmlns:a14="http://schemas.microsoft.com/office/drawing/2010/main" val="0"/>
+              </a:ext>
+            </a:extLst>
+          </a:blip>
+          <a:srcRect/>
+          <a:stretch>
+            <a:fillRect/>
+          </a:stretch>
+        </p:blipFill>
+        <p:spPr bwMode="auto">
+          <a:xfrm>
+            <a:off x="5279000" y="940087"/>
+            <a:ext cx="251929" cy="348617"/>
+          </a:xfrm>
+          <a:prstGeom prst="rect">
+            <a:avLst/>
+          </a:prstGeom>
+          <a:noFill/>
+          <a:extLst>
+            <a:ext uri="{909E8E84-426E-40DD-AFC4-6F175D3DCCD1}">
+              <a14:hiddenFill xmlns:a14="http://schemas.microsoft.com/office/drawing/2010/main">
+                <a:solidFill>
+                  <a:srgbClr val="FFFFFF"/>
+                </a:solidFill>
+              </a14:hiddenFill>
+            </a:ext>
+          </a:extLst>
+        </p:spPr>
+      </p:pic>
+      <p:pic>
+        <p:nvPicPr>
+          <p:cNvPr id="59" name="Picture 8" descr="Image result for docker icone"/>
+          <p:cNvPicPr>
+            <a:picLocks noChangeAspect="1" noChangeArrowheads="1"/>
+          </p:cNvPicPr>
+          <p:nvPr/>
+        </p:nvPicPr>
+        <p:blipFill>
+          <a:blip r:embed="rId6">
+            <a:extLst>
+              <a:ext uri="{28A0092B-C50C-407E-A947-70E740481C1C}">
+                <a14:useLocalDpi xmlns:a14="http://schemas.microsoft.com/office/drawing/2010/main" val="0"/>
+              </a:ext>
+            </a:extLst>
+          </a:blip>
+          <a:srcRect/>
+          <a:stretch>
+            <a:fillRect/>
+          </a:stretch>
+        </p:blipFill>
+        <p:spPr bwMode="auto">
+          <a:xfrm>
+            <a:off x="7464916" y="4016737"/>
+            <a:ext cx="515886" cy="460259"/>
+          </a:xfrm>
+          <a:prstGeom prst="rect">
+            <a:avLst/>
+          </a:prstGeom>
+          <a:noFill/>
+          <a:extLst>
+            <a:ext uri="{909E8E84-426E-40DD-AFC4-6F175D3DCCD1}">
+              <a14:hiddenFill xmlns:a14="http://schemas.microsoft.com/office/drawing/2010/main">
+                <a:solidFill>
+                  <a:srgbClr val="FFFFFF"/>
+                </a:solidFill>
+              </a14:hiddenFill>
+            </a:ext>
+          </a:extLst>
+        </p:spPr>
+      </p:pic>
+      <p:pic>
+        <p:nvPicPr>
+          <p:cNvPr id="62" name="Picture 18" descr="Image result for sonarqube icon"/>
+          <p:cNvPicPr>
+            <a:picLocks noChangeAspect="1" noChangeArrowheads="1"/>
+          </p:cNvPicPr>
+          <p:nvPr/>
+        </p:nvPicPr>
+        <p:blipFill>
+          <a:blip r:embed="rId7">
+            <a:extLst>
+              <a:ext uri="{28A0092B-C50C-407E-A947-70E740481C1C}">
+                <a14:useLocalDpi xmlns:a14="http://schemas.microsoft.com/office/drawing/2010/main" val="0"/>
+              </a:ext>
+            </a:extLst>
+          </a:blip>
+          <a:srcRect/>
+          <a:stretch>
+            <a:fillRect/>
+          </a:stretch>
+        </p:blipFill>
+        <p:spPr bwMode="auto">
+          <a:xfrm>
+            <a:off x="7565574" y="5127657"/>
+            <a:ext cx="708315" cy="281819"/>
+          </a:xfrm>
+          <a:prstGeom prst="rect">
+            <a:avLst/>
+          </a:prstGeom>
+          <a:noFill/>
+          <a:extLst>
+            <a:ext uri="{909E8E84-426E-40DD-AFC4-6F175D3DCCD1}">
+              <a14:hiddenFill xmlns:a14="http://schemas.microsoft.com/office/drawing/2010/main">
+                <a:solidFill>
+                  <a:srgbClr val="FFFFFF"/>
+                </a:solidFill>
+              </a14:hiddenFill>
+            </a:ext>
+          </a:extLst>
+        </p:spPr>
+      </p:pic>
+      <p:pic>
+        <p:nvPicPr>
+          <p:cNvPr id="64" name="Picture 24" descr="Image result for github icon"/>
+          <p:cNvPicPr>
+            <a:picLocks noChangeAspect="1" noChangeArrowheads="1"/>
+          </p:cNvPicPr>
+          <p:nvPr/>
+        </p:nvPicPr>
+        <p:blipFill>
+          <a:blip r:embed="rId8">
+            <a:extLst>
+              <a:ext uri="{28A0092B-C50C-407E-A947-70E740481C1C}">
+                <a14:useLocalDpi xmlns:a14="http://schemas.microsoft.com/office/drawing/2010/main" val="0"/>
+              </a:ext>
+            </a:extLst>
+          </a:blip>
+          <a:srcRect/>
+          <a:stretch>
+            <a:fillRect/>
+          </a:stretch>
+        </p:blipFill>
+        <p:spPr bwMode="auto">
+          <a:xfrm>
+            <a:off x="2720794" y="1332949"/>
+            <a:ext cx="279554" cy="279554"/>
+          </a:xfrm>
+          <a:prstGeom prst="rect">
+            <a:avLst/>
+          </a:prstGeom>
+          <a:noFill/>
+          <a:extLst>
+            <a:ext uri="{909E8E84-426E-40DD-AFC4-6F175D3DCCD1}">
+              <a14:hiddenFill xmlns:a14="http://schemas.microsoft.com/office/drawing/2010/main">
+                <a:solidFill>
+                  <a:srgbClr val="FFFFFF"/>
+                </a:solidFill>
+              </a14:hiddenFill>
+            </a:ext>
+          </a:extLst>
+        </p:spPr>
+      </p:pic>
+      <p:pic>
+        <p:nvPicPr>
+          <p:cNvPr id="65" name="Picture 26" descr="Image result for maven icone"/>
+          <p:cNvPicPr>
+            <a:picLocks noChangeAspect="1" noChangeArrowheads="1"/>
+          </p:cNvPicPr>
+          <p:nvPr/>
+        </p:nvPicPr>
+        <p:blipFill>
+          <a:blip r:embed="rId9">
+            <a:extLst>
+              <a:ext uri="{28A0092B-C50C-407E-A947-70E740481C1C}">
+                <a14:useLocalDpi xmlns:a14="http://schemas.microsoft.com/office/drawing/2010/main" val="0"/>
+              </a:ext>
+            </a:extLst>
+          </a:blip>
+          <a:srcRect/>
+          <a:stretch>
+            <a:fillRect/>
+          </a:stretch>
+        </p:blipFill>
+        <p:spPr bwMode="auto">
+          <a:xfrm>
+            <a:off x="636692" y="7050339"/>
+            <a:ext cx="576927" cy="200001"/>
+          </a:xfrm>
+          <a:prstGeom prst="rect">
+            <a:avLst/>
+          </a:prstGeom>
+          <a:noFill/>
+          <a:extLst>
+            <a:ext uri="{909E8E84-426E-40DD-AFC4-6F175D3DCCD1}">
+              <a14:hiddenFill xmlns:a14="http://schemas.microsoft.com/office/drawing/2010/main">
+                <a:solidFill>
+                  <a:srgbClr val="FFFFFF"/>
+                </a:solidFill>
+              </a14:hiddenFill>
+            </a:ext>
+          </a:extLst>
+        </p:spPr>
+      </p:pic>
+      <p:pic>
+        <p:nvPicPr>
+          <p:cNvPr id="66" name="Picture 28" descr="Image result for kubernetes icon"/>
+          <p:cNvPicPr>
+            <a:picLocks noChangeAspect="1" noChangeArrowheads="1"/>
+          </p:cNvPicPr>
+          <p:nvPr/>
+        </p:nvPicPr>
+        <p:blipFill>
+          <a:blip r:embed="rId10">
+            <a:extLst>
+              <a:ext uri="{28A0092B-C50C-407E-A947-70E740481C1C}">
+                <a14:useLocalDpi xmlns:a14="http://schemas.microsoft.com/office/drawing/2010/main" val="0"/>
+              </a:ext>
+            </a:extLst>
+          </a:blip>
+          <a:srcRect/>
+          <a:stretch>
+            <a:fillRect/>
+          </a:stretch>
+        </p:blipFill>
+        <p:spPr bwMode="auto">
+          <a:xfrm>
+            <a:off x="550551" y="7310097"/>
+            <a:ext cx="727740" cy="387796"/>
+          </a:xfrm>
+          <a:prstGeom prst="rect">
+            <a:avLst/>
+          </a:prstGeom>
+          <a:noFill/>
+          <a:extLst>
+            <a:ext uri="{909E8E84-426E-40DD-AFC4-6F175D3DCCD1}">
+              <a14:hiddenFill xmlns:a14="http://schemas.microsoft.com/office/drawing/2010/main">
+                <a:solidFill>
+                  <a:srgbClr val="FFFFFF"/>
+                </a:solidFill>
+              </a14:hiddenFill>
+            </a:ext>
+          </a:extLst>
+        </p:spPr>
+      </p:pic>
+      <p:pic>
+        <p:nvPicPr>
+          <p:cNvPr id="67" name="Picture 32" descr="Image result for postman icon"/>
+          <p:cNvPicPr>
+            <a:picLocks noChangeAspect="1" noChangeArrowheads="1"/>
+          </p:cNvPicPr>
+          <p:nvPr/>
+        </p:nvPicPr>
+        <p:blipFill>
+          <a:blip r:embed="rId11">
+            <a:extLst>
+              <a:ext uri="{28A0092B-C50C-407E-A947-70E740481C1C}">
+                <a14:useLocalDpi xmlns:a14="http://schemas.microsoft.com/office/drawing/2010/main" val="0"/>
+              </a:ext>
+            </a:extLst>
+          </a:blip>
+          <a:srcRect/>
+          <a:stretch>
+            <a:fillRect/>
+          </a:stretch>
+        </p:blipFill>
+        <p:spPr bwMode="auto">
+          <a:xfrm>
+            <a:off x="757638" y="7757650"/>
+            <a:ext cx="347310" cy="347310"/>
+          </a:xfrm>
+          <a:prstGeom prst="rect">
+            <a:avLst/>
+          </a:prstGeom>
+          <a:noFill/>
+          <a:extLst>
+            <a:ext uri="{909E8E84-426E-40DD-AFC4-6F175D3DCCD1}">
+              <a14:hiddenFill xmlns:a14="http://schemas.microsoft.com/office/drawing/2010/main">
+                <a:solidFill>
+                  <a:srgbClr val="FFFFFF"/>
+                </a:solidFill>
+              </a14:hiddenFill>
+            </a:ext>
+          </a:extLst>
+        </p:spPr>
+      </p:pic>
+      <p:pic>
+        <p:nvPicPr>
+          <p:cNvPr id="68" name="Picture 26" descr="Image result for maven icone"/>
+          <p:cNvPicPr>
+            <a:picLocks noChangeAspect="1" noChangeArrowheads="1"/>
+          </p:cNvPicPr>
+          <p:nvPr/>
+        </p:nvPicPr>
+        <p:blipFill>
+          <a:blip r:embed="rId9">
+            <a:extLst>
+              <a:ext uri="{28A0092B-C50C-407E-A947-70E740481C1C}">
+                <a14:useLocalDpi xmlns:a14="http://schemas.microsoft.com/office/drawing/2010/main" val="0"/>
+              </a:ext>
+            </a:extLst>
+          </a:blip>
+          <a:srcRect/>
+          <a:stretch>
+            <a:fillRect/>
+          </a:stretch>
+        </p:blipFill>
+        <p:spPr bwMode="auto">
+          <a:xfrm>
+            <a:off x="7526506" y="2372122"/>
+            <a:ext cx="576927" cy="200001"/>
+          </a:xfrm>
+          <a:prstGeom prst="rect">
+            <a:avLst/>
+          </a:prstGeom>
+          <a:noFill/>
+          <a:extLst>
+            <a:ext uri="{909E8E84-426E-40DD-AFC4-6F175D3DCCD1}">
+              <a14:hiddenFill xmlns:a14="http://schemas.microsoft.com/office/drawing/2010/main">
+                <a:solidFill>
+                  <a:srgbClr val="FFFFFF"/>
+                </a:solidFill>
+              </a14:hiddenFill>
+            </a:ext>
+          </a:extLst>
+        </p:spPr>
+      </p:pic>
+      <p:pic>
+        <p:nvPicPr>
+          <p:cNvPr id="69" name="Picture 24" descr="Image result for github icon"/>
+          <p:cNvPicPr>
+            <a:picLocks noChangeAspect="1" noChangeArrowheads="1"/>
+          </p:cNvPicPr>
+          <p:nvPr/>
+        </p:nvPicPr>
+        <p:blipFill>
+          <a:blip r:embed="rId8">
+            <a:extLst>
+              <a:ext uri="{28A0092B-C50C-407E-A947-70E740481C1C}">
+                <a14:useLocalDpi xmlns:a14="http://schemas.microsoft.com/office/drawing/2010/main" val="0"/>
+              </a:ext>
+            </a:extLst>
+          </a:blip>
+          <a:srcRect/>
+          <a:stretch>
+            <a:fillRect/>
+          </a:stretch>
+        </p:blipFill>
+        <p:spPr bwMode="auto">
+          <a:xfrm>
+            <a:off x="7511088" y="1722258"/>
+            <a:ext cx="279554" cy="279554"/>
+          </a:xfrm>
+          <a:prstGeom prst="rect">
+            <a:avLst/>
+          </a:prstGeom>
+          <a:noFill/>
+          <a:extLst>
+            <a:ext uri="{909E8E84-426E-40DD-AFC4-6F175D3DCCD1}">
+              <a14:hiddenFill xmlns:a14="http://schemas.microsoft.com/office/drawing/2010/main">
+                <a:solidFill>
+                  <a:srgbClr val="FFFFFF"/>
+                </a:solidFill>
+              </a14:hiddenFill>
+            </a:ext>
+          </a:extLst>
+        </p:spPr>
+      </p:pic>
+      <p:pic>
+        <p:nvPicPr>
+          <p:cNvPr id="70" name="Picture 32" descr="Image result for postman icon"/>
+          <p:cNvPicPr>
+            <a:picLocks noChangeAspect="1" noChangeArrowheads="1"/>
+          </p:cNvPicPr>
+          <p:nvPr/>
+        </p:nvPicPr>
+        <p:blipFill>
+          <a:blip r:embed="rId11">
+            <a:extLst>
+              <a:ext uri="{28A0092B-C50C-407E-A947-70E740481C1C}">
+                <a14:useLocalDpi xmlns:a14="http://schemas.microsoft.com/office/drawing/2010/main" val="0"/>
+              </a:ext>
+            </a:extLst>
+          </a:blip>
+          <a:srcRect/>
+          <a:stretch>
+            <a:fillRect/>
+          </a:stretch>
+        </p:blipFill>
+        <p:spPr bwMode="auto">
+          <a:xfrm>
+            <a:off x="1284426" y="1356674"/>
+            <a:ext cx="347310" cy="347310"/>
+          </a:xfrm>
+          <a:prstGeom prst="rect">
+            <a:avLst/>
+          </a:prstGeom>
+          <a:noFill/>
+          <a:extLst>
+            <a:ext uri="{909E8E84-426E-40DD-AFC4-6F175D3DCCD1}">
+              <a14:hiddenFill xmlns:a14="http://schemas.microsoft.com/office/drawing/2010/main">
+                <a:solidFill>
+                  <a:srgbClr val="FFFFFF"/>
+                </a:solidFill>
+              </a14:hiddenFill>
+            </a:ext>
+          </a:extLst>
+        </p:spPr>
+      </p:pic>
+      <p:pic>
+        <p:nvPicPr>
+          <p:cNvPr id="71" name="Picture 8" descr="Image result for docker icone"/>
+          <p:cNvPicPr>
+            <a:picLocks noChangeAspect="1" noChangeArrowheads="1"/>
+          </p:cNvPicPr>
+          <p:nvPr/>
+        </p:nvPicPr>
+        <p:blipFill>
+          <a:blip r:embed="rId6">
+            <a:extLst>
+              <a:ext uri="{28A0092B-C50C-407E-A947-70E740481C1C}">
+                <a14:useLocalDpi xmlns:a14="http://schemas.microsoft.com/office/drawing/2010/main" val="0"/>
+              </a:ext>
+            </a:extLst>
+          </a:blip>
+          <a:srcRect/>
+          <a:stretch>
+            <a:fillRect/>
+          </a:stretch>
+        </p:blipFill>
+        <p:spPr bwMode="auto">
+          <a:xfrm>
+            <a:off x="340490" y="2353027"/>
+            <a:ext cx="515886" cy="460259"/>
+          </a:xfrm>
+          <a:prstGeom prst="rect">
+            <a:avLst/>
+          </a:prstGeom>
+          <a:noFill/>
+          <a:extLst>
+            <a:ext uri="{909E8E84-426E-40DD-AFC4-6F175D3DCCD1}">
+              <a14:hiddenFill xmlns:a14="http://schemas.microsoft.com/office/drawing/2010/main">
+                <a:solidFill>
+                  <a:srgbClr val="FFFFFF"/>
+                </a:solidFill>
+              </a14:hiddenFill>
+            </a:ext>
+          </a:extLst>
+        </p:spPr>
+      </p:pic>
+      <p:pic>
+        <p:nvPicPr>
+          <p:cNvPr id="72" name="Picture 34" descr="Image result for junit icon"/>
+          <p:cNvPicPr>
+            <a:picLocks noChangeAspect="1" noChangeArrowheads="1"/>
+          </p:cNvPicPr>
+          <p:nvPr/>
+        </p:nvPicPr>
+        <p:blipFill>
+          <a:blip r:embed="rId12">
+            <a:extLst>
+              <a:ext uri="{28A0092B-C50C-407E-A947-70E740481C1C}">
+                <a14:useLocalDpi xmlns:a14="http://schemas.microsoft.com/office/drawing/2010/main" val="0"/>
+              </a:ext>
+            </a:extLst>
+          </a:blip>
+          <a:srcRect/>
+          <a:stretch>
+            <a:fillRect/>
+          </a:stretch>
+        </p:blipFill>
+        <p:spPr bwMode="auto">
+          <a:xfrm>
+            <a:off x="884080" y="2338054"/>
+            <a:ext cx="426115" cy="426115"/>
+          </a:xfrm>
+          <a:prstGeom prst="rect">
+            <a:avLst/>
+          </a:prstGeom>
+          <a:noFill/>
+          <a:extLst>
+            <a:ext uri="{909E8E84-426E-40DD-AFC4-6F175D3DCCD1}">
+              <a14:hiddenFill xmlns:a14="http://schemas.microsoft.com/office/drawing/2010/main">
+                <a:solidFill>
+                  <a:srgbClr val="FFFFFF"/>
+                </a:solidFill>
+              </a14:hiddenFill>
+            </a:ext>
+          </a:extLst>
+        </p:spPr>
+      </p:pic>
+      <p:pic>
+        <p:nvPicPr>
+          <p:cNvPr id="73" name="Picture 34" descr="Image result for junit icon"/>
+          <p:cNvPicPr>
+            <a:picLocks noChangeAspect="1" noChangeArrowheads="1"/>
+          </p:cNvPicPr>
+          <p:nvPr/>
+        </p:nvPicPr>
+        <p:blipFill>
+          <a:blip r:embed="rId12">
+            <a:extLst>
+              <a:ext uri="{28A0092B-C50C-407E-A947-70E740481C1C}">
+                <a14:useLocalDpi xmlns:a14="http://schemas.microsoft.com/office/drawing/2010/main" val="0"/>
+              </a:ext>
+            </a:extLst>
+          </a:blip>
+          <a:srcRect/>
+          <a:stretch>
+            <a:fillRect/>
+          </a:stretch>
+        </p:blipFill>
+        <p:spPr bwMode="auto">
+          <a:xfrm>
+            <a:off x="7588036" y="2804139"/>
+            <a:ext cx="426115" cy="426115"/>
+          </a:xfrm>
+          <a:prstGeom prst="rect">
+            <a:avLst/>
+          </a:prstGeom>
+          <a:noFill/>
+          <a:extLst>
+            <a:ext uri="{909E8E84-426E-40DD-AFC4-6F175D3DCCD1}">
+              <a14:hiddenFill xmlns:a14="http://schemas.microsoft.com/office/drawing/2010/main">
+                <a:solidFill>
+                  <a:srgbClr val="FFFFFF"/>
+                </a:solidFill>
+              </a14:hiddenFill>
+            </a:ext>
+          </a:extLst>
+        </p:spPr>
+      </p:pic>
+      <p:sp>
+        <p:nvSpPr>
+          <p:cNvPr id="44" name="Rectangle 43"/>
+          <p:cNvSpPr/>
+          <p:nvPr/>
+        </p:nvSpPr>
+        <p:spPr>
+          <a:xfrm>
+            <a:off x="4549652" y="3411428"/>
+            <a:ext cx="2915264" cy="283532"/>
+          </a:xfrm>
+          <a:prstGeom prst="rect">
+            <a:avLst/>
+          </a:prstGeom>
+        </p:spPr>
+        <p:style>
+          <a:lnRef idx="1">
+            <a:schemeClr val="accent6"/>
+          </a:lnRef>
+          <a:fillRef idx="2">
+            <a:schemeClr val="accent6"/>
+          </a:fillRef>
+          <a:effectRef idx="1">
+            <a:schemeClr val="accent6"/>
+          </a:effectRef>
+          <a:fontRef idx="minor">
+            <a:schemeClr val="dk1"/>
+          </a:fontRef>
+        </p:style>
+        <p:txBody>
+          <a:bodyPr rtlCol="0" anchor="ctr"/>
+          <a:lstStyle/>
+          <a:p>
+            <a:pPr algn="ctr"/>
+            <a:r>
+              <a:rPr lang="en-CA" sz="900" dirty="0" err="1" smtClean="0"/>
+              <a:t>Constuire</a:t>
+            </a:r>
+            <a:r>
+              <a:rPr lang="en-CA" sz="900" dirty="0" smtClean="0"/>
+              <a:t> </a:t>
+            </a:r>
+            <a:r>
+              <a:rPr lang="en-CA" sz="900" dirty="0" smtClean="0"/>
+              <a:t>le package</a:t>
+            </a:r>
+            <a:endParaRPr lang="en-CA" sz="900" dirty="0" smtClean="0"/>
+          </a:p>
+        </p:txBody>
+      </p:sp>
+      <p:sp>
+        <p:nvSpPr>
+          <p:cNvPr id="50" name="TextBox 49"/>
+          <p:cNvSpPr txBox="1"/>
+          <p:nvPr/>
+        </p:nvSpPr>
+        <p:spPr>
+          <a:xfrm>
+            <a:off x="6037928" y="2603442"/>
+            <a:ext cx="758928" cy="246221"/>
+          </a:xfrm>
+          <a:prstGeom prst="rect">
+            <a:avLst/>
+          </a:prstGeom>
+          <a:noFill/>
+        </p:spPr>
+        <p:txBody>
+          <a:bodyPr wrap="square" rtlCol="0">
+            <a:spAutoFit/>
+          </a:bodyPr>
+          <a:lstStyle/>
+          <a:p>
+            <a:r>
+              <a:rPr lang="en-CA" sz="1000" dirty="0" smtClean="0"/>
+              <a:t>Si </a:t>
+            </a:r>
+            <a:r>
+              <a:rPr lang="en-CA" sz="1000" dirty="0" err="1" smtClean="0"/>
+              <a:t>succès</a:t>
+            </a:r>
+            <a:endParaRPr lang="fr-CA" sz="1000" dirty="0"/>
+          </a:p>
+        </p:txBody>
+      </p:sp>
+      <p:pic>
+        <p:nvPicPr>
+          <p:cNvPr id="54" name="Picture 26" descr="Image result for maven icone"/>
+          <p:cNvPicPr>
+            <a:picLocks noChangeAspect="1" noChangeArrowheads="1"/>
+          </p:cNvPicPr>
+          <p:nvPr/>
+        </p:nvPicPr>
+        <p:blipFill>
+          <a:blip r:embed="rId9">
+            <a:extLst>
+              <a:ext uri="{28A0092B-C50C-407E-A947-70E740481C1C}">
+                <a14:useLocalDpi xmlns:a14="http://schemas.microsoft.com/office/drawing/2010/main" val="0"/>
+              </a:ext>
+            </a:extLst>
+          </a:blip>
+          <a:srcRect/>
+          <a:stretch>
+            <a:fillRect/>
+          </a:stretch>
+        </p:blipFill>
+        <p:spPr bwMode="auto">
+          <a:xfrm>
+            <a:off x="7597894" y="3362269"/>
+            <a:ext cx="576927" cy="200001"/>
+          </a:xfrm>
+          <a:prstGeom prst="rect">
+            <a:avLst/>
+          </a:prstGeom>
+          <a:noFill/>
+          <a:extLst>
+            <a:ext uri="{909E8E84-426E-40DD-AFC4-6F175D3DCCD1}">
+              <a14:hiddenFill xmlns:a14="http://schemas.microsoft.com/office/drawing/2010/main">
+                <a:solidFill>
+                  <a:srgbClr val="FFFFFF"/>
+                </a:solidFill>
+              </a14:hiddenFill>
+            </a:ext>
+          </a:extLst>
+        </p:spPr>
+      </p:pic>
+      <p:sp>
+        <p:nvSpPr>
+          <p:cNvPr id="55" name="TextBox 54"/>
+          <p:cNvSpPr txBox="1"/>
+          <p:nvPr/>
+        </p:nvSpPr>
+        <p:spPr>
+          <a:xfrm>
+            <a:off x="6043661" y="3160559"/>
+            <a:ext cx="758928" cy="246221"/>
+          </a:xfrm>
+          <a:prstGeom prst="rect">
+            <a:avLst/>
+          </a:prstGeom>
+          <a:noFill/>
+        </p:spPr>
+        <p:txBody>
+          <a:bodyPr wrap="square" rtlCol="0">
+            <a:spAutoFit/>
+          </a:bodyPr>
+          <a:lstStyle/>
+          <a:p>
+            <a:r>
+              <a:rPr lang="en-CA" sz="1000" dirty="0" smtClean="0"/>
+              <a:t>Si </a:t>
+            </a:r>
+            <a:r>
+              <a:rPr lang="en-CA" sz="1000" dirty="0" err="1" smtClean="0"/>
+              <a:t>succès</a:t>
+            </a:r>
+            <a:endParaRPr lang="fr-CA" sz="1000" dirty="0"/>
+          </a:p>
+        </p:txBody>
+      </p:sp>
+      <p:cxnSp>
+        <p:nvCxnSpPr>
+          <p:cNvPr id="60" name="Straight Arrow Connector 59"/>
+          <p:cNvCxnSpPr>
+            <a:stCxn id="44" idx="2"/>
+          </p:cNvCxnSpPr>
+          <p:nvPr/>
+        </p:nvCxnSpPr>
+        <p:spPr>
+          <a:xfrm>
+            <a:off x="6007284" y="3694960"/>
+            <a:ext cx="0" cy="418819"/>
+          </a:xfrm>
+          <a:prstGeom prst="straightConnector1">
+            <a:avLst/>
+          </a:prstGeom>
+          <a:ln>
+            <a:tailEnd type="triangle"/>
+          </a:ln>
+        </p:spPr>
+        <p:style>
+          <a:lnRef idx="2">
+            <a:schemeClr val="accent1"/>
+          </a:lnRef>
+          <a:fillRef idx="0">
+            <a:schemeClr val="accent1"/>
+          </a:fillRef>
+          <a:effectRef idx="1">
+            <a:schemeClr val="accent1"/>
+          </a:effectRef>
+          <a:fontRef idx="minor">
+            <a:schemeClr val="tx1"/>
+          </a:fontRef>
+        </p:style>
+      </p:cxnSp>
+      <p:cxnSp>
+        <p:nvCxnSpPr>
+          <p:cNvPr id="61" name="Straight Arrow Connector 60"/>
+          <p:cNvCxnSpPr/>
+          <p:nvPr/>
+        </p:nvCxnSpPr>
+        <p:spPr>
+          <a:xfrm>
+            <a:off x="4789582" y="3715770"/>
+            <a:ext cx="5142" cy="1401809"/>
+          </a:xfrm>
+          <a:prstGeom prst="straightConnector1">
+            <a:avLst/>
+          </a:prstGeom>
+          <a:ln>
+            <a:tailEnd type="triangle"/>
+          </a:ln>
+        </p:spPr>
+        <p:style>
+          <a:lnRef idx="2">
+            <a:schemeClr val="accent1"/>
+          </a:lnRef>
+          <a:fillRef idx="0">
+            <a:schemeClr val="accent1"/>
+          </a:fillRef>
+          <a:effectRef idx="1">
+            <a:schemeClr val="accent1"/>
+          </a:effectRef>
+          <a:fontRef idx="minor">
+            <a:schemeClr val="tx1"/>
+          </a:fontRef>
+        </p:style>
+      </p:cxnSp>
+      <p:cxnSp>
+        <p:nvCxnSpPr>
+          <p:cNvPr id="74" name="Straight Arrow Connector 73"/>
+          <p:cNvCxnSpPr/>
+          <p:nvPr/>
+        </p:nvCxnSpPr>
+        <p:spPr>
+          <a:xfrm>
+            <a:off x="6037928" y="4368189"/>
+            <a:ext cx="5733" cy="684164"/>
+          </a:xfrm>
+          <a:prstGeom prst="straightConnector1">
+            <a:avLst/>
+          </a:prstGeom>
+          <a:ln>
+            <a:tailEnd type="triangle"/>
+          </a:ln>
+        </p:spPr>
+        <p:style>
+          <a:lnRef idx="2">
+            <a:schemeClr val="accent1"/>
+          </a:lnRef>
+          <a:fillRef idx="0">
+            <a:schemeClr val="accent1"/>
+          </a:fillRef>
+          <a:effectRef idx="1">
+            <a:schemeClr val="accent1"/>
+          </a:effectRef>
+          <a:fontRef idx="minor">
+            <a:schemeClr val="tx1"/>
+          </a:fontRef>
+        </p:style>
+      </p:cxnSp>
+      <p:sp>
+        <p:nvSpPr>
+          <p:cNvPr id="75" name="TextBox 74"/>
+          <p:cNvSpPr txBox="1"/>
+          <p:nvPr/>
+        </p:nvSpPr>
+        <p:spPr>
+          <a:xfrm>
+            <a:off x="4835228" y="4716301"/>
+            <a:ext cx="758928" cy="246221"/>
+          </a:xfrm>
+          <a:prstGeom prst="rect">
+            <a:avLst/>
+          </a:prstGeom>
+          <a:noFill/>
+        </p:spPr>
+        <p:txBody>
+          <a:bodyPr wrap="square" rtlCol="0">
+            <a:spAutoFit/>
+          </a:bodyPr>
+          <a:lstStyle/>
+          <a:p>
+            <a:r>
+              <a:rPr lang="en-CA" sz="1000" dirty="0" smtClean="0"/>
+              <a:t>Si </a:t>
+            </a:r>
+            <a:r>
+              <a:rPr lang="en-CA" sz="1000" dirty="0" err="1" smtClean="0"/>
+              <a:t>succès</a:t>
+            </a:r>
+            <a:endParaRPr lang="fr-CA" sz="1000" dirty="0"/>
+          </a:p>
+        </p:txBody>
+      </p:sp>
+      <p:pic>
+        <p:nvPicPr>
+          <p:cNvPr id="76" name="Picture 24" descr="Image result for github icon"/>
+          <p:cNvPicPr>
+            <a:picLocks noChangeAspect="1" noChangeArrowheads="1"/>
+          </p:cNvPicPr>
+          <p:nvPr/>
+        </p:nvPicPr>
+        <p:blipFill>
+          <a:blip r:embed="rId8">
+            <a:extLst>
+              <a:ext uri="{28A0092B-C50C-407E-A947-70E740481C1C}">
+                <a14:useLocalDpi xmlns:a14="http://schemas.microsoft.com/office/drawing/2010/main" val="0"/>
+              </a:ext>
+            </a:extLst>
+          </a:blip>
+          <a:srcRect/>
+          <a:stretch>
+            <a:fillRect/>
+          </a:stretch>
+        </p:blipFill>
+        <p:spPr bwMode="auto">
+          <a:xfrm>
+            <a:off x="7557040" y="5890124"/>
+            <a:ext cx="279554" cy="279554"/>
+          </a:xfrm>
+          <a:prstGeom prst="rect">
+            <a:avLst/>
+          </a:prstGeom>
+          <a:noFill/>
+          <a:extLst>
+            <a:ext uri="{909E8E84-426E-40DD-AFC4-6F175D3DCCD1}">
+              <a14:hiddenFill xmlns:a14="http://schemas.microsoft.com/office/drawing/2010/main">
+                <a:solidFill>
+                  <a:srgbClr val="FFFFFF"/>
+                </a:solidFill>
+              </a14:hiddenFill>
+            </a:ext>
+          </a:extLst>
+        </p:spPr>
+      </p:pic>
     </p:spTree>
     <p:extLst>
       <p:ext uri="{BB962C8B-B14F-4D97-AF65-F5344CB8AC3E}">
-        <p14:creationId xmlns:p14="http://schemas.microsoft.com/office/powerpoint/2010/main" val="514582991"/>
+        <p14:creationId xmlns:p14="http://schemas.microsoft.com/office/powerpoint/2010/main" val="2356294371"/>
       </p:ext>
     </p:extLst>
   </p:cSld>
   <p:clrMapOvr>
     <a:masterClrMapping/>
   </p:clrMapOvr>
+  <p:timing>
+    <p:tnLst>
+      <p:par>
+        <p:cTn id="1" dur="indefinite" restart="never" nodeType="tmRoot"/>
+      </p:par>
+    </p:tnLst>
+  </p:timing>
 </p:sld>
 </file>
 
@@ -4417,7 +8577,12 @@
             <p:ph type="sldNum" sz="quarter" idx="4"/>
           </p:nvPr>
         </p:nvSpPr>
-        <p:spPr/>
+        <p:spPr>
+          <a:xfrm>
+            <a:off x="4382320" y="6438900"/>
+            <a:ext cx="474872" cy="155575"/>
+          </a:xfrm>
+        </p:spPr>
         <p:txBody>
           <a:bodyPr/>
           <a:lstStyle/>
@@ -4467,70 +8632,629 @@
           <a:lstStyle/>
           <a:p>
             <a:r>
-              <a:rPr lang="fr-CA" b="0" dirty="0"/>
-              <a:t>Apprentissage « Ne plus faire »</a:t>
-            </a:r>
+              <a:rPr lang="en-CA" dirty="0" err="1" smtClean="0"/>
+              <a:t>Deploiement</a:t>
+            </a:r>
+            <a:r>
+              <a:rPr lang="en-CA" dirty="0" smtClean="0"/>
+              <a:t> </a:t>
+            </a:r>
+            <a:r>
+              <a:rPr lang="en-CA" dirty="0" err="1"/>
+              <a:t>C</a:t>
+            </a:r>
+            <a:r>
+              <a:rPr lang="en-CA" dirty="0" err="1" smtClean="0"/>
+              <a:t>ontinu</a:t>
+            </a:r>
+            <a:r>
+              <a:rPr lang="en-CA" dirty="0" smtClean="0"/>
+              <a:t> Pipeline - CD</a:t>
+            </a:r>
+            <a:r>
+              <a:rPr lang="en-CA" dirty="0"/>
+              <a:t/>
+            </a:r>
+            <a:br>
+              <a:rPr lang="en-CA" dirty="0"/>
+            </a:br>
+            <a:endParaRPr lang="fr-CA" b="0" dirty="0"/>
           </a:p>
         </p:txBody>
       </p:sp>
       <p:sp>
         <p:nvSpPr>
-          <p:cNvPr id="4" name="Text Placeholder 3">
+          <p:cNvPr id="11" name="Rectangle 10"/>
+          <p:cNvSpPr/>
+          <p:nvPr/>
+        </p:nvSpPr>
+        <p:spPr>
+          <a:xfrm>
+            <a:off x="1758736" y="872059"/>
+            <a:ext cx="5236438" cy="4024406"/>
+          </a:xfrm>
+          <a:prstGeom prst="rect">
+            <a:avLst/>
+          </a:prstGeom>
+        </p:spPr>
+        <p:style>
+          <a:lnRef idx="1">
+            <a:schemeClr val="accent6"/>
+          </a:lnRef>
+          <a:fillRef idx="2">
+            <a:schemeClr val="accent6"/>
+          </a:fillRef>
+          <a:effectRef idx="1">
+            <a:schemeClr val="accent6"/>
+          </a:effectRef>
+          <a:fontRef idx="minor">
+            <a:schemeClr val="dk1"/>
+          </a:fontRef>
+        </p:style>
+        <p:txBody>
+          <a:bodyPr rtlCol="0" anchor="ctr"/>
+          <a:lstStyle/>
+          <a:p>
+            <a:r>
+              <a:rPr lang="en-CA" sz="2000" dirty="0" smtClean="0"/>
+              <a:t>Jenkins</a:t>
+            </a:r>
+          </a:p>
+          <a:p>
+            <a:endParaRPr lang="en-CA" sz="2000" dirty="0"/>
+          </a:p>
+          <a:p>
+            <a:endParaRPr lang="en-CA" sz="2000" dirty="0" smtClean="0"/>
+          </a:p>
+          <a:p>
+            <a:endParaRPr lang="en-CA" sz="2000" dirty="0"/>
+          </a:p>
+          <a:p>
+            <a:endParaRPr lang="en-CA" sz="2000" dirty="0" smtClean="0"/>
+          </a:p>
+          <a:p>
+            <a:endParaRPr lang="en-CA" sz="2000" dirty="0"/>
+          </a:p>
+          <a:p>
+            <a:endParaRPr lang="en-CA" sz="2000" dirty="0" smtClean="0"/>
+          </a:p>
+          <a:p>
+            <a:endParaRPr lang="en-CA" sz="2000" dirty="0"/>
+          </a:p>
+          <a:p>
+            <a:endParaRPr lang="en-CA" sz="2000" dirty="0" smtClean="0"/>
+          </a:p>
+          <a:p>
+            <a:endParaRPr lang="en-CA" sz="2000" dirty="0"/>
+          </a:p>
+          <a:p>
+            <a:endParaRPr lang="fr-CA" sz="2000" dirty="0"/>
+          </a:p>
+        </p:txBody>
+      </p:sp>
+      <p:sp>
+        <p:nvSpPr>
+          <p:cNvPr id="12" name="Rectangle 11"/>
+          <p:cNvSpPr/>
+          <p:nvPr/>
+        </p:nvSpPr>
+        <p:spPr>
+          <a:xfrm>
+            <a:off x="2000858" y="1776834"/>
+            <a:ext cx="3615511" cy="629264"/>
+          </a:xfrm>
+          <a:prstGeom prst="rect">
+            <a:avLst/>
+          </a:prstGeom>
+        </p:spPr>
+        <p:style>
+          <a:lnRef idx="1">
+            <a:schemeClr val="accent6"/>
+          </a:lnRef>
+          <a:fillRef idx="2">
+            <a:schemeClr val="accent6"/>
+          </a:fillRef>
+          <a:effectRef idx="1">
+            <a:schemeClr val="accent6"/>
+          </a:effectRef>
+          <a:fontRef idx="minor">
+            <a:schemeClr val="dk1"/>
+          </a:fontRef>
+        </p:style>
+        <p:txBody>
+          <a:bodyPr rtlCol="0" anchor="ctr"/>
+          <a:lstStyle/>
+          <a:p>
+            <a:pPr algn="ctr"/>
+            <a:r>
+              <a:rPr lang="en-CA" sz="1200" dirty="0" smtClean="0"/>
+              <a:t>Configuration de </a:t>
+            </a:r>
+            <a:r>
+              <a:rPr lang="en-CA" sz="1200" dirty="0" err="1" smtClean="0"/>
+              <a:t>l’environnement</a:t>
+            </a:r>
+            <a:r>
+              <a:rPr lang="en-CA" sz="1200" dirty="0" smtClean="0"/>
+              <a:t> </a:t>
+            </a:r>
+            <a:r>
+              <a:rPr lang="en-CA" sz="1200" dirty="0" err="1" smtClean="0"/>
+              <a:t>cible</a:t>
+            </a:r>
+            <a:r>
+              <a:rPr lang="en-CA" sz="1200" dirty="0" smtClean="0"/>
+              <a:t> : </a:t>
+            </a:r>
+            <a:endParaRPr lang="en-CA" sz="1200" dirty="0" smtClean="0"/>
+          </a:p>
+          <a:p>
+            <a:pPr algn="ctr"/>
+            <a:r>
+              <a:rPr lang="en-CA" sz="1200" dirty="0" err="1" smtClean="0"/>
+              <a:t>Ansible</a:t>
+            </a:r>
+            <a:r>
+              <a:rPr lang="en-CA" sz="1200" dirty="0" smtClean="0"/>
+              <a:t> &amp; Terraform &amp; AWS</a:t>
+            </a:r>
+            <a:endParaRPr lang="en-CA" sz="1200" dirty="0" smtClean="0"/>
+          </a:p>
+        </p:txBody>
+      </p:sp>
+      <p:cxnSp>
+        <p:nvCxnSpPr>
+          <p:cNvPr id="13" name="Straight Arrow Connector 12"/>
+          <p:cNvCxnSpPr/>
+          <p:nvPr/>
+        </p:nvCxnSpPr>
+        <p:spPr>
+          <a:xfrm>
+            <a:off x="957100" y="1935304"/>
+            <a:ext cx="907949" cy="0"/>
+          </a:xfrm>
+          <a:prstGeom prst="straightConnector1">
+            <a:avLst/>
+          </a:prstGeom>
+          <a:ln>
+            <a:tailEnd type="triangle"/>
+          </a:ln>
+        </p:spPr>
+        <p:style>
+          <a:lnRef idx="2">
+            <a:schemeClr val="accent1"/>
+          </a:lnRef>
+          <a:fillRef idx="0">
+            <a:schemeClr val="accent1"/>
+          </a:fillRef>
+          <a:effectRef idx="1">
+            <a:schemeClr val="accent1"/>
+          </a:effectRef>
+          <a:fontRef idx="minor">
+            <a:schemeClr val="tx1"/>
+          </a:fontRef>
+        </p:style>
+      </p:cxnSp>
+      <p:sp>
+        <p:nvSpPr>
+          <p:cNvPr id="24" name="TextBox 23"/>
+          <p:cNvSpPr txBox="1"/>
+          <p:nvPr/>
+        </p:nvSpPr>
+        <p:spPr>
+          <a:xfrm>
+            <a:off x="957100" y="1971829"/>
+            <a:ext cx="758928" cy="246221"/>
+          </a:xfrm>
+          <a:prstGeom prst="rect">
+            <a:avLst/>
+          </a:prstGeom>
+          <a:noFill/>
+        </p:spPr>
+        <p:txBody>
+          <a:bodyPr wrap="square" rtlCol="0">
+            <a:spAutoFit/>
+          </a:bodyPr>
+          <a:lstStyle/>
+          <a:p>
+            <a:r>
+              <a:rPr lang="en-CA" sz="1000" dirty="0" smtClean="0"/>
+              <a:t>Hook</a:t>
+            </a:r>
+            <a:endParaRPr lang="fr-CA" sz="1000" dirty="0"/>
+          </a:p>
+        </p:txBody>
+      </p:sp>
+      <p:sp>
+        <p:nvSpPr>
+          <p:cNvPr id="30" name="Rectangle 29"/>
+          <p:cNvSpPr/>
+          <p:nvPr/>
+        </p:nvSpPr>
+        <p:spPr>
+          <a:xfrm>
+            <a:off x="2000858" y="2767911"/>
+            <a:ext cx="3615511" cy="629264"/>
+          </a:xfrm>
+          <a:prstGeom prst="rect">
+            <a:avLst/>
+          </a:prstGeom>
+        </p:spPr>
+        <p:style>
+          <a:lnRef idx="1">
+            <a:schemeClr val="accent6"/>
+          </a:lnRef>
+          <a:fillRef idx="2">
+            <a:schemeClr val="accent6"/>
+          </a:fillRef>
+          <a:effectRef idx="1">
+            <a:schemeClr val="accent6"/>
+          </a:effectRef>
+          <a:fontRef idx="minor">
+            <a:schemeClr val="dk1"/>
+          </a:fontRef>
+        </p:style>
+        <p:txBody>
+          <a:bodyPr rtlCol="0" anchor="ctr"/>
+          <a:lstStyle/>
+          <a:p>
+            <a:pPr algn="ctr"/>
+            <a:r>
+              <a:rPr lang="en-CA" sz="1200" dirty="0" err="1" smtClean="0"/>
+              <a:t>Téléchargement</a:t>
+            </a:r>
+            <a:r>
+              <a:rPr lang="en-CA" sz="1200" dirty="0" smtClean="0"/>
+              <a:t> et installation de </a:t>
+            </a:r>
+            <a:r>
+              <a:rPr lang="en-CA" sz="1200" dirty="0" err="1" smtClean="0"/>
+              <a:t>l’image</a:t>
+            </a:r>
+            <a:r>
+              <a:rPr lang="en-CA" sz="1200" dirty="0" smtClean="0"/>
+              <a:t> </a:t>
+            </a:r>
+            <a:r>
+              <a:rPr lang="en-CA" sz="1200" dirty="0" err="1" smtClean="0"/>
+              <a:t>docker</a:t>
+            </a:r>
+            <a:r>
+              <a:rPr lang="en-CA" sz="1200" dirty="0" smtClean="0"/>
+              <a:t>  : </a:t>
+            </a:r>
+            <a:r>
+              <a:rPr lang="en-CA" sz="1200" dirty="0" smtClean="0"/>
+              <a:t>GitHub</a:t>
+            </a:r>
+            <a:endParaRPr lang="en-CA" sz="1200" dirty="0" smtClean="0"/>
+          </a:p>
+        </p:txBody>
+      </p:sp>
+      <p:sp>
+        <p:nvSpPr>
+          <p:cNvPr id="17" name="Rectangle 16"/>
+          <p:cNvSpPr/>
+          <p:nvPr/>
+        </p:nvSpPr>
+        <p:spPr>
+          <a:xfrm>
+            <a:off x="176981" y="1671484"/>
+            <a:ext cx="791496" cy="497742"/>
+          </a:xfrm>
+          <a:prstGeom prst="rect">
+            <a:avLst/>
+          </a:prstGeom>
+        </p:spPr>
+        <p:style>
+          <a:lnRef idx="1">
+            <a:schemeClr val="accent6"/>
+          </a:lnRef>
+          <a:fillRef idx="2">
+            <a:schemeClr val="accent6"/>
+          </a:fillRef>
+          <a:effectRef idx="1">
+            <a:schemeClr val="accent6"/>
+          </a:effectRef>
+          <a:fontRef idx="minor">
+            <a:schemeClr val="dk1"/>
+          </a:fontRef>
+        </p:style>
+        <p:txBody>
+          <a:bodyPr rtlCol="0" anchor="ctr"/>
+          <a:lstStyle/>
+          <a:p>
+            <a:pPr algn="ctr"/>
+            <a:r>
+              <a:rPr lang="en-CA" sz="1600" dirty="0" smtClean="0"/>
+              <a:t>CI</a:t>
+            </a:r>
+            <a:endParaRPr lang="fr-CA" sz="1600" dirty="0"/>
+          </a:p>
+        </p:txBody>
+      </p:sp>
+      <p:pic>
+        <p:nvPicPr>
+          <p:cNvPr id="21" name="Picture 6" descr="Image result for jenkins icon"/>
+          <p:cNvPicPr>
+            <a:picLocks noChangeAspect="1" noChangeArrowheads="1"/>
+          </p:cNvPicPr>
+          <p:nvPr/>
+        </p:nvPicPr>
+        <p:blipFill>
+          <a:blip r:embed="rId3">
             <a:extLst>
-              <a:ext uri="{FF2B5EF4-FFF2-40B4-BE49-F238E27FC236}">
-                <a16:creationId xmlns:a16="http://schemas.microsoft.com/office/drawing/2014/main" id="{CFB88BEF-5D73-D345-A71E-7D4554A1B176}"/>
+              <a:ext uri="{28A0092B-C50C-407E-A947-70E740481C1C}">
+                <a14:useLocalDpi xmlns:a14="http://schemas.microsoft.com/office/drawing/2010/main" val="0"/>
               </a:ext>
             </a:extLst>
-          </p:cNvPr>
-          <p:cNvSpPr>
-            <a:spLocks noGrp="1"/>
-          </p:cNvSpPr>
-          <p:nvPr>
-            <p:ph type="body" sz="quarter" idx="11"/>
-          </p:nvPr>
-        </p:nvSpPr>
+          </a:blip>
+          <a:srcRect/>
+          <a:stretch>
+            <a:fillRect/>
+          </a:stretch>
+        </p:blipFill>
+        <p:spPr bwMode="auto">
+          <a:xfrm>
+            <a:off x="2759066" y="944578"/>
+            <a:ext cx="251929" cy="348617"/>
+          </a:xfrm>
+          <a:prstGeom prst="rect">
+            <a:avLst/>
+          </a:prstGeom>
+          <a:noFill/>
+          <a:extLst>
+            <a:ext uri="{909E8E84-426E-40DD-AFC4-6F175D3DCCD1}">
+              <a14:hiddenFill xmlns:a14="http://schemas.microsoft.com/office/drawing/2010/main">
+                <a:solidFill>
+                  <a:srgbClr val="FFFFFF"/>
+                </a:solidFill>
+              </a14:hiddenFill>
+            </a:ext>
+          </a:extLst>
+        </p:spPr>
+      </p:pic>
+      <p:pic>
+        <p:nvPicPr>
+          <p:cNvPr id="22" name="Picture 8" descr="Image result for docker icone"/>
+          <p:cNvPicPr>
+            <a:picLocks noChangeAspect="1" noChangeArrowheads="1"/>
+          </p:cNvPicPr>
+          <p:nvPr/>
+        </p:nvPicPr>
+        <p:blipFill>
+          <a:blip r:embed="rId4">
+            <a:extLst>
+              <a:ext uri="{28A0092B-C50C-407E-A947-70E740481C1C}">
+                <a14:useLocalDpi xmlns:a14="http://schemas.microsoft.com/office/drawing/2010/main" val="0"/>
+              </a:ext>
+            </a:extLst>
+          </a:blip>
+          <a:srcRect/>
+          <a:stretch>
+            <a:fillRect/>
+          </a:stretch>
+        </p:blipFill>
+        <p:spPr bwMode="auto">
+          <a:xfrm>
+            <a:off x="5789885" y="2852413"/>
+            <a:ext cx="515886" cy="460259"/>
+          </a:xfrm>
+          <a:prstGeom prst="rect">
+            <a:avLst/>
+          </a:prstGeom>
+          <a:noFill/>
+          <a:extLst>
+            <a:ext uri="{909E8E84-426E-40DD-AFC4-6F175D3DCCD1}">
+              <a14:hiddenFill xmlns:a14="http://schemas.microsoft.com/office/drawing/2010/main">
+                <a:solidFill>
+                  <a:srgbClr val="FFFFFF"/>
+                </a:solidFill>
+              </a14:hiddenFill>
+            </a:ext>
+          </a:extLst>
+        </p:spPr>
+      </p:pic>
+      <p:pic>
+        <p:nvPicPr>
+          <p:cNvPr id="23" name="Picture 10" descr="Image result for ansible icone"/>
+          <p:cNvPicPr>
+            <a:picLocks noChangeAspect="1" noChangeArrowheads="1"/>
+          </p:cNvPicPr>
+          <p:nvPr/>
+        </p:nvPicPr>
+        <p:blipFill>
+          <a:blip r:embed="rId5">
+            <a:extLst>
+              <a:ext uri="{28A0092B-C50C-407E-A947-70E740481C1C}">
+                <a14:useLocalDpi xmlns:a14="http://schemas.microsoft.com/office/drawing/2010/main" val="0"/>
+              </a:ext>
+            </a:extLst>
+          </a:blip>
+          <a:srcRect/>
+          <a:stretch>
+            <a:fillRect/>
+          </a:stretch>
+        </p:blipFill>
+        <p:spPr bwMode="auto">
+          <a:xfrm>
+            <a:off x="5659077" y="1856362"/>
+            <a:ext cx="470207" cy="470207"/>
+          </a:xfrm>
+          <a:prstGeom prst="rect">
+            <a:avLst/>
+          </a:prstGeom>
+          <a:noFill/>
+          <a:extLst>
+            <a:ext uri="{909E8E84-426E-40DD-AFC4-6F175D3DCCD1}">
+              <a14:hiddenFill xmlns:a14="http://schemas.microsoft.com/office/drawing/2010/main">
+                <a:solidFill>
+                  <a:srgbClr val="FFFFFF"/>
+                </a:solidFill>
+              </a14:hiddenFill>
+            </a:ext>
+          </a:extLst>
+        </p:spPr>
+      </p:pic>
+      <p:cxnSp>
+        <p:nvCxnSpPr>
+          <p:cNvPr id="37" name="Straight Arrow Connector 36"/>
+          <p:cNvCxnSpPr>
+            <a:stCxn id="12" idx="2"/>
+            <a:endCxn id="30" idx="0"/>
+          </p:cNvCxnSpPr>
+          <p:nvPr/>
+        </p:nvCxnSpPr>
         <p:spPr>
           <a:xfrm>
-            <a:off x="455633" y="1181579"/>
-            <a:ext cx="8418543" cy="5511529"/>
-          </a:xfrm>
-        </p:spPr>
-        <p:txBody>
-          <a:bodyPr lIns="0" tIns="0" rIns="0" bIns="0" anchor="t"/>
-          <a:lstStyle/>
-          <a:p>
-            <a:endParaRPr lang="fr-CA" dirty="0"/>
-          </a:p>
-          <a:p>
-            <a:endParaRPr lang="fr-CA" dirty="0"/>
-          </a:p>
-          <a:p>
-            <a:endParaRPr lang="fr-CA" dirty="0"/>
-          </a:p>
-          <a:p>
-            <a:endParaRPr lang="fr-CA" dirty="0"/>
-          </a:p>
-          <a:p>
-            <a:endParaRPr lang="fr-CA" dirty="0"/>
-          </a:p>
-          <a:p>
-            <a:endParaRPr lang="fr-CA" dirty="0"/>
-          </a:p>
-          <a:p>
-            <a:endParaRPr lang="fr-CA" dirty="0"/>
-          </a:p>
-        </p:txBody>
-      </p:sp>
+            <a:off x="3808614" y="2406098"/>
+            <a:ext cx="0" cy="361813"/>
+          </a:xfrm>
+          <a:prstGeom prst="straightConnector1">
+            <a:avLst/>
+          </a:prstGeom>
+          <a:ln>
+            <a:tailEnd type="triangle"/>
+          </a:ln>
+        </p:spPr>
+        <p:style>
+          <a:lnRef idx="2">
+            <a:schemeClr val="accent1"/>
+          </a:lnRef>
+          <a:fillRef idx="0">
+            <a:schemeClr val="accent1"/>
+          </a:fillRef>
+          <a:effectRef idx="1">
+            <a:schemeClr val="accent1"/>
+          </a:effectRef>
+          <a:fontRef idx="minor">
+            <a:schemeClr val="tx1"/>
+          </a:fontRef>
+        </p:style>
+      </p:cxnSp>
+      <p:pic>
+        <p:nvPicPr>
+          <p:cNvPr id="18" name="Picture 24" descr="Image result for github icon"/>
+          <p:cNvPicPr>
+            <a:picLocks noChangeAspect="1" noChangeArrowheads="1"/>
+          </p:cNvPicPr>
+          <p:nvPr/>
+        </p:nvPicPr>
+        <p:blipFill>
+          <a:blip r:embed="rId6">
+            <a:extLst>
+              <a:ext uri="{28A0092B-C50C-407E-A947-70E740481C1C}">
+                <a14:useLocalDpi xmlns:a14="http://schemas.microsoft.com/office/drawing/2010/main" val="0"/>
+              </a:ext>
+            </a:extLst>
+          </a:blip>
+          <a:srcRect/>
+          <a:stretch>
+            <a:fillRect/>
+          </a:stretch>
+        </p:blipFill>
+        <p:spPr bwMode="auto">
+          <a:xfrm>
+            <a:off x="6266851" y="2942765"/>
+            <a:ext cx="279554" cy="279554"/>
+          </a:xfrm>
+          <a:prstGeom prst="rect">
+            <a:avLst/>
+          </a:prstGeom>
+          <a:noFill/>
+          <a:extLst>
+            <a:ext uri="{909E8E84-426E-40DD-AFC4-6F175D3DCCD1}">
+              <a14:hiddenFill xmlns:a14="http://schemas.microsoft.com/office/drawing/2010/main">
+                <a:solidFill>
+                  <a:srgbClr val="FFFFFF"/>
+                </a:solidFill>
+              </a14:hiddenFill>
+            </a:ext>
+          </a:extLst>
+        </p:spPr>
+      </p:pic>
+      <p:pic>
+        <p:nvPicPr>
+          <p:cNvPr id="19" name="Picture 16" descr="Image result for terraform icon"/>
+          <p:cNvPicPr>
+            <a:picLocks noChangeAspect="1" noChangeArrowheads="1"/>
+          </p:cNvPicPr>
+          <p:nvPr/>
+        </p:nvPicPr>
+        <p:blipFill>
+          <a:blip r:embed="rId7">
+            <a:extLst>
+              <a:ext uri="{28A0092B-C50C-407E-A947-70E740481C1C}">
+                <a14:useLocalDpi xmlns:a14="http://schemas.microsoft.com/office/drawing/2010/main" val="0"/>
+              </a:ext>
+            </a:extLst>
+          </a:blip>
+          <a:srcRect/>
+          <a:stretch>
+            <a:fillRect/>
+          </a:stretch>
+        </p:blipFill>
+        <p:spPr bwMode="auto">
+          <a:xfrm>
+            <a:off x="6129284" y="1856362"/>
+            <a:ext cx="448699" cy="448037"/>
+          </a:xfrm>
+          <a:prstGeom prst="rect">
+            <a:avLst/>
+          </a:prstGeom>
+          <a:noFill/>
+          <a:extLst>
+            <a:ext uri="{909E8E84-426E-40DD-AFC4-6F175D3DCCD1}">
+              <a14:hiddenFill xmlns:a14="http://schemas.microsoft.com/office/drawing/2010/main">
+                <a:solidFill>
+                  <a:srgbClr val="FFFFFF"/>
+                </a:solidFill>
+              </a14:hiddenFill>
+            </a:ext>
+          </a:extLst>
+        </p:spPr>
+      </p:pic>
+      <p:pic>
+        <p:nvPicPr>
+          <p:cNvPr id="20" name="Picture 19"/>
+          <p:cNvPicPr>
+            <a:picLocks noChangeAspect="1"/>
+          </p:cNvPicPr>
+          <p:nvPr/>
+        </p:nvPicPr>
+        <p:blipFill>
+          <a:blip r:embed="rId8"/>
+          <a:stretch>
+            <a:fillRect/>
+          </a:stretch>
+        </p:blipFill>
+        <p:spPr>
+          <a:xfrm>
+            <a:off x="6577983" y="1988103"/>
+            <a:ext cx="339922" cy="229947"/>
+          </a:xfrm>
+          <a:prstGeom prst="rect">
+            <a:avLst/>
+          </a:prstGeom>
+        </p:spPr>
+      </p:pic>
     </p:spTree>
     <p:extLst>
       <p:ext uri="{BB962C8B-B14F-4D97-AF65-F5344CB8AC3E}">
-        <p14:creationId xmlns:p14="http://schemas.microsoft.com/office/powerpoint/2010/main" val="552835704"/>
+        <p14:creationId xmlns:p14="http://schemas.microsoft.com/office/powerpoint/2010/main" val="1503737866"/>
       </p:ext>
     </p:extLst>
   </p:cSld>
   <p:clrMapOvr>
     <a:masterClrMapping/>
   </p:clrMapOvr>
+  <p:timing>
+    <p:tnLst>
+      <p:par>
+        <p:cTn id="1" dur="indefinite" restart="never" nodeType="tmRoot"/>
+      </p:par>
+    </p:tnLst>
+  </p:timing>
 </p:sld>
 </file>
 
@@ -4553,7 +9277,94 @@
       </p:grpSpPr>
       <p:sp>
         <p:nvSpPr>
-          <p:cNvPr id="2" name="Text Placeholder 1"/>
+          <p:cNvPr id="2" name="Slide Number Placeholder 1">
+            <a:extLst>
+              <a:ext uri="{FF2B5EF4-FFF2-40B4-BE49-F238E27FC236}">
+                <a16:creationId xmlns:a16="http://schemas.microsoft.com/office/drawing/2014/main" id="{A1994FC2-703D-4349-9ED9-BFC264CD7D92}"/>
+              </a:ext>
+            </a:extLst>
+          </p:cNvPr>
+          <p:cNvSpPr>
+            <a:spLocks noGrp="1"/>
+          </p:cNvSpPr>
+          <p:nvPr>
+            <p:ph type="sldNum" sz="quarter" idx="4"/>
+          </p:nvPr>
+        </p:nvSpPr>
+        <p:spPr/>
+        <p:txBody>
+          <a:bodyPr/>
+          <a:lstStyle/>
+          <a:p>
+            <a:pPr>
+              <a:defRPr/>
+            </a:pPr>
+            <a:fld id="{B8744DBC-FE0A-FE49-B7DE-55FD1938715C}" type="slidenum">
+              <a:rPr lang="fr-CA" altLang="fr-FR" smtClean="0">
+                <a:latin typeface="Calibri" charset="0"/>
+                <a:ea typeface="Calibri" charset="0"/>
+                <a:cs typeface="Calibri" charset="0"/>
+              </a:rPr>
+              <a:pPr>
+                <a:defRPr/>
+              </a:pPr>
+              <a:t>8</a:t>
+            </a:fld>
+            <a:r>
+              <a:rPr lang="fr-CA" altLang="fr-FR"/>
+              <a:t> </a:t>
+            </a:r>
+          </a:p>
+        </p:txBody>
+      </p:sp>
+      <p:sp>
+        <p:nvSpPr>
+          <p:cNvPr id="3" name="Title 2">
+            <a:extLst>
+              <a:ext uri="{FF2B5EF4-FFF2-40B4-BE49-F238E27FC236}">
+                <a16:creationId xmlns:a16="http://schemas.microsoft.com/office/drawing/2014/main" id="{B91E08D8-42FF-5C49-A70D-B83A29A3F2FF}"/>
+              </a:ext>
+            </a:extLst>
+          </p:cNvPr>
+          <p:cNvSpPr>
+            <a:spLocks noGrp="1"/>
+          </p:cNvSpPr>
+          <p:nvPr>
+            <p:ph type="title"/>
+          </p:nvPr>
+        </p:nvSpPr>
+        <p:spPr/>
+        <p:txBody>
+          <a:bodyPr>
+            <a:normAutofit/>
+          </a:bodyPr>
+          <a:lstStyle/>
+          <a:p>
+            <a:r>
+              <a:rPr lang="en-CA" dirty="0" err="1"/>
+              <a:t>Autres</a:t>
+            </a:r>
+            <a:r>
+              <a:rPr lang="en-CA" dirty="0"/>
+              <a:t> </a:t>
+            </a:r>
+            <a:r>
+              <a:rPr lang="en-CA" dirty="0" err="1"/>
+              <a:t>apprentissages</a:t>
+            </a:r>
+            <a:endParaRPr lang="en-CA" dirty="0"/>
+          </a:p>
+        </p:txBody>
+      </p:sp>
+      <p:sp>
+        <p:nvSpPr>
+          <p:cNvPr id="4" name="Text Placeholder 3">
+            <a:extLst>
+              <a:ext uri="{FF2B5EF4-FFF2-40B4-BE49-F238E27FC236}">
+                <a16:creationId xmlns:a16="http://schemas.microsoft.com/office/drawing/2014/main" id="{CFB88BEF-5D73-D345-A71E-7D4554A1B176}"/>
+              </a:ext>
+            </a:extLst>
+          </p:cNvPr>
           <p:cNvSpPr>
             <a:spLocks noGrp="1"/>
           </p:cNvSpPr>
@@ -4563,21 +9374,203 @@
         </p:nvSpPr>
         <p:spPr>
           <a:xfrm>
-            <a:off x="673100" y="2463377"/>
-            <a:ext cx="5089747" cy="877887"/>
+            <a:off x="455633" y="1181579"/>
+            <a:ext cx="8418543" cy="5511529"/>
           </a:xfrm>
         </p:spPr>
         <p:txBody>
           <a:bodyPr lIns="0" tIns="0" rIns="0" bIns="0" anchor="t"/>
           <a:lstStyle/>
           <a:p>
-            <a:r>
-              <a:rPr lang="fr-CA" dirty="0">
-                <a:latin typeface="Arial"/>
-                <a:cs typeface="Arial"/>
-              </a:rPr>
-              <a:t>Q&amp;A</a:t>
-            </a:r>
+            <a:endParaRPr lang="fr-CA" dirty="0"/>
+          </a:p>
+          <a:p>
+            <a:endParaRPr lang="fr-CA" dirty="0"/>
+          </a:p>
+          <a:p>
+            <a:endParaRPr lang="fr-CA" dirty="0"/>
+          </a:p>
+          <a:p>
+            <a:endParaRPr lang="fr-CA" dirty="0"/>
+          </a:p>
+          <a:p>
+            <a:endParaRPr lang="fr-CA" dirty="0"/>
+          </a:p>
+          <a:p>
+            <a:endParaRPr lang="fr-CA" dirty="0"/>
+          </a:p>
+          <a:p>
+            <a:endParaRPr lang="fr-CA" dirty="0"/>
+          </a:p>
+        </p:txBody>
+      </p:sp>
+      <p:sp>
+        <p:nvSpPr>
+          <p:cNvPr id="5" name="ZoneTexte 4">
+            <a:extLst>
+              <a:ext uri="{FF2B5EF4-FFF2-40B4-BE49-F238E27FC236}">
+                <a16:creationId xmlns:a16="http://schemas.microsoft.com/office/drawing/2014/main" id="{5058F90F-AC14-42A9-ABB0-96BA2040FF3D}"/>
+              </a:ext>
+            </a:extLst>
+          </p:cNvPr>
+          <p:cNvSpPr txBox="1"/>
+          <p:nvPr/>
+        </p:nvSpPr>
+        <p:spPr>
+          <a:xfrm>
+            <a:off x="103078" y="1303455"/>
+            <a:ext cx="8660778" cy="4893647"/>
+          </a:xfrm>
+          <a:prstGeom prst="rect">
+            <a:avLst/>
+          </a:prstGeom>
+          <a:noFill/>
+        </p:spPr>
+        <p:txBody>
+          <a:bodyPr wrap="square" rtlCol="0">
+            <a:spAutoFit/>
+          </a:bodyPr>
+          <a:lstStyle/>
+          <a:p>
+            <a:pPr marL="342900" indent="-342900">
+              <a:buFont typeface="Arial" panose="020B0604020202020204" pitchFamily="34" charset="0"/>
+              <a:buChar char="•"/>
+            </a:pPr>
+            <a:r>
+              <a:rPr lang="fr-CA" sz="2000" dirty="0" smtClean="0"/>
+              <a:t>Processus et la philosophie </a:t>
+            </a:r>
+            <a:r>
+              <a:rPr lang="fr-CA" sz="2000" dirty="0" err="1" smtClean="0"/>
+              <a:t>DevOps</a:t>
+            </a:r>
+            <a:endParaRPr lang="fr-CA" sz="2000" dirty="0" smtClean="0"/>
+          </a:p>
+          <a:p>
+            <a:pPr marL="800100" lvl="1" indent="-342900">
+              <a:buFont typeface="Arial" panose="020B0604020202020204" pitchFamily="34" charset="0"/>
+              <a:buChar char="•"/>
+            </a:pPr>
+            <a:r>
+              <a:rPr lang="fr-CA" sz="2000" dirty="0" smtClean="0"/>
+              <a:t>Pensé systémique</a:t>
+            </a:r>
+          </a:p>
+          <a:p>
+            <a:pPr marL="800100" lvl="1" indent="-342900">
+              <a:buFont typeface="Arial" panose="020B0604020202020204" pitchFamily="34" charset="0"/>
+              <a:buChar char="•"/>
+            </a:pPr>
+            <a:r>
+              <a:rPr lang="fr-CA" sz="2000" dirty="0" smtClean="0"/>
+              <a:t>Amplifier la boucle de rétroaction</a:t>
+            </a:r>
+          </a:p>
+          <a:p>
+            <a:pPr marL="800100" lvl="1" indent="-342900">
+              <a:buFont typeface="Arial" panose="020B0604020202020204" pitchFamily="34" charset="0"/>
+              <a:buChar char="•"/>
+            </a:pPr>
+            <a:r>
+              <a:rPr lang="fr-CA" sz="2000" dirty="0" smtClean="0"/>
+              <a:t>Expérimenter et apprendre en continu</a:t>
+            </a:r>
+          </a:p>
+          <a:p>
+            <a:pPr lvl="1"/>
+            <a:endParaRPr lang="fr-CA" sz="2000" dirty="0" smtClean="0"/>
+          </a:p>
+          <a:p>
+            <a:pPr marL="342900" indent="-342900">
+              <a:buFont typeface="Arial" panose="020B0604020202020204" pitchFamily="34" charset="0"/>
+              <a:buChar char="•"/>
+            </a:pPr>
+            <a:r>
+              <a:rPr lang="fr-CA" sz="2000" dirty="0" smtClean="0"/>
+              <a:t>Pratiquer l’agilité avec des plannings, </a:t>
+            </a:r>
+            <a:r>
+              <a:rPr lang="fr-CA" sz="2000" dirty="0" err="1" smtClean="0"/>
+              <a:t>daily</a:t>
+            </a:r>
+            <a:r>
+              <a:rPr lang="fr-CA" sz="2000" dirty="0" smtClean="0"/>
+              <a:t> </a:t>
+            </a:r>
+            <a:r>
+              <a:rPr lang="fr-CA" sz="2000" dirty="0" err="1" smtClean="0"/>
+              <a:t>scrum</a:t>
+            </a:r>
+            <a:r>
+              <a:rPr lang="fr-CA" sz="2000" dirty="0" smtClean="0"/>
+              <a:t>, retro, </a:t>
+            </a:r>
+            <a:r>
+              <a:rPr lang="fr-CA" sz="2000" dirty="0" err="1" smtClean="0"/>
+              <a:t>demo</a:t>
+            </a:r>
+            <a:endParaRPr lang="fr-CA" sz="2000" dirty="0" smtClean="0"/>
+          </a:p>
+          <a:p>
+            <a:endParaRPr lang="fr-CA" sz="2000" dirty="0" smtClean="0"/>
+          </a:p>
+          <a:p>
+            <a:pPr marL="342900" indent="-342900">
+              <a:buFont typeface="Arial" panose="020B0604020202020204" pitchFamily="34" charset="0"/>
+              <a:buChar char="•"/>
+            </a:pPr>
+            <a:r>
+              <a:rPr lang="fr-CA" sz="2000" dirty="0" smtClean="0"/>
+              <a:t>L’importance de la communication / collaboration dans le </a:t>
+            </a:r>
+            <a:r>
+              <a:rPr lang="fr-CA" sz="2000" dirty="0" err="1" smtClean="0"/>
+              <a:t>DevOps</a:t>
+            </a:r>
+            <a:endParaRPr lang="fr-CA" sz="2000" dirty="0" smtClean="0"/>
+          </a:p>
+          <a:p>
+            <a:endParaRPr lang="fr-CA" sz="2000" dirty="0" smtClean="0"/>
+          </a:p>
+          <a:p>
+            <a:pPr marL="342900" indent="-342900">
+              <a:buFont typeface="Arial" panose="020B0604020202020204" pitchFamily="34" charset="0"/>
+              <a:buChar char="•"/>
+            </a:pPr>
+            <a:r>
+              <a:rPr lang="fr-CA" sz="2000" dirty="0" smtClean="0"/>
+              <a:t>Les avantages d’avoir un pipeline complet et opérationnel pour ensuite livrer de la valeur d’affaire</a:t>
+            </a:r>
+          </a:p>
+          <a:p>
+            <a:pPr marL="342900" indent="-342900">
+              <a:buFont typeface="Arial" panose="020B0604020202020204" pitchFamily="34" charset="0"/>
+              <a:buChar char="•"/>
+            </a:pPr>
+            <a:endParaRPr lang="fr-CA" sz="2000" dirty="0" smtClean="0"/>
+          </a:p>
+          <a:p>
+            <a:pPr marL="342900" indent="-342900">
+              <a:buFont typeface="Arial" panose="020B0604020202020204" pitchFamily="34" charset="0"/>
+              <a:buChar char="•"/>
+            </a:pPr>
+            <a:r>
+              <a:rPr lang="fr-CA" sz="2000" dirty="0"/>
+              <a:t>Tous les bénéfices du travailles en groupe (ex : </a:t>
+            </a:r>
+            <a:r>
+              <a:rPr lang="fr-CA" sz="2000" dirty="0" err="1"/>
+              <a:t>bînomage</a:t>
+            </a:r>
+            <a:r>
+              <a:rPr lang="fr-CA" sz="2000" dirty="0"/>
+              <a:t>)</a:t>
+            </a:r>
+          </a:p>
+          <a:p>
+            <a:endParaRPr lang="fr-CA" dirty="0" smtClean="0"/>
+          </a:p>
+          <a:p>
             <a:endParaRPr lang="fr-CA" dirty="0"/>
           </a:p>
         </p:txBody>
@@ -4585,13 +9578,415 @@
     </p:spTree>
     <p:extLst>
       <p:ext uri="{BB962C8B-B14F-4D97-AF65-F5344CB8AC3E}">
-        <p14:creationId xmlns:p14="http://schemas.microsoft.com/office/powerpoint/2010/main" val="348443466"/>
+        <p14:creationId xmlns:p14="http://schemas.microsoft.com/office/powerpoint/2010/main" val="514582991"/>
       </p:ext>
     </p:extLst>
   </p:cSld>
   <p:clrMapOvr>
     <a:masterClrMapping/>
   </p:clrMapOvr>
+  <p:timing>
+    <p:tnLst>
+      <p:par>
+        <p:cTn id="1" dur="indefinite" restart="never" nodeType="tmRoot"/>
+      </p:par>
+    </p:tnLst>
+  </p:timing>
+</p:sld>
+</file>
+
+<file path=ppt/slides/slide9.xml><?xml version="1.0" encoding="utf-8"?>
+<p:sld xmlns:a="http://schemas.openxmlformats.org/drawingml/2006/main" xmlns:r="http://schemas.openxmlformats.org/officeDocument/2006/relationships" xmlns:p="http://schemas.openxmlformats.org/presentationml/2006/main">
+  <p:cSld>
+    <p:spTree>
+      <p:nvGrpSpPr>
+        <p:cNvPr id="1" name=""/>
+        <p:cNvGrpSpPr/>
+        <p:nvPr/>
+      </p:nvGrpSpPr>
+      <p:grpSpPr>
+        <a:xfrm>
+          <a:off x="0" y="0"/>
+          <a:ext cx="0" cy="0"/>
+          <a:chOff x="0" y="0"/>
+          <a:chExt cx="0" cy="0"/>
+        </a:xfrm>
+      </p:grpSpPr>
+      <p:sp>
+        <p:nvSpPr>
+          <p:cNvPr id="2" name="Slide Number Placeholder 1">
+            <a:extLst>
+              <a:ext uri="{FF2B5EF4-FFF2-40B4-BE49-F238E27FC236}">
+                <a16:creationId xmlns:a16="http://schemas.microsoft.com/office/drawing/2014/main" id="{A1994FC2-703D-4349-9ED9-BFC264CD7D92}"/>
+              </a:ext>
+            </a:extLst>
+          </p:cNvPr>
+          <p:cNvSpPr>
+            <a:spLocks noGrp="1"/>
+          </p:cNvSpPr>
+          <p:nvPr>
+            <p:ph type="sldNum" sz="quarter" idx="4"/>
+          </p:nvPr>
+        </p:nvSpPr>
+        <p:spPr/>
+        <p:txBody>
+          <a:bodyPr/>
+          <a:lstStyle/>
+          <a:p>
+            <a:pPr>
+              <a:defRPr/>
+            </a:pPr>
+            <a:fld id="{B8744DBC-FE0A-FE49-B7DE-55FD1938715C}" type="slidenum">
+              <a:rPr lang="fr-CA" altLang="fr-FR" smtClean="0">
+                <a:latin typeface="Calibri" charset="0"/>
+                <a:ea typeface="Calibri" charset="0"/>
+                <a:cs typeface="Calibri" charset="0"/>
+              </a:rPr>
+              <a:pPr>
+                <a:defRPr/>
+              </a:pPr>
+              <a:t>9</a:t>
+            </a:fld>
+            <a:r>
+              <a:rPr lang="fr-CA" altLang="fr-FR"/>
+              <a:t> </a:t>
+            </a:r>
+          </a:p>
+        </p:txBody>
+      </p:sp>
+      <p:sp>
+        <p:nvSpPr>
+          <p:cNvPr id="3" name="Title 2">
+            <a:extLst>
+              <a:ext uri="{FF2B5EF4-FFF2-40B4-BE49-F238E27FC236}">
+                <a16:creationId xmlns:a16="http://schemas.microsoft.com/office/drawing/2014/main" id="{B91E08D8-42FF-5C49-A70D-B83A29A3F2FF}"/>
+              </a:ext>
+            </a:extLst>
+          </p:cNvPr>
+          <p:cNvSpPr>
+            <a:spLocks noGrp="1"/>
+          </p:cNvSpPr>
+          <p:nvPr>
+            <p:ph type="title"/>
+          </p:nvPr>
+        </p:nvSpPr>
+        <p:spPr/>
+        <p:txBody>
+          <a:bodyPr>
+            <a:normAutofit/>
+          </a:bodyPr>
+          <a:lstStyle/>
+          <a:p>
+            <a:r>
+              <a:rPr lang="en-CA" dirty="0" err="1"/>
+              <a:t>Autres</a:t>
+            </a:r>
+            <a:r>
+              <a:rPr lang="en-CA" dirty="0"/>
+              <a:t> </a:t>
+            </a:r>
+            <a:r>
+              <a:rPr lang="en-CA" dirty="0" err="1"/>
+              <a:t>apprentissages</a:t>
+            </a:r>
+            <a:endParaRPr lang="en-CA" dirty="0"/>
+          </a:p>
+        </p:txBody>
+      </p:sp>
+      <p:sp>
+        <p:nvSpPr>
+          <p:cNvPr id="4" name="Text Placeholder 3">
+            <a:extLst>
+              <a:ext uri="{FF2B5EF4-FFF2-40B4-BE49-F238E27FC236}">
+                <a16:creationId xmlns:a16="http://schemas.microsoft.com/office/drawing/2014/main" id="{CFB88BEF-5D73-D345-A71E-7D4554A1B176}"/>
+              </a:ext>
+            </a:extLst>
+          </p:cNvPr>
+          <p:cNvSpPr>
+            <a:spLocks noGrp="1"/>
+          </p:cNvSpPr>
+          <p:nvPr>
+            <p:ph type="body" sz="quarter" idx="11"/>
+          </p:nvPr>
+        </p:nvSpPr>
+        <p:spPr>
+          <a:xfrm>
+            <a:off x="455633" y="1133146"/>
+            <a:ext cx="8418543" cy="5511529"/>
+          </a:xfrm>
+        </p:spPr>
+        <p:txBody>
+          <a:bodyPr lIns="0" tIns="0" rIns="0" bIns="0" anchor="t"/>
+          <a:lstStyle/>
+          <a:p>
+            <a:endParaRPr lang="fr-CA" dirty="0"/>
+          </a:p>
+          <a:p>
+            <a:endParaRPr lang="fr-CA" dirty="0"/>
+          </a:p>
+          <a:p>
+            <a:endParaRPr lang="fr-CA" dirty="0"/>
+          </a:p>
+          <a:p>
+            <a:endParaRPr lang="fr-CA" dirty="0"/>
+          </a:p>
+          <a:p>
+            <a:endParaRPr lang="fr-CA" dirty="0"/>
+          </a:p>
+          <a:p>
+            <a:endParaRPr lang="fr-CA" dirty="0"/>
+          </a:p>
+          <a:p>
+            <a:endParaRPr lang="fr-CA" dirty="0"/>
+          </a:p>
+        </p:txBody>
+      </p:sp>
+      <p:sp>
+        <p:nvSpPr>
+          <p:cNvPr id="5" name="ZoneTexte 4">
+            <a:extLst>
+              <a:ext uri="{FF2B5EF4-FFF2-40B4-BE49-F238E27FC236}">
+                <a16:creationId xmlns:a16="http://schemas.microsoft.com/office/drawing/2014/main" id="{5058F90F-AC14-42A9-ABB0-96BA2040FF3D}"/>
+              </a:ext>
+            </a:extLst>
+          </p:cNvPr>
+          <p:cNvSpPr txBox="1"/>
+          <p:nvPr/>
+        </p:nvSpPr>
+        <p:spPr>
+          <a:xfrm>
+            <a:off x="103078" y="1303455"/>
+            <a:ext cx="8660778" cy="6370975"/>
+          </a:xfrm>
+          <a:prstGeom prst="rect">
+            <a:avLst/>
+          </a:prstGeom>
+          <a:noFill/>
+        </p:spPr>
+        <p:txBody>
+          <a:bodyPr wrap="square" rtlCol="0">
+            <a:spAutoFit/>
+          </a:bodyPr>
+          <a:lstStyle/>
+          <a:p>
+            <a:pPr marL="342900" indent="-342900">
+              <a:buFont typeface="Wingdings" panose="05000000000000000000" pitchFamily="2" charset="2"/>
+              <a:buChar char="q"/>
+            </a:pPr>
+            <a:r>
+              <a:rPr lang="fr-CA" dirty="0" smtClean="0"/>
+              <a:t>Points positifs à la formation</a:t>
+            </a:r>
+          </a:p>
+          <a:p>
+            <a:pPr marL="800100" lvl="1" indent="-342900">
+              <a:buFont typeface="Arial" panose="020B0604020202020204" pitchFamily="34" charset="0"/>
+              <a:buChar char="•"/>
+            </a:pPr>
+            <a:r>
+              <a:rPr lang="fr-CA" sz="2000" dirty="0"/>
+              <a:t>Travail d’équipe en </a:t>
+            </a:r>
+            <a:r>
+              <a:rPr lang="fr-CA" sz="2000" dirty="0" smtClean="0"/>
+              <a:t>groupe</a:t>
+            </a:r>
+            <a:endParaRPr lang="fr-CA" sz="2000" dirty="0" smtClean="0"/>
+          </a:p>
+          <a:p>
+            <a:pPr marL="800100" lvl="1" indent="-342900">
+              <a:buFont typeface="Arial" panose="020B0604020202020204" pitchFamily="34" charset="0"/>
+              <a:buChar char="•"/>
+            </a:pPr>
+            <a:r>
+              <a:rPr lang="fr-CA" sz="2000" dirty="0" smtClean="0"/>
+              <a:t>Beaucoup </a:t>
+            </a:r>
+            <a:r>
+              <a:rPr lang="fr-CA" sz="2000" dirty="0" smtClean="0"/>
+              <a:t>d’exercices pratiques</a:t>
+            </a:r>
+          </a:p>
+          <a:p>
+            <a:pPr marL="800100" lvl="1" indent="-342900">
+              <a:buFont typeface="Arial" panose="020B0604020202020204" pitchFamily="34" charset="0"/>
+              <a:buChar char="•"/>
+            </a:pPr>
+            <a:r>
+              <a:rPr lang="fr-CA" sz="2000" dirty="0" smtClean="0"/>
+              <a:t>Instructeur </a:t>
+            </a:r>
+            <a:r>
+              <a:rPr lang="fr-CA" sz="2000" dirty="0" smtClean="0"/>
+              <a:t>disponible, adapte le cours au besoins et aide tout le monde </a:t>
+            </a:r>
+            <a:r>
+              <a:rPr lang="fr-CA" sz="2000" dirty="0" smtClean="0"/>
+              <a:t>individuellement</a:t>
+            </a:r>
+          </a:p>
+          <a:p>
+            <a:pPr marL="800100" lvl="1" indent="-342900">
+              <a:buFont typeface="Arial" panose="020B0604020202020204" pitchFamily="34" charset="0"/>
+              <a:buChar char="•"/>
+            </a:pPr>
+            <a:r>
+              <a:rPr lang="fr-CA" sz="2000" dirty="0"/>
+              <a:t>L’environnement : emplacement physique + café/biscuit</a:t>
+            </a:r>
+          </a:p>
+          <a:p>
+            <a:pPr lvl="1"/>
+            <a:endParaRPr lang="fr-CA" sz="2000" dirty="0" smtClean="0"/>
+          </a:p>
+          <a:p>
+            <a:pPr lvl="1"/>
+            <a:endParaRPr lang="fr-CA" dirty="0" smtClean="0"/>
+          </a:p>
+          <a:p>
+            <a:endParaRPr lang="fr-CA" dirty="0" smtClean="0"/>
+          </a:p>
+          <a:p>
+            <a:pPr marL="342900" indent="-342900">
+              <a:buFont typeface="Wingdings" panose="05000000000000000000" pitchFamily="2" charset="2"/>
+              <a:buChar char="q"/>
+            </a:pPr>
+            <a:r>
+              <a:rPr lang="fr-CA" dirty="0" smtClean="0"/>
+              <a:t>Points d’amélioration à la formation</a:t>
+            </a:r>
+          </a:p>
+          <a:p>
+            <a:pPr marL="800100" lvl="1" indent="-342900">
+              <a:buFont typeface="Arial" panose="020B0604020202020204" pitchFamily="34" charset="0"/>
+              <a:buChar char="•"/>
+            </a:pPr>
+            <a:r>
+              <a:rPr lang="fr-CA" sz="2000" dirty="0" smtClean="0"/>
+              <a:t>Exercices </a:t>
+            </a:r>
+            <a:r>
+              <a:rPr lang="fr-CA" sz="2000" dirty="0" smtClean="0"/>
+              <a:t>difficilement adaptable au </a:t>
+            </a:r>
+            <a:r>
+              <a:rPr lang="fr-CA" sz="2000" dirty="0" smtClean="0"/>
+              <a:t>différent niveau de connaissance des participants</a:t>
+            </a:r>
+            <a:endParaRPr lang="fr-CA" sz="2000" dirty="0" smtClean="0"/>
+          </a:p>
+          <a:p>
+            <a:pPr marL="800100" lvl="1" indent="-342900">
+              <a:buFont typeface="Arial" panose="020B0604020202020204" pitchFamily="34" charset="0"/>
+              <a:buChar char="•"/>
+            </a:pPr>
+            <a:r>
+              <a:rPr lang="fr-CA" sz="2000" dirty="0" smtClean="0"/>
+              <a:t>Les environnements n’étaient pas totalement opérationnel </a:t>
+            </a:r>
+            <a:r>
+              <a:rPr lang="fr-CA" sz="2000" dirty="0" smtClean="0"/>
+              <a:t>impliquant une petite perte de temps</a:t>
+            </a:r>
+          </a:p>
+          <a:p>
+            <a:pPr marL="800100" lvl="1" indent="-342900">
+              <a:buFont typeface="Arial" panose="020B0604020202020204" pitchFamily="34" charset="0"/>
+              <a:buChar char="•"/>
+            </a:pPr>
+            <a:r>
+              <a:rPr lang="fr-CA" sz="2000" dirty="0" smtClean="0"/>
+              <a:t>Avoir </a:t>
+            </a:r>
+            <a:r>
+              <a:rPr lang="fr-CA" sz="2000" dirty="0" smtClean="0"/>
+              <a:t>les solutions des exercices à </a:t>
+            </a:r>
+            <a:r>
+              <a:rPr lang="fr-CA" sz="2000" dirty="0" smtClean="0"/>
+              <a:t>la fin de chaqu</a:t>
+            </a:r>
+            <a:r>
+              <a:rPr lang="fr-CA" sz="2000" dirty="0" smtClean="0"/>
+              <a:t>e </a:t>
+            </a:r>
+            <a:r>
+              <a:rPr lang="fr-CA" sz="2000" dirty="0" smtClean="0"/>
+              <a:t>module, au lieu de tout </a:t>
+            </a:r>
+            <a:r>
+              <a:rPr lang="fr-CA" sz="2000" smtClean="0"/>
+              <a:t>avoir à la </a:t>
+            </a:r>
+            <a:r>
+              <a:rPr lang="fr-CA" sz="2000" dirty="0" smtClean="0"/>
+              <a:t>toute fin</a:t>
+            </a:r>
+            <a:endParaRPr lang="fr-CA" sz="2000" dirty="0" smtClean="0"/>
+          </a:p>
+          <a:p>
+            <a:pPr lvl="1"/>
+            <a:endParaRPr lang="fr-CA" dirty="0" smtClean="0"/>
+          </a:p>
+          <a:p>
+            <a:pPr marL="800100" lvl="1" indent="-342900">
+              <a:buFont typeface="Arial" panose="020B0604020202020204" pitchFamily="34" charset="0"/>
+              <a:buChar char="•"/>
+            </a:pPr>
+            <a:endParaRPr lang="fr-CA" dirty="0" smtClean="0"/>
+          </a:p>
+          <a:p>
+            <a:endParaRPr lang="fr-CA" dirty="0" smtClean="0"/>
+          </a:p>
+        </p:txBody>
+      </p:sp>
+      <p:pic>
+        <p:nvPicPr>
+          <p:cNvPr id="6" name="Picture 5"/>
+          <p:cNvPicPr>
+            <a:picLocks noChangeAspect="1"/>
+          </p:cNvPicPr>
+          <p:nvPr/>
+        </p:nvPicPr>
+        <p:blipFill>
+          <a:blip r:embed="rId2">
+            <a:extLst>
+              <a:ext uri="{28A0092B-C50C-407E-A947-70E740481C1C}">
+                <a14:useLocalDpi xmlns:a14="http://schemas.microsoft.com/office/drawing/2010/main" val="0"/>
+              </a:ext>
+            </a:extLst>
+          </a:blip>
+          <a:stretch>
+            <a:fillRect/>
+          </a:stretch>
+        </p:blipFill>
+        <p:spPr>
+          <a:xfrm>
+            <a:off x="6941574" y="1"/>
+            <a:ext cx="2202426" cy="1651820"/>
+          </a:xfrm>
+          <a:prstGeom prst="rect">
+            <a:avLst/>
+          </a:prstGeom>
+        </p:spPr>
+      </p:pic>
+    </p:spTree>
+    <p:extLst>
+      <p:ext uri="{BB962C8B-B14F-4D97-AF65-F5344CB8AC3E}">
+        <p14:creationId xmlns:p14="http://schemas.microsoft.com/office/powerpoint/2010/main" val="4000174299"/>
+      </p:ext>
+    </p:extLst>
+  </p:cSld>
+  <p:clrMapOvr>
+    <a:masterClrMapping/>
+  </p:clrMapOvr>
+  <p:timing>
+    <p:tnLst>
+      <p:par>
+        <p:cTn id="1" dur="indefinite" restart="never" nodeType="tmRoot"/>
+      </p:par>
+    </p:tnLst>
+  </p:timing>
 </p:sld>
 </file>
 
